--- a/projects/12-KnuthMorrisPratt/slides/presentation_KMP.pptx
+++ b/projects/12-KnuthMorrisPratt/slides/presentation_KMP.pptx
@@ -17,58 +17,52 @@
     <p:sldId id="261" r:id="rId12"/>
     <p:sldId id="262" r:id="rId13"/>
     <p:sldId id="263" r:id="rId14"/>
-    <p:sldId id="264" r:id="rId15"/>
-    <p:sldId id="265" r:id="rId16"/>
-    <p:sldId id="266" r:id="rId17"/>
-    <p:sldId id="267" r:id="rId18"/>
-    <p:sldId id="268" r:id="rId19"/>
-    <p:sldId id="269" r:id="rId20"/>
   </p:sldIdLst>
   <p:sldSz cy="5143500" cx="9144000"/>
   <p:notesSz cx="6858000" cy="9144000"/>
   <p:embeddedFontLst>
     <p:embeddedFont>
       <p:font typeface="Barlow ExtraLight"/>
-      <p:regular r:id="rId21"/>
-      <p:bold r:id="rId22"/>
-      <p:italic r:id="rId23"/>
-      <p:boldItalic r:id="rId24"/>
+      <p:regular r:id="rId15"/>
+      <p:bold r:id="rId16"/>
+      <p:italic r:id="rId17"/>
+      <p:boldItalic r:id="rId18"/>
     </p:embeddedFont>
     <p:embeddedFont>
       <p:font typeface="Hepta Slab Medium"/>
-      <p:regular r:id="rId25"/>
-      <p:bold r:id="rId26"/>
+      <p:regular r:id="rId19"/>
+      <p:bold r:id="rId20"/>
     </p:embeddedFont>
     <p:embeddedFont>
       <p:font typeface="Hepta Slab Light"/>
-      <p:regular r:id="rId27"/>
-      <p:bold r:id="rId28"/>
+      <p:regular r:id="rId21"/>
+      <p:bold r:id="rId22"/>
     </p:embeddedFont>
     <p:embeddedFont>
       <p:font typeface="Hepta Slab"/>
-      <p:regular r:id="rId29"/>
-      <p:bold r:id="rId30"/>
+      <p:regular r:id="rId23"/>
+      <p:bold r:id="rId24"/>
     </p:embeddedFont>
     <p:embeddedFont>
       <p:font typeface="Barlow Medium"/>
-      <p:regular r:id="rId31"/>
-      <p:bold r:id="rId32"/>
-      <p:italic r:id="rId33"/>
-      <p:boldItalic r:id="rId34"/>
+      <p:regular r:id="rId25"/>
+      <p:bold r:id="rId26"/>
+      <p:italic r:id="rId27"/>
+      <p:boldItalic r:id="rId28"/>
     </p:embeddedFont>
     <p:embeddedFont>
       <p:font typeface="Barlow Light"/>
-      <p:regular r:id="rId35"/>
-      <p:bold r:id="rId36"/>
-      <p:italic r:id="rId37"/>
-      <p:boldItalic r:id="rId38"/>
+      <p:regular r:id="rId29"/>
+      <p:bold r:id="rId30"/>
+      <p:italic r:id="rId31"/>
+      <p:boldItalic r:id="rId32"/>
     </p:embeddedFont>
     <p:embeddedFont>
       <p:font typeface="Barlow"/>
-      <p:regular r:id="rId39"/>
-      <p:bold r:id="rId40"/>
-      <p:italic r:id="rId41"/>
-      <p:boldItalic r:id="rId42"/>
+      <p:regular r:id="rId33"/>
+      <p:bold r:id="rId34"/>
+      <p:italic r:id="rId35"/>
+      <p:boldItalic r:id="rId36"/>
     </p:embeddedFont>
   </p:embeddedFontLst>
   <p:defaultTextStyle>
@@ -845,12 +839,12 @@
 </p:notes>
 </file>
 
-<file path=ppt/notesSlides/notesSlide10.xml><?xml version="1.0" encoding="utf-8"?>
+<file path=ppt/notesSlides/notesSlide2.xml><?xml version="1.0" encoding="utf-8"?>
 <p:notes xmlns:a="http://schemas.openxmlformats.org/drawingml/2006/main" xmlns:r="http://schemas.openxmlformats.org/officeDocument/2006/relationships" xmlns:mc="http://schemas.openxmlformats.org/markup-compatibility/2006" xmlns:mv="urn:schemas-microsoft-com:mac:vml" xmlns:p="http://schemas.openxmlformats.org/presentationml/2006/main" xmlns:c="http://schemas.openxmlformats.org/drawingml/2006/chart" xmlns:dgm="http://schemas.openxmlformats.org/drawingml/2006/diagram" xmlns:o="urn:schemas-microsoft-com:office:office" xmlns:v="urn:schemas-microsoft-com:vml" xmlns:pvml="urn:schemas-microsoft-com:office:powerpoint" xmlns:com="http://schemas.openxmlformats.org/drawingml/2006/compatibility" xmlns:p14="http://schemas.microsoft.com/office/powerpoint/2010/main" xmlns:p15="http://schemas.microsoft.com/office/powerpoint/2012/main" xmlns:ahyp="http://schemas.microsoft.com/office/drawing/2018/hyperlinkcolor" showMasterPhAnim="0" showMasterSp="0">
   <p:cSld>
     <p:spTree>
       <p:nvGrpSpPr>
-        <p:cNvPr id="492" name="Shape 492"/>
+        <p:cNvPr id="373" name="Shape 373"/>
         <p:cNvGrpSpPr/>
         <p:nvPr/>
       </p:nvGrpSpPr>
@@ -864,7 +858,7 @@
       </p:grpSpPr>
       <p:sp>
         <p:nvSpPr>
-          <p:cNvPr id="493" name="Google Shape;493;g34d9962fad7_2_86:notes"/>
+          <p:cNvPr id="374" name="Google Shape;374;g34d94e16aa1_1_354:notes"/>
           <p:cNvSpPr/>
           <p:nvPr>
             <p:ph idx="2" type="sldImg"/>
@@ -899,502 +893,7 @@
       </p:sp>
       <p:sp>
         <p:nvSpPr>
-          <p:cNvPr id="494" name="Google Shape;494;g34d9962fad7_2_86:notes"/>
-          <p:cNvSpPr txBox="1"/>
-          <p:nvPr>
-            <p:ph idx="1" type="body"/>
-          </p:nvPr>
-        </p:nvSpPr>
-        <p:spPr>
-          <a:xfrm>
-            <a:off x="685800" y="4343400"/>
-            <a:ext cx="5486400" cy="4114800"/>
-          </a:xfrm>
-          <a:prstGeom prst="rect">
-            <a:avLst/>
-          </a:prstGeom>
-        </p:spPr>
-        <p:txBody>
-          <a:bodyPr anchorCtr="0" anchor="t" bIns="91425" lIns="91425" spcFirstLastPara="1" rIns="91425" wrap="square" tIns="91425">
-            <a:noAutofit/>
-          </a:bodyPr>
-          <a:lstStyle/>
-          <a:p>
-            <a:pPr indent="0" lvl="0" marL="0" rtl="0" algn="l">
-              <a:spcBef>
-                <a:spcPts val="0"/>
-              </a:spcBef>
-              <a:spcAft>
-                <a:spcPts val="0"/>
-              </a:spcAft>
-              <a:buNone/>
-            </a:pPr>
-            <a:r>
-              <a:t/>
-            </a:r>
-            <a:endParaRPr/>
-          </a:p>
-        </p:txBody>
-      </p:sp>
-    </p:spTree>
-  </p:cSld>
-  <p:clrMapOvr>
-    <a:masterClrMapping/>
-  </p:clrMapOvr>
-</p:notes>
-</file>
-
-<file path=ppt/notesSlides/notesSlide11.xml><?xml version="1.0" encoding="utf-8"?>
-<p:notes xmlns:a="http://schemas.openxmlformats.org/drawingml/2006/main" xmlns:r="http://schemas.openxmlformats.org/officeDocument/2006/relationships" xmlns:mc="http://schemas.openxmlformats.org/markup-compatibility/2006" xmlns:mv="urn:schemas-microsoft-com:mac:vml" xmlns:p="http://schemas.openxmlformats.org/presentationml/2006/main" xmlns:c="http://schemas.openxmlformats.org/drawingml/2006/chart" xmlns:dgm="http://schemas.openxmlformats.org/drawingml/2006/diagram" xmlns:o="urn:schemas-microsoft-com:office:office" xmlns:v="urn:schemas-microsoft-com:vml" xmlns:pvml="urn:schemas-microsoft-com:office:powerpoint" xmlns:com="http://schemas.openxmlformats.org/drawingml/2006/compatibility" xmlns:p14="http://schemas.microsoft.com/office/powerpoint/2010/main" xmlns:p15="http://schemas.microsoft.com/office/powerpoint/2012/main" xmlns:ahyp="http://schemas.microsoft.com/office/drawing/2018/hyperlinkcolor" showMasterPhAnim="0" showMasterSp="0">
-  <p:cSld>
-    <p:spTree>
-      <p:nvGrpSpPr>
-        <p:cNvPr id="502" name="Shape 502"/>
-        <p:cNvGrpSpPr/>
-        <p:nvPr/>
-      </p:nvGrpSpPr>
-      <p:grpSpPr>
-        <a:xfrm>
-          <a:off x="0" y="0"/>
-          <a:ext cx="0" cy="0"/>
-          <a:chOff x="0" y="0"/>
-          <a:chExt cx="0" cy="0"/>
-        </a:xfrm>
-      </p:grpSpPr>
-      <p:sp>
-        <p:nvSpPr>
-          <p:cNvPr id="503" name="Google Shape;503;g34d9962fad7_2_94:notes"/>
-          <p:cNvSpPr/>
-          <p:nvPr>
-            <p:ph idx="2" type="sldImg"/>
-          </p:nvPr>
-        </p:nvSpPr>
-        <p:spPr>
-          <a:xfrm>
-            <a:off x="381300" y="685800"/>
-            <a:ext cx="6096000" cy="3429000"/>
-          </a:xfrm>
-          <a:custGeom>
-            <a:rect b="b" l="l" r="r" t="t"/>
-            <a:pathLst>
-              <a:path extrusionOk="0" h="120000" w="120000">
-                <a:moveTo>
-                  <a:pt x="0" y="0"/>
-                </a:moveTo>
-                <a:lnTo>
-                  <a:pt x="120000" y="0"/>
-                </a:lnTo>
-                <a:lnTo>
-                  <a:pt x="120000" y="120000"/>
-                </a:lnTo>
-                <a:lnTo>
-                  <a:pt x="0" y="120000"/>
-                </a:lnTo>
-                <a:close/>
-              </a:path>
-            </a:pathLst>
-          </a:custGeom>
-        </p:spPr>
-      </p:sp>
-      <p:sp>
-        <p:nvSpPr>
-          <p:cNvPr id="504" name="Google Shape;504;g34d9962fad7_2_94:notes"/>
-          <p:cNvSpPr txBox="1"/>
-          <p:nvPr>
-            <p:ph idx="1" type="body"/>
-          </p:nvPr>
-        </p:nvSpPr>
-        <p:spPr>
-          <a:xfrm>
-            <a:off x="685800" y="4343400"/>
-            <a:ext cx="5486400" cy="4114800"/>
-          </a:xfrm>
-          <a:prstGeom prst="rect">
-            <a:avLst/>
-          </a:prstGeom>
-        </p:spPr>
-        <p:txBody>
-          <a:bodyPr anchorCtr="0" anchor="t" bIns="91425" lIns="91425" spcFirstLastPara="1" rIns="91425" wrap="square" tIns="91425">
-            <a:noAutofit/>
-          </a:bodyPr>
-          <a:lstStyle/>
-          <a:p>
-            <a:pPr indent="0" lvl="0" marL="0" rtl="0" algn="l">
-              <a:spcBef>
-                <a:spcPts val="0"/>
-              </a:spcBef>
-              <a:spcAft>
-                <a:spcPts val="0"/>
-              </a:spcAft>
-              <a:buNone/>
-            </a:pPr>
-            <a:r>
-              <a:t/>
-            </a:r>
-            <a:endParaRPr/>
-          </a:p>
-        </p:txBody>
-      </p:sp>
-    </p:spTree>
-  </p:cSld>
-  <p:clrMapOvr>
-    <a:masterClrMapping/>
-  </p:clrMapOvr>
-</p:notes>
-</file>
-
-<file path=ppt/notesSlides/notesSlide12.xml><?xml version="1.0" encoding="utf-8"?>
-<p:notes xmlns:a="http://schemas.openxmlformats.org/drawingml/2006/main" xmlns:r="http://schemas.openxmlformats.org/officeDocument/2006/relationships" xmlns:mc="http://schemas.openxmlformats.org/markup-compatibility/2006" xmlns:mv="urn:schemas-microsoft-com:mac:vml" xmlns:p="http://schemas.openxmlformats.org/presentationml/2006/main" xmlns:c="http://schemas.openxmlformats.org/drawingml/2006/chart" xmlns:dgm="http://schemas.openxmlformats.org/drawingml/2006/diagram" xmlns:o="urn:schemas-microsoft-com:office:office" xmlns:v="urn:schemas-microsoft-com:vml" xmlns:pvml="urn:schemas-microsoft-com:office:powerpoint" xmlns:com="http://schemas.openxmlformats.org/drawingml/2006/compatibility" xmlns:p14="http://schemas.microsoft.com/office/powerpoint/2010/main" xmlns:p15="http://schemas.microsoft.com/office/powerpoint/2012/main" xmlns:ahyp="http://schemas.microsoft.com/office/drawing/2018/hyperlinkcolor" showMasterPhAnim="0" showMasterSp="0">
-  <p:cSld>
-    <p:spTree>
-      <p:nvGrpSpPr>
-        <p:cNvPr id="510" name="Shape 510"/>
-        <p:cNvGrpSpPr/>
-        <p:nvPr/>
-      </p:nvGrpSpPr>
-      <p:grpSpPr>
-        <a:xfrm>
-          <a:off x="0" y="0"/>
-          <a:ext cx="0" cy="0"/>
-          <a:chOff x="0" y="0"/>
-          <a:chExt cx="0" cy="0"/>
-        </a:xfrm>
-      </p:grpSpPr>
-      <p:sp>
-        <p:nvSpPr>
-          <p:cNvPr id="511" name="Google Shape;511;g34d9962fad7_2_122:notes"/>
-          <p:cNvSpPr/>
-          <p:nvPr>
-            <p:ph idx="2" type="sldImg"/>
-          </p:nvPr>
-        </p:nvSpPr>
-        <p:spPr>
-          <a:xfrm>
-            <a:off x="381300" y="685800"/>
-            <a:ext cx="6096000" cy="3429000"/>
-          </a:xfrm>
-          <a:custGeom>
-            <a:rect b="b" l="l" r="r" t="t"/>
-            <a:pathLst>
-              <a:path extrusionOk="0" h="120000" w="120000">
-                <a:moveTo>
-                  <a:pt x="0" y="0"/>
-                </a:moveTo>
-                <a:lnTo>
-                  <a:pt x="120000" y="0"/>
-                </a:lnTo>
-                <a:lnTo>
-                  <a:pt x="120000" y="120000"/>
-                </a:lnTo>
-                <a:lnTo>
-                  <a:pt x="0" y="120000"/>
-                </a:lnTo>
-                <a:close/>
-              </a:path>
-            </a:pathLst>
-          </a:custGeom>
-        </p:spPr>
-      </p:sp>
-      <p:sp>
-        <p:nvSpPr>
-          <p:cNvPr id="512" name="Google Shape;512;g34d9962fad7_2_122:notes"/>
-          <p:cNvSpPr txBox="1"/>
-          <p:nvPr>
-            <p:ph idx="1" type="body"/>
-          </p:nvPr>
-        </p:nvSpPr>
-        <p:spPr>
-          <a:xfrm>
-            <a:off x="685800" y="4343400"/>
-            <a:ext cx="5486400" cy="4114800"/>
-          </a:xfrm>
-          <a:prstGeom prst="rect">
-            <a:avLst/>
-          </a:prstGeom>
-        </p:spPr>
-        <p:txBody>
-          <a:bodyPr anchorCtr="0" anchor="t" bIns="91425" lIns="91425" spcFirstLastPara="1" rIns="91425" wrap="square" tIns="91425">
-            <a:noAutofit/>
-          </a:bodyPr>
-          <a:lstStyle/>
-          <a:p>
-            <a:pPr indent="0" lvl="0" marL="0" rtl="0" algn="l">
-              <a:spcBef>
-                <a:spcPts val="0"/>
-              </a:spcBef>
-              <a:spcAft>
-                <a:spcPts val="0"/>
-              </a:spcAft>
-              <a:buNone/>
-            </a:pPr>
-            <a:r>
-              <a:t/>
-            </a:r>
-            <a:endParaRPr/>
-          </a:p>
-        </p:txBody>
-      </p:sp>
-    </p:spTree>
-  </p:cSld>
-  <p:clrMapOvr>
-    <a:masterClrMapping/>
-  </p:clrMapOvr>
-</p:notes>
-</file>
-
-<file path=ppt/notesSlides/notesSlide13.xml><?xml version="1.0" encoding="utf-8"?>
-<p:notes xmlns:a="http://schemas.openxmlformats.org/drawingml/2006/main" xmlns:r="http://schemas.openxmlformats.org/officeDocument/2006/relationships" xmlns:mc="http://schemas.openxmlformats.org/markup-compatibility/2006" xmlns:mv="urn:schemas-microsoft-com:mac:vml" xmlns:p="http://schemas.openxmlformats.org/presentationml/2006/main" xmlns:c="http://schemas.openxmlformats.org/drawingml/2006/chart" xmlns:dgm="http://schemas.openxmlformats.org/drawingml/2006/diagram" xmlns:o="urn:schemas-microsoft-com:office:office" xmlns:v="urn:schemas-microsoft-com:vml" xmlns:pvml="urn:schemas-microsoft-com:office:powerpoint" xmlns:com="http://schemas.openxmlformats.org/drawingml/2006/compatibility" xmlns:p14="http://schemas.microsoft.com/office/powerpoint/2010/main" xmlns:p15="http://schemas.microsoft.com/office/powerpoint/2012/main" xmlns:ahyp="http://schemas.microsoft.com/office/drawing/2018/hyperlinkcolor" showMasterPhAnim="0" showMasterSp="0">
-  <p:cSld>
-    <p:spTree>
-      <p:nvGrpSpPr>
-        <p:cNvPr id="517" name="Shape 517"/>
-        <p:cNvGrpSpPr/>
-        <p:nvPr/>
-      </p:nvGrpSpPr>
-      <p:grpSpPr>
-        <a:xfrm>
-          <a:off x="0" y="0"/>
-          <a:ext cx="0" cy="0"/>
-          <a:chOff x="0" y="0"/>
-          <a:chExt cx="0" cy="0"/>
-        </a:xfrm>
-      </p:grpSpPr>
-      <p:sp>
-        <p:nvSpPr>
-          <p:cNvPr id="518" name="Google Shape;518;g34ff0424689_1_5:notes"/>
-          <p:cNvSpPr/>
-          <p:nvPr>
-            <p:ph idx="2" type="sldImg"/>
-          </p:nvPr>
-        </p:nvSpPr>
-        <p:spPr>
-          <a:xfrm>
-            <a:off x="381300" y="685800"/>
-            <a:ext cx="6096000" cy="3429000"/>
-          </a:xfrm>
-          <a:custGeom>
-            <a:rect b="b" l="l" r="r" t="t"/>
-            <a:pathLst>
-              <a:path extrusionOk="0" h="120000" w="120000">
-                <a:moveTo>
-                  <a:pt x="0" y="0"/>
-                </a:moveTo>
-                <a:lnTo>
-                  <a:pt x="120000" y="0"/>
-                </a:lnTo>
-                <a:lnTo>
-                  <a:pt x="120000" y="120000"/>
-                </a:lnTo>
-                <a:lnTo>
-                  <a:pt x="0" y="120000"/>
-                </a:lnTo>
-                <a:close/>
-              </a:path>
-            </a:pathLst>
-          </a:custGeom>
-        </p:spPr>
-      </p:sp>
-      <p:sp>
-        <p:nvSpPr>
-          <p:cNvPr id="519" name="Google Shape;519;g34ff0424689_1_5:notes"/>
-          <p:cNvSpPr txBox="1"/>
-          <p:nvPr>
-            <p:ph idx="1" type="body"/>
-          </p:nvPr>
-        </p:nvSpPr>
-        <p:spPr>
-          <a:xfrm>
-            <a:off x="685800" y="4343400"/>
-            <a:ext cx="5486400" cy="4114800"/>
-          </a:xfrm>
-          <a:prstGeom prst="rect">
-            <a:avLst/>
-          </a:prstGeom>
-        </p:spPr>
-        <p:txBody>
-          <a:bodyPr anchorCtr="0" anchor="t" bIns="91425" lIns="91425" spcFirstLastPara="1" rIns="91425" wrap="square" tIns="91425">
-            <a:noAutofit/>
-          </a:bodyPr>
-          <a:lstStyle/>
-          <a:p>
-            <a:pPr indent="0" lvl="0" marL="0" rtl="0" algn="l">
-              <a:spcBef>
-                <a:spcPts val="0"/>
-              </a:spcBef>
-              <a:spcAft>
-                <a:spcPts val="0"/>
-              </a:spcAft>
-              <a:buNone/>
-            </a:pPr>
-            <a:r>
-              <a:t/>
-            </a:r>
-            <a:endParaRPr/>
-          </a:p>
-        </p:txBody>
-      </p:sp>
-    </p:spTree>
-  </p:cSld>
-  <p:clrMapOvr>
-    <a:masterClrMapping/>
-  </p:clrMapOvr>
-</p:notes>
-</file>
-
-<file path=ppt/notesSlides/notesSlide14.xml><?xml version="1.0" encoding="utf-8"?>
-<p:notes xmlns:a="http://schemas.openxmlformats.org/drawingml/2006/main" xmlns:r="http://schemas.openxmlformats.org/officeDocument/2006/relationships" xmlns:mc="http://schemas.openxmlformats.org/markup-compatibility/2006" xmlns:mv="urn:schemas-microsoft-com:mac:vml" xmlns:p="http://schemas.openxmlformats.org/presentationml/2006/main" xmlns:c="http://schemas.openxmlformats.org/drawingml/2006/chart" xmlns:dgm="http://schemas.openxmlformats.org/drawingml/2006/diagram" xmlns:o="urn:schemas-microsoft-com:office:office" xmlns:v="urn:schemas-microsoft-com:vml" xmlns:pvml="urn:schemas-microsoft-com:office:powerpoint" xmlns:com="http://schemas.openxmlformats.org/drawingml/2006/compatibility" xmlns:p14="http://schemas.microsoft.com/office/powerpoint/2010/main" xmlns:p15="http://schemas.microsoft.com/office/powerpoint/2012/main" xmlns:ahyp="http://schemas.microsoft.com/office/drawing/2018/hyperlinkcolor" showMasterPhAnim="0" showMasterSp="0">
-  <p:cSld>
-    <p:spTree>
-      <p:nvGrpSpPr>
-        <p:cNvPr id="524" name="Shape 524"/>
-        <p:cNvGrpSpPr/>
-        <p:nvPr/>
-      </p:nvGrpSpPr>
-      <p:grpSpPr>
-        <a:xfrm>
-          <a:off x="0" y="0"/>
-          <a:ext cx="0" cy="0"/>
-          <a:chOff x="0" y="0"/>
-          <a:chExt cx="0" cy="0"/>
-        </a:xfrm>
-      </p:grpSpPr>
-      <p:sp>
-        <p:nvSpPr>
-          <p:cNvPr id="525" name="Google Shape;525;g35009827a7b_0_5:notes"/>
-          <p:cNvSpPr/>
-          <p:nvPr>
-            <p:ph idx="2" type="sldImg"/>
-          </p:nvPr>
-        </p:nvSpPr>
-        <p:spPr>
-          <a:xfrm>
-            <a:off x="381300" y="685800"/>
-            <a:ext cx="6096000" cy="3429000"/>
-          </a:xfrm>
-          <a:custGeom>
-            <a:rect b="b" l="l" r="r" t="t"/>
-            <a:pathLst>
-              <a:path extrusionOk="0" h="120000" w="120000">
-                <a:moveTo>
-                  <a:pt x="0" y="0"/>
-                </a:moveTo>
-                <a:lnTo>
-                  <a:pt x="120000" y="0"/>
-                </a:lnTo>
-                <a:lnTo>
-                  <a:pt x="120000" y="120000"/>
-                </a:lnTo>
-                <a:lnTo>
-                  <a:pt x="0" y="120000"/>
-                </a:lnTo>
-                <a:close/>
-              </a:path>
-            </a:pathLst>
-          </a:custGeom>
-        </p:spPr>
-      </p:sp>
-      <p:sp>
-        <p:nvSpPr>
-          <p:cNvPr id="526" name="Google Shape;526;g35009827a7b_0_5:notes"/>
-          <p:cNvSpPr txBox="1"/>
-          <p:nvPr>
-            <p:ph idx="1" type="body"/>
-          </p:nvPr>
-        </p:nvSpPr>
-        <p:spPr>
-          <a:xfrm>
-            <a:off x="685800" y="4343400"/>
-            <a:ext cx="5486400" cy="4114800"/>
-          </a:xfrm>
-          <a:prstGeom prst="rect">
-            <a:avLst/>
-          </a:prstGeom>
-        </p:spPr>
-        <p:txBody>
-          <a:bodyPr anchorCtr="0" anchor="t" bIns="91425" lIns="91425" spcFirstLastPara="1" rIns="91425" wrap="square" tIns="91425">
-            <a:noAutofit/>
-          </a:bodyPr>
-          <a:lstStyle/>
-          <a:p>
-            <a:pPr indent="0" lvl="0" marL="0" rtl="0" algn="l">
-              <a:spcBef>
-                <a:spcPts val="0"/>
-              </a:spcBef>
-              <a:spcAft>
-                <a:spcPts val="0"/>
-              </a:spcAft>
-              <a:buNone/>
-            </a:pPr>
-            <a:r>
-              <a:t/>
-            </a:r>
-            <a:endParaRPr/>
-          </a:p>
-        </p:txBody>
-      </p:sp>
-    </p:spTree>
-  </p:cSld>
-  <p:clrMapOvr>
-    <a:masterClrMapping/>
-  </p:clrMapOvr>
-</p:notes>
-</file>
-
-<file path=ppt/notesSlides/notesSlide2.xml><?xml version="1.0" encoding="utf-8"?>
-<p:notes xmlns:a="http://schemas.openxmlformats.org/drawingml/2006/main" xmlns:r="http://schemas.openxmlformats.org/officeDocument/2006/relationships" xmlns:mc="http://schemas.openxmlformats.org/markup-compatibility/2006" xmlns:mv="urn:schemas-microsoft-com:mac:vml" xmlns:p="http://schemas.openxmlformats.org/presentationml/2006/main" xmlns:c="http://schemas.openxmlformats.org/drawingml/2006/chart" xmlns:dgm="http://schemas.openxmlformats.org/drawingml/2006/diagram" xmlns:o="urn:schemas-microsoft-com:office:office" xmlns:v="urn:schemas-microsoft-com:vml" xmlns:pvml="urn:schemas-microsoft-com:office:powerpoint" xmlns:com="http://schemas.openxmlformats.org/drawingml/2006/compatibility" xmlns:p14="http://schemas.microsoft.com/office/powerpoint/2010/main" xmlns:p15="http://schemas.microsoft.com/office/powerpoint/2012/main" xmlns:ahyp="http://schemas.microsoft.com/office/drawing/2018/hyperlinkcolor" showMasterPhAnim="0" showMasterSp="0">
-  <p:cSld>
-    <p:spTree>
-      <p:nvGrpSpPr>
-        <p:cNvPr id="373" name="Shape 373"/>
-        <p:cNvGrpSpPr/>
-        <p:nvPr/>
-      </p:nvGrpSpPr>
-      <p:grpSpPr>
-        <a:xfrm>
-          <a:off x="0" y="0"/>
-          <a:ext cx="0" cy="0"/>
-          <a:chOff x="0" y="0"/>
-          <a:chExt cx="0" cy="0"/>
-        </a:xfrm>
-      </p:grpSpPr>
-      <p:sp>
-        <p:nvSpPr>
-          <p:cNvPr id="374" name="Google Shape;374;g34d94e16aa1_1_334:notes"/>
-          <p:cNvSpPr/>
-          <p:nvPr>
-            <p:ph idx="2" type="sldImg"/>
-          </p:nvPr>
-        </p:nvSpPr>
-        <p:spPr>
-          <a:xfrm>
-            <a:off x="381300" y="685800"/>
-            <a:ext cx="6096000" cy="3429000"/>
-          </a:xfrm>
-          <a:custGeom>
-            <a:rect b="b" l="l" r="r" t="t"/>
-            <a:pathLst>
-              <a:path extrusionOk="0" h="120000" w="120000">
-                <a:moveTo>
-                  <a:pt x="0" y="0"/>
-                </a:moveTo>
-                <a:lnTo>
-                  <a:pt x="120000" y="0"/>
-                </a:lnTo>
-                <a:lnTo>
-                  <a:pt x="120000" y="120000"/>
-                </a:lnTo>
-                <a:lnTo>
-                  <a:pt x="0" y="120000"/>
-                </a:lnTo>
-                <a:close/>
-              </a:path>
-            </a:pathLst>
-          </a:custGeom>
-        </p:spPr>
-      </p:sp>
-      <p:sp>
-        <p:nvSpPr>
-          <p:cNvPr id="375" name="Google Shape;375;g34d94e16aa1_1_334:notes"/>
+          <p:cNvPr id="375" name="Google Shape;375;g34d94e16aa1_1_354:notes"/>
           <p:cNvSpPr txBox="1"/>
           <p:nvPr>
             <p:ph idx="1" type="body"/>
@@ -1458,7 +957,7 @@
       </p:grpSpPr>
       <p:sp>
         <p:nvSpPr>
-          <p:cNvPr id="390" name="Google Shape;390;g34d94e16aa1_1_354:notes"/>
+          <p:cNvPr id="390" name="Google Shape;390;g34d9962fad7_2_29:notes"/>
           <p:cNvSpPr/>
           <p:nvPr>
             <p:ph idx="2" type="sldImg"/>
@@ -1493,7 +992,7 @@
       </p:sp>
       <p:sp>
         <p:nvSpPr>
-          <p:cNvPr id="391" name="Google Shape;391;g34d94e16aa1_1_354:notes"/>
+          <p:cNvPr id="391" name="Google Shape;391;g34d9962fad7_2_29:notes"/>
           <p:cNvSpPr txBox="1"/>
           <p:nvPr>
             <p:ph idx="1" type="body"/>
@@ -1543,7 +1042,7 @@
   <p:cSld>
     <p:spTree>
       <p:nvGrpSpPr>
-        <p:cNvPr id="405" name="Shape 405"/>
+        <p:cNvPr id="400" name="Shape 400"/>
         <p:cNvGrpSpPr/>
         <p:nvPr/>
       </p:nvGrpSpPr>
@@ -1557,7 +1056,7 @@
       </p:grpSpPr>
       <p:sp>
         <p:nvSpPr>
-          <p:cNvPr id="406" name="Google Shape;406;g34d9962fad7_2_29:notes"/>
+          <p:cNvPr id="401" name="Google Shape;401;g34d94e16aa1_1_384:notes"/>
           <p:cNvSpPr/>
           <p:nvPr>
             <p:ph idx="2" type="sldImg"/>
@@ -1592,7 +1091,7 @@
       </p:sp>
       <p:sp>
         <p:nvSpPr>
-          <p:cNvPr id="407" name="Google Shape;407;g34d9962fad7_2_29:notes"/>
+          <p:cNvPr id="402" name="Google Shape;402;g34d94e16aa1_1_384:notes"/>
           <p:cNvSpPr txBox="1"/>
           <p:nvPr>
             <p:ph idx="1" type="body"/>
@@ -1642,7 +1141,7 @@
   <p:cSld>
     <p:spTree>
       <p:nvGrpSpPr>
-        <p:cNvPr id="414" name="Shape 414"/>
+        <p:cNvPr id="423" name="Shape 423"/>
         <p:cNvGrpSpPr/>
         <p:nvPr/>
       </p:nvGrpSpPr>
@@ -1656,7 +1155,7 @@
       </p:grpSpPr>
       <p:sp>
         <p:nvSpPr>
-          <p:cNvPr id="415" name="Google Shape;415;g34d9962fad7_2_55:notes"/>
+          <p:cNvPr id="424" name="Google Shape;424;g34d94e16aa1_1_502:notes"/>
           <p:cNvSpPr/>
           <p:nvPr>
             <p:ph idx="2" type="sldImg"/>
@@ -1691,7 +1190,7 @@
       </p:sp>
       <p:sp>
         <p:nvSpPr>
-          <p:cNvPr id="416" name="Google Shape;416;g34d9962fad7_2_55:notes"/>
+          <p:cNvPr id="425" name="Google Shape;425;g34d94e16aa1_1_502:notes"/>
           <p:cNvSpPr txBox="1"/>
           <p:nvPr>
             <p:ph idx="1" type="body"/>
@@ -1741,7 +1240,7 @@
   <p:cSld>
     <p:spTree>
       <p:nvGrpSpPr>
-        <p:cNvPr id="424" name="Shape 424"/>
+        <p:cNvPr id="442" name="Shape 442"/>
         <p:cNvGrpSpPr/>
         <p:nvPr/>
       </p:nvGrpSpPr>
@@ -1755,7 +1254,7 @@
       </p:grpSpPr>
       <p:sp>
         <p:nvSpPr>
-          <p:cNvPr id="425" name="Google Shape;425;g34d94e16aa1_1_384:notes"/>
+          <p:cNvPr id="443" name="Google Shape;443;g34d9962fad7_2_86:notes"/>
           <p:cNvSpPr/>
           <p:nvPr>
             <p:ph idx="2" type="sldImg"/>
@@ -1790,7 +1289,7 @@
       </p:sp>
       <p:sp>
         <p:nvSpPr>
-          <p:cNvPr id="426" name="Google Shape;426;g34d94e16aa1_1_384:notes"/>
+          <p:cNvPr id="444" name="Google Shape;444;g34d9962fad7_2_86:notes"/>
           <p:cNvSpPr txBox="1"/>
           <p:nvPr>
             <p:ph idx="1" type="body"/>
@@ -1840,7 +1339,7 @@
   <p:cSld>
     <p:spTree>
       <p:nvGrpSpPr>
-        <p:cNvPr id="446" name="Shape 446"/>
+        <p:cNvPr id="452" name="Shape 452"/>
         <p:cNvGrpSpPr/>
         <p:nvPr/>
       </p:nvGrpSpPr>
@@ -1854,7 +1353,7 @@
       </p:grpSpPr>
       <p:sp>
         <p:nvSpPr>
-          <p:cNvPr id="447" name="Google Shape;447;g34d94e16aa1_1_408:notes"/>
+          <p:cNvPr id="453" name="Google Shape;453;g34d9962fad7_2_94:notes"/>
           <p:cNvSpPr/>
           <p:nvPr>
             <p:ph idx="2" type="sldImg"/>
@@ -1889,7 +1388,7 @@
       </p:sp>
       <p:sp>
         <p:nvSpPr>
-          <p:cNvPr id="448" name="Google Shape;448;g34d94e16aa1_1_408:notes"/>
+          <p:cNvPr id="454" name="Google Shape;454;g34d9962fad7_2_94:notes"/>
           <p:cNvSpPr txBox="1"/>
           <p:nvPr>
             <p:ph idx="1" type="body"/>
@@ -1939,7 +1438,7 @@
   <p:cSld>
     <p:spTree>
       <p:nvGrpSpPr>
-        <p:cNvPr id="453" name="Shape 453"/>
+        <p:cNvPr id="461" name="Shape 461"/>
         <p:cNvGrpSpPr/>
         <p:nvPr/>
       </p:nvGrpSpPr>
@@ -1953,7 +1452,7 @@
       </p:grpSpPr>
       <p:sp>
         <p:nvSpPr>
-          <p:cNvPr id="454" name="Google Shape;454;g34d94e16aa1_1_502:notes"/>
+          <p:cNvPr id="462" name="Google Shape;462;g34ff0424689_1_5:notes"/>
           <p:cNvSpPr/>
           <p:nvPr>
             <p:ph idx="2" type="sldImg"/>
@@ -1988,7 +1487,7 @@
       </p:sp>
       <p:sp>
         <p:nvSpPr>
-          <p:cNvPr id="455" name="Google Shape;455;g34d94e16aa1_1_502:notes"/>
+          <p:cNvPr id="463" name="Google Shape;463;g34ff0424689_1_5:notes"/>
           <p:cNvSpPr txBox="1"/>
           <p:nvPr>
             <p:ph idx="1" type="body"/>
@@ -2020,106 +1519,6 @@
             </a:pPr>
             <a:r>
               <a:t/>
-            </a:r>
-            <a:endParaRPr/>
-          </a:p>
-        </p:txBody>
-      </p:sp>
-    </p:spTree>
-  </p:cSld>
-  <p:clrMapOvr>
-    <a:masterClrMapping/>
-  </p:clrMapOvr>
-</p:notes>
-</file>
-
-<file path=ppt/notesSlides/notesSlide9.xml><?xml version="1.0" encoding="utf-8"?>
-<p:notes xmlns:a="http://schemas.openxmlformats.org/drawingml/2006/main" xmlns:r="http://schemas.openxmlformats.org/officeDocument/2006/relationships" xmlns:mc="http://schemas.openxmlformats.org/markup-compatibility/2006" xmlns:mv="urn:schemas-microsoft-com:mac:vml" xmlns:p="http://schemas.openxmlformats.org/presentationml/2006/main" xmlns:c="http://schemas.openxmlformats.org/drawingml/2006/chart" xmlns:dgm="http://schemas.openxmlformats.org/drawingml/2006/diagram" xmlns:o="urn:schemas-microsoft-com:office:office" xmlns:v="urn:schemas-microsoft-com:vml" xmlns:pvml="urn:schemas-microsoft-com:office:powerpoint" xmlns:com="http://schemas.openxmlformats.org/drawingml/2006/compatibility" xmlns:p14="http://schemas.microsoft.com/office/powerpoint/2010/main" xmlns:p15="http://schemas.microsoft.com/office/powerpoint/2012/main" xmlns:ahyp="http://schemas.microsoft.com/office/drawing/2018/hyperlinkcolor" showMasterPhAnim="0" showMasterSp="0">
-  <p:cSld>
-    <p:spTree>
-      <p:nvGrpSpPr>
-        <p:cNvPr id="482" name="Shape 482"/>
-        <p:cNvGrpSpPr/>
-        <p:nvPr/>
-      </p:nvGrpSpPr>
-      <p:grpSpPr>
-        <a:xfrm>
-          <a:off x="0" y="0"/>
-          <a:ext cx="0" cy="0"/>
-          <a:chOff x="0" y="0"/>
-          <a:chExt cx="0" cy="0"/>
-        </a:xfrm>
-      </p:grpSpPr>
-      <p:sp>
-        <p:nvSpPr>
-          <p:cNvPr id="483" name="Google Shape;483;g34d94e16aa1_1_556:notes"/>
-          <p:cNvSpPr/>
-          <p:nvPr>
-            <p:ph idx="2" type="sldImg"/>
-          </p:nvPr>
-        </p:nvSpPr>
-        <p:spPr>
-          <a:xfrm>
-            <a:off x="381300" y="685800"/>
-            <a:ext cx="6096000" cy="3429000"/>
-          </a:xfrm>
-          <a:custGeom>
-            <a:rect b="b" l="l" r="r" t="t"/>
-            <a:pathLst>
-              <a:path extrusionOk="0" h="120000" w="120000">
-                <a:moveTo>
-                  <a:pt x="0" y="0"/>
-                </a:moveTo>
-                <a:lnTo>
-                  <a:pt x="120000" y="0"/>
-                </a:lnTo>
-                <a:lnTo>
-                  <a:pt x="120000" y="120000"/>
-                </a:lnTo>
-                <a:lnTo>
-                  <a:pt x="0" y="120000"/>
-                </a:lnTo>
-                <a:close/>
-              </a:path>
-            </a:pathLst>
-          </a:custGeom>
-        </p:spPr>
-      </p:sp>
-      <p:sp>
-        <p:nvSpPr>
-          <p:cNvPr id="484" name="Google Shape;484;g34d94e16aa1_1_556:notes"/>
-          <p:cNvSpPr txBox="1"/>
-          <p:nvPr>
-            <p:ph idx="1" type="body"/>
-          </p:nvPr>
-        </p:nvSpPr>
-        <p:spPr>
-          <a:xfrm>
-            <a:off x="685800" y="4343400"/>
-            <a:ext cx="5486400" cy="4114800"/>
-          </a:xfrm>
-          <a:prstGeom prst="rect">
-            <a:avLst/>
-          </a:prstGeom>
-        </p:spPr>
-        <p:txBody>
-          <a:bodyPr anchorCtr="0" anchor="t" bIns="91425" lIns="91425" spcFirstLastPara="1" rIns="91425" wrap="square" tIns="91425">
-            <a:noAutofit/>
-          </a:bodyPr>
-          <a:lstStyle/>
-          <a:p>
-            <a:pPr indent="0" lvl="0" marL="0" rtl="0" algn="l">
-              <a:spcBef>
-                <a:spcPts val="0"/>
-              </a:spcBef>
-              <a:spcAft>
-                <a:spcPts val="0"/>
-              </a:spcAft>
-              <a:buNone/>
-            </a:pPr>
-            <a:r>
-              <a:rPr lang="en"/>
-              <a:t>Credit: CP-Algorithms</a:t>
             </a:r>
             <a:endParaRPr/>
           </a:p>
@@ -47653,7 +47052,7 @@
 </p:sld>
 </file>
 
-<file path=ppt/slides/slide10.xml><?xml version="1.0" encoding="utf-8"?>
+<file path=ppt/slides/slide2.xml><?xml version="1.0" encoding="utf-8"?>
 <p:sld xmlns:a="http://schemas.openxmlformats.org/drawingml/2006/main" xmlns:r="http://schemas.openxmlformats.org/officeDocument/2006/relationships" xmlns:mc="http://schemas.openxmlformats.org/markup-compatibility/2006" xmlns:mv="urn:schemas-microsoft-com:mac:vml" xmlns:p="http://schemas.openxmlformats.org/presentationml/2006/main" xmlns:c="http://schemas.openxmlformats.org/drawingml/2006/chart" xmlns:dgm="http://schemas.openxmlformats.org/drawingml/2006/diagram" xmlns:o="urn:schemas-microsoft-com:office:office" xmlns:v="urn:schemas-microsoft-com:vml" xmlns:pvml="urn:schemas-microsoft-com:office:powerpoint" xmlns:com="http://schemas.openxmlformats.org/drawingml/2006/compatibility" xmlns:p14="http://schemas.microsoft.com/office/powerpoint/2010/main" xmlns:p15="http://schemas.microsoft.com/office/powerpoint/2012/main" xmlns:ahyp="http://schemas.microsoft.com/office/drawing/2018/hyperlinkcolor">
   <p:cSld>
     <p:bg>
@@ -47665,7 +47064,7 @@
     </p:bg>
     <p:spTree>
       <p:nvGrpSpPr>
-        <p:cNvPr id="495" name="Shape 495"/>
+        <p:cNvPr id="376" name="Shape 376"/>
         <p:cNvGrpSpPr/>
         <p:nvPr/>
       </p:nvGrpSpPr>
@@ -47679,16 +47078,16 @@
       </p:grpSpPr>
       <p:sp>
         <p:nvSpPr>
-          <p:cNvPr id="496" name="Google Shape;496;p68"/>
+          <p:cNvPr id="377" name="Google Shape;377;p60"/>
           <p:cNvSpPr txBox="1"/>
           <p:nvPr>
-            <p:ph idx="4" type="title"/>
+            <p:ph type="title"/>
           </p:nvPr>
         </p:nvSpPr>
         <p:spPr>
           <a:xfrm>
-            <a:off x="480425" y="905800"/>
-            <a:ext cx="7766400" cy="386700"/>
+            <a:off x="702825" y="1575737"/>
+            <a:ext cx="2038800" cy="378600"/>
           </a:xfrm>
           <a:prstGeom prst="rect">
             <a:avLst/>
@@ -47707,19 +47106,38 @@
               <a:spcAft>
                 <a:spcPts val="0"/>
               </a:spcAft>
-              <a:buClr>
-                <a:schemeClr val="lt1"/>
-              </a:buClr>
-              <a:buSzPts val="1100"/>
-              <a:buFont typeface="Arial"/>
               <a:buNone/>
             </a:pPr>
             <a:r>
               <a:rPr lang="en"/>
-              <a:t>Key Question: How can we use prefix matching to search for a substring in a text? </a:t>
+              <a:t>In Summary: Ctrl + F</a:t>
             </a:r>
             <a:endParaRPr/>
           </a:p>
+        </p:txBody>
+      </p:sp>
+      <p:sp>
+        <p:nvSpPr>
+          <p:cNvPr id="378" name="Google Shape;378;p60"/>
+          <p:cNvSpPr txBox="1"/>
+          <p:nvPr>
+            <p:ph idx="2" type="title"/>
+          </p:nvPr>
+        </p:nvSpPr>
+        <p:spPr>
+          <a:xfrm>
+            <a:off x="702825" y="2374900"/>
+            <a:ext cx="3015900" cy="386700"/>
+          </a:xfrm>
+          <a:prstGeom prst="rect">
+            <a:avLst/>
+          </a:prstGeom>
+        </p:spPr>
+        <p:txBody>
+          <a:bodyPr anchorCtr="0" anchor="t" bIns="91425" lIns="91425" spcFirstLastPara="1" rIns="91425" wrap="square" tIns="91425">
+            <a:noAutofit/>
+          </a:bodyPr>
+          <a:lstStyle/>
           <a:p>
             <a:pPr indent="0" lvl="0" marL="0" rtl="0" algn="l">
               <a:spcBef>
@@ -47731,7 +47149,88 @@
               <a:buNone/>
             </a:pPr>
             <a:r>
-              <a:t/>
+              <a:rPr lang="en"/>
+              <a:t>String matching is fundamental computer science problem</a:t>
+            </a:r>
+            <a:endParaRPr/>
+          </a:p>
+        </p:txBody>
+      </p:sp>
+      <p:sp>
+        <p:nvSpPr>
+          <p:cNvPr id="379" name="Google Shape;379;p60"/>
+          <p:cNvSpPr txBox="1"/>
+          <p:nvPr>
+            <p:ph idx="3" type="title"/>
+          </p:nvPr>
+        </p:nvSpPr>
+        <p:spPr>
+          <a:xfrm>
+            <a:off x="702825" y="3194100"/>
+            <a:ext cx="3786600" cy="386700"/>
+          </a:xfrm>
+          <a:prstGeom prst="rect">
+            <a:avLst/>
+          </a:prstGeom>
+        </p:spPr>
+        <p:txBody>
+          <a:bodyPr anchorCtr="0" anchor="t" bIns="91425" lIns="91425" spcFirstLastPara="1" rIns="91425" wrap="square" tIns="91425">
+            <a:noAutofit/>
+          </a:bodyPr>
+          <a:lstStyle/>
+          <a:p>
+            <a:pPr indent="0" lvl="0" marL="0" rtl="0" algn="l">
+              <a:spcBef>
+                <a:spcPts val="0"/>
+              </a:spcBef>
+              <a:spcAft>
+                <a:spcPts val="0"/>
+              </a:spcAft>
+              <a:buNone/>
+            </a:pPr>
+            <a:r>
+              <a:rPr lang="en"/>
+              <a:t>Used in data retrieval systems, text editing software, and network security</a:t>
+            </a:r>
+            <a:endParaRPr/>
+          </a:p>
+        </p:txBody>
+      </p:sp>
+      <p:sp>
+        <p:nvSpPr>
+          <p:cNvPr id="380" name="Google Shape;380;p60"/>
+          <p:cNvSpPr txBox="1"/>
+          <p:nvPr>
+            <p:ph idx="4" type="title"/>
+          </p:nvPr>
+        </p:nvSpPr>
+        <p:spPr>
+          <a:xfrm>
+            <a:off x="702825" y="4025075"/>
+            <a:ext cx="3786600" cy="386700"/>
+          </a:xfrm>
+          <a:prstGeom prst="rect">
+            <a:avLst/>
+          </a:prstGeom>
+        </p:spPr>
+        <p:txBody>
+          <a:bodyPr anchorCtr="0" anchor="t" bIns="91425" lIns="91425" spcFirstLastPara="1" rIns="91425" wrap="square" tIns="91425">
+            <a:noAutofit/>
+          </a:bodyPr>
+          <a:lstStyle/>
+          <a:p>
+            <a:pPr indent="0" lvl="0" marL="0" rtl="0" algn="l">
+              <a:spcBef>
+                <a:spcPts val="0"/>
+              </a:spcBef>
+              <a:spcAft>
+                <a:spcPts val="0"/>
+              </a:spcAft>
+              <a:buNone/>
+            </a:pPr>
+            <a:r>
+              <a:rPr lang="en"/>
+              <a:t>Also used in bioinformatics to match DNA sequences</a:t>
             </a:r>
             <a:endParaRPr/>
           </a:p>
@@ -47739,14 +47238,118 @@
       </p:sp>
       <p:cxnSp>
         <p:nvCxnSpPr>
-          <p:cNvPr id="497" name="Google Shape;497;p68"/>
+          <p:cNvPr id="381" name="Google Shape;381;p60"/>
           <p:cNvCxnSpPr/>
           <p:nvPr/>
         </p:nvCxnSpPr>
         <p:spPr>
           <a:xfrm>
-            <a:off x="556050" y="1292500"/>
-            <a:ext cx="4992600" cy="5100"/>
+            <a:off x="833150" y="1480949"/>
+            <a:ext cx="3582600" cy="1500"/>
+          </a:xfrm>
+          <a:prstGeom prst="straightConnector1">
+            <a:avLst/>
+          </a:prstGeom>
+          <a:noFill/>
+          <a:ln cap="flat" cmpd="sng" w="9525">
+            <a:solidFill>
+              <a:schemeClr val="dk2"/>
+            </a:solidFill>
+            <a:prstDash val="solid"/>
+            <a:round/>
+            <a:headEnd len="med" w="med" type="none"/>
+            <a:tailEnd len="med" w="med" type="none"/>
+          </a:ln>
+        </p:spPr>
+      </p:cxnSp>
+      <p:cxnSp>
+        <p:nvCxnSpPr>
+          <p:cNvPr id="382" name="Google Shape;382;p60"/>
+          <p:cNvCxnSpPr/>
+          <p:nvPr/>
+        </p:nvCxnSpPr>
+        <p:spPr>
+          <a:xfrm flipH="1" rot="10800000">
+            <a:off x="791150" y="2168734"/>
+            <a:ext cx="3677400" cy="16200"/>
+          </a:xfrm>
+          <a:prstGeom prst="straightConnector1">
+            <a:avLst/>
+          </a:prstGeom>
+          <a:noFill/>
+          <a:ln cap="flat" cmpd="sng" w="9525">
+            <a:solidFill>
+              <a:schemeClr val="dk2"/>
+            </a:solidFill>
+            <a:prstDash val="solid"/>
+            <a:round/>
+            <a:headEnd len="med" w="med" type="none"/>
+            <a:tailEnd len="med" w="med" type="none"/>
+          </a:ln>
+        </p:spPr>
+      </p:cxnSp>
+      <p:cxnSp>
+        <p:nvCxnSpPr>
+          <p:cNvPr id="383" name="Google Shape;383;p60"/>
+          <p:cNvCxnSpPr/>
+          <p:nvPr/>
+        </p:nvCxnSpPr>
+        <p:spPr>
+          <a:xfrm>
+            <a:off x="791150" y="3011023"/>
+            <a:ext cx="3656400" cy="2400"/>
+          </a:xfrm>
+          <a:prstGeom prst="straightConnector1">
+            <a:avLst/>
+          </a:prstGeom>
+          <a:noFill/>
+          <a:ln cap="flat" cmpd="sng" w="9525">
+            <a:solidFill>
+              <a:schemeClr val="dk2"/>
+            </a:solidFill>
+            <a:prstDash val="solid"/>
+            <a:round/>
+            <a:headEnd len="med" w="med" type="none"/>
+            <a:tailEnd len="med" w="med" type="none"/>
+          </a:ln>
+        </p:spPr>
+      </p:cxnSp>
+      <p:cxnSp>
+        <p:nvCxnSpPr>
+          <p:cNvPr id="384" name="Google Shape;384;p60"/>
+          <p:cNvCxnSpPr/>
+          <p:nvPr/>
+        </p:nvCxnSpPr>
+        <p:spPr>
+          <a:xfrm flipH="1" rot="10800000">
+            <a:off x="791150" y="3805428"/>
+            <a:ext cx="3666900" cy="6300"/>
+          </a:xfrm>
+          <a:prstGeom prst="straightConnector1">
+            <a:avLst/>
+          </a:prstGeom>
+          <a:noFill/>
+          <a:ln cap="flat" cmpd="sng" w="9525">
+            <a:solidFill>
+              <a:schemeClr val="dk2"/>
+            </a:solidFill>
+            <a:prstDash val="solid"/>
+            <a:round/>
+            <a:headEnd len="med" w="med" type="none"/>
+            <a:tailEnd len="med" w="med" type="none"/>
+          </a:ln>
+        </p:spPr>
+      </p:cxnSp>
+      <p:cxnSp>
+        <p:nvCxnSpPr>
+          <p:cNvPr id="385" name="Google Shape;385;p60"/>
+          <p:cNvCxnSpPr/>
+          <p:nvPr/>
+        </p:nvCxnSpPr>
+        <p:spPr>
+          <a:xfrm>
+            <a:off x="791150" y="4625125"/>
+            <a:ext cx="3698400" cy="3900"/>
           </a:xfrm>
           <a:prstGeom prst="straightConnector1">
             <a:avLst/>
@@ -47765,7 +47368,7 @@
       </p:cxnSp>
       <p:sp>
         <p:nvSpPr>
-          <p:cNvPr id="498" name="Google Shape;498;p68"/>
+          <p:cNvPr id="386" name="Google Shape;386;p60"/>
           <p:cNvSpPr txBox="1"/>
           <p:nvPr>
             <p:ph idx="1" type="subTitle"/>
@@ -47773,8 +47376,8 @@
         </p:nvSpPr>
         <p:spPr>
           <a:xfrm>
-            <a:off x="480425" y="290625"/>
-            <a:ext cx="7766400" cy="458100"/>
+            <a:off x="480425" y="290624"/>
+            <a:ext cx="7766400" cy="822000"/>
           </a:xfrm>
           <a:prstGeom prst="rect">
             <a:avLst/>
@@ -47797,7 +47400,7 @@
             </a:pPr>
             <a:r>
               <a:rPr lang="en" sz="1800"/>
-              <a:t>Knuth-Morris-Pratt Algorithm</a:t>
+              <a:t>Core Problem: Searching for Occurrences of a Word “W” within the Main String “S”</a:t>
             </a:r>
             <a:endParaRPr sz="1800"/>
           </a:p>
@@ -47805,7 +47408,7 @@
       </p:sp>
       <p:sp>
         <p:nvSpPr>
-          <p:cNvPr id="499" name="Google Shape;499;p68"/>
+          <p:cNvPr id="387" name="Google Shape;387;p60"/>
           <p:cNvSpPr txBox="1"/>
           <p:nvPr>
             <p:ph idx="12" type="sldNum"/>
@@ -47843,164 +47446,9 @@
           </a:p>
         </p:txBody>
       </p:sp>
-      <p:sp>
-        <p:nvSpPr>
-          <p:cNvPr id="500" name="Google Shape;500;p68"/>
-          <p:cNvSpPr txBox="1"/>
-          <p:nvPr>
-            <p:ph idx="4" type="title"/>
-          </p:nvPr>
-        </p:nvSpPr>
-        <p:spPr>
-          <a:xfrm>
-            <a:off x="480425" y="1349000"/>
-            <a:ext cx="6585600" cy="3193800"/>
-          </a:xfrm>
-          <a:prstGeom prst="rect">
-            <a:avLst/>
-          </a:prstGeom>
-        </p:spPr>
-        <p:txBody>
-          <a:bodyPr anchorCtr="0" anchor="t" bIns="91425" lIns="91425" spcFirstLastPara="1" rIns="91425" wrap="square" tIns="91425">
-            <a:noAutofit/>
-          </a:bodyPr>
-          <a:lstStyle/>
-          <a:p>
-            <a:pPr indent="0" lvl="0" marL="0" rtl="0" algn="l">
-              <a:spcBef>
-                <a:spcPts val="0"/>
-              </a:spcBef>
-              <a:spcAft>
-                <a:spcPts val="0"/>
-              </a:spcAft>
-              <a:buNone/>
-            </a:pPr>
-            <a:r>
-              <a:rPr lang="en"/>
-              <a:t>Insight:</a:t>
-            </a:r>
-            <a:br>
-              <a:rPr lang="en"/>
-            </a:br>
-            <a:br>
-              <a:rPr lang="en"/>
-            </a:br>
-            <a:r>
-              <a:rPr lang="en"/>
-              <a:t>Where does this algorithm perform string matching? (In the naive implementation of the prefix function, at what points does it check for equal characters)</a:t>
-            </a:r>
-            <a:endParaRPr/>
-          </a:p>
-          <a:p>
-            <a:pPr indent="0" lvl="0" marL="0" rtl="0" algn="l">
-              <a:spcBef>
-                <a:spcPts val="0"/>
-              </a:spcBef>
-              <a:spcAft>
-                <a:spcPts val="0"/>
-              </a:spcAft>
-              <a:buNone/>
-            </a:pPr>
-            <a:r>
-              <a:t/>
-            </a:r>
-            <a:endParaRPr/>
-          </a:p>
-          <a:p>
-            <a:pPr indent="0" lvl="0" marL="0" rtl="0" algn="l">
-              <a:spcBef>
-                <a:spcPts val="0"/>
-              </a:spcBef>
-              <a:spcAft>
-                <a:spcPts val="0"/>
-              </a:spcAft>
-              <a:buNone/>
-            </a:pPr>
-            <a:r>
-              <a:rPr b="1" lang="en">
-                <a:latin typeface="Barlow"/>
-                <a:ea typeface="Barlow"/>
-                <a:cs typeface="Barlow"/>
-                <a:sym typeface="Barlow"/>
-              </a:rPr>
-              <a:t>The prefix matching algorithm compares the strings at the start (the prefix) and the end (the suffix) at the current position. </a:t>
-            </a:r>
-            <a:endParaRPr b="1">
-              <a:latin typeface="Barlow"/>
-              <a:ea typeface="Barlow"/>
-              <a:cs typeface="Barlow"/>
-              <a:sym typeface="Barlow"/>
-            </a:endParaRPr>
-          </a:p>
-          <a:p>
-            <a:pPr indent="0" lvl="0" marL="0" rtl="0" algn="l">
-              <a:spcBef>
-                <a:spcPts val="0"/>
-              </a:spcBef>
-              <a:spcAft>
-                <a:spcPts val="0"/>
-              </a:spcAft>
-              <a:buNone/>
-            </a:pPr>
-            <a:r>
-              <a:t/>
-            </a:r>
-            <a:endParaRPr b="1">
-              <a:latin typeface="Barlow"/>
-              <a:ea typeface="Barlow"/>
-              <a:cs typeface="Barlow"/>
-              <a:sym typeface="Barlow"/>
-            </a:endParaRPr>
-          </a:p>
-          <a:p>
-            <a:pPr indent="0" lvl="0" marL="0" rtl="0" algn="l">
-              <a:spcBef>
-                <a:spcPts val="0"/>
-              </a:spcBef>
-              <a:spcAft>
-                <a:spcPts val="0"/>
-              </a:spcAft>
-              <a:buNone/>
-            </a:pPr>
-            <a:r>
-              <a:rPr b="1" lang="en">
-                <a:latin typeface="Barlow"/>
-                <a:ea typeface="Barlow"/>
-                <a:cs typeface="Barlow"/>
-                <a:sym typeface="Barlow"/>
-              </a:rPr>
-              <a:t>Each </a:t>
-            </a:r>
-            <a:r>
-              <a:rPr b="1" lang="en">
-                <a:latin typeface="Barlow"/>
-                <a:ea typeface="Barlow"/>
-                <a:cs typeface="Barlow"/>
-                <a:sym typeface="Barlow"/>
-              </a:rPr>
-              <a:t>occurrence</a:t>
-            </a:r>
-            <a:r>
-              <a:rPr b="1" lang="en">
-                <a:latin typeface="Barlow"/>
-                <a:ea typeface="Barlow"/>
-                <a:cs typeface="Barlow"/>
-                <a:sym typeface="Barlow"/>
-              </a:rPr>
-              <a:t> of the substring will be a suffix at some position - so put the substring before the text!</a:t>
-            </a:r>
-            <a:endParaRPr b="1">
-              <a:latin typeface="Barlow"/>
-              <a:ea typeface="Barlow"/>
-              <a:cs typeface="Barlow"/>
-              <a:sym typeface="Barlow"/>
-            </a:endParaRPr>
-          </a:p>
-        </p:txBody>
-      </p:sp>
       <p:pic>
         <p:nvPicPr>
-          <p:cNvPr id="501" name="Google Shape;501;p68"/>
+          <p:cNvPr id="388" name="Google Shape;388;p60"/>
           <p:cNvPicPr preferRelativeResize="0"/>
           <p:nvPr/>
         </p:nvPicPr>
@@ -48014,8 +47462,8 @@
         </p:blipFill>
         <p:spPr>
           <a:xfrm>
-            <a:off x="4811150" y="3936925"/>
-            <a:ext cx="3232700" cy="696550"/>
+            <a:off x="5208900" y="1772500"/>
+            <a:ext cx="3281625" cy="2479450"/>
           </a:xfrm>
           <a:prstGeom prst="rect">
             <a:avLst/>
@@ -48026,1518 +47474,6 @@
           </a:ln>
         </p:spPr>
       </p:pic>
-    </p:spTree>
-  </p:cSld>
-  <p:clrMapOvr>
-    <a:masterClrMapping/>
-  </p:clrMapOvr>
-</p:sld>
-</file>
-
-<file path=ppt/slides/slide11.xml><?xml version="1.0" encoding="utf-8"?>
-<p:sld xmlns:a="http://schemas.openxmlformats.org/drawingml/2006/main" xmlns:r="http://schemas.openxmlformats.org/officeDocument/2006/relationships" xmlns:mc="http://schemas.openxmlformats.org/markup-compatibility/2006" xmlns:mv="urn:schemas-microsoft-com:mac:vml" xmlns:p="http://schemas.openxmlformats.org/presentationml/2006/main" xmlns:c="http://schemas.openxmlformats.org/drawingml/2006/chart" xmlns:dgm="http://schemas.openxmlformats.org/drawingml/2006/diagram" xmlns:o="urn:schemas-microsoft-com:office:office" xmlns:v="urn:schemas-microsoft-com:vml" xmlns:pvml="urn:schemas-microsoft-com:office:powerpoint" xmlns:com="http://schemas.openxmlformats.org/drawingml/2006/compatibility" xmlns:p14="http://schemas.microsoft.com/office/powerpoint/2010/main" xmlns:p15="http://schemas.microsoft.com/office/powerpoint/2012/main" xmlns:ahyp="http://schemas.microsoft.com/office/drawing/2018/hyperlinkcolor">
-  <p:cSld>
-    <p:bg>
-      <p:bgPr>
-        <a:solidFill>
-          <a:schemeClr val="accent5"/>
-        </a:solidFill>
-      </p:bgPr>
-    </p:bg>
-    <p:spTree>
-      <p:nvGrpSpPr>
-        <p:cNvPr id="505" name="Shape 505"/>
-        <p:cNvGrpSpPr/>
-        <p:nvPr/>
-      </p:nvGrpSpPr>
-      <p:grpSpPr>
-        <a:xfrm>
-          <a:off x="0" y="0"/>
-          <a:ext cx="0" cy="0"/>
-          <a:chOff x="0" y="0"/>
-          <a:chExt cx="0" cy="0"/>
-        </a:xfrm>
-      </p:grpSpPr>
-      <p:sp>
-        <p:nvSpPr>
-          <p:cNvPr id="506" name="Google Shape;506;p69"/>
-          <p:cNvSpPr txBox="1"/>
-          <p:nvPr>
-            <p:ph idx="1" type="subTitle"/>
-          </p:nvPr>
-        </p:nvSpPr>
-        <p:spPr>
-          <a:xfrm>
-            <a:off x="480425" y="290625"/>
-            <a:ext cx="7766400" cy="458100"/>
-          </a:xfrm>
-          <a:prstGeom prst="rect">
-            <a:avLst/>
-          </a:prstGeom>
-        </p:spPr>
-        <p:txBody>
-          <a:bodyPr anchorCtr="0" anchor="t" bIns="91425" lIns="91425" spcFirstLastPara="1" rIns="91425" wrap="square" tIns="91425">
-            <a:noAutofit/>
-          </a:bodyPr>
-          <a:lstStyle/>
-          <a:p>
-            <a:pPr indent="0" lvl="0" marL="0" rtl="0" algn="l">
-              <a:spcBef>
-                <a:spcPts val="0"/>
-              </a:spcBef>
-              <a:spcAft>
-                <a:spcPts val="0"/>
-              </a:spcAft>
-              <a:buNone/>
-            </a:pPr>
-            <a:r>
-              <a:rPr lang="en" sz="1800"/>
-              <a:t>Knuth-Morris-Pratt Algorithm</a:t>
-            </a:r>
-            <a:endParaRPr sz="1800"/>
-          </a:p>
-        </p:txBody>
-      </p:sp>
-      <p:sp>
-        <p:nvSpPr>
-          <p:cNvPr id="507" name="Google Shape;507;p69"/>
-          <p:cNvSpPr txBox="1"/>
-          <p:nvPr>
-            <p:ph idx="12" type="sldNum"/>
-          </p:nvPr>
-        </p:nvSpPr>
-        <p:spPr>
-          <a:xfrm>
-            <a:off x="8490529" y="250829"/>
-            <a:ext cx="348900" cy="178200"/>
-          </a:xfrm>
-          <a:prstGeom prst="rect">
-            <a:avLst/>
-          </a:prstGeom>
-        </p:spPr>
-        <p:txBody>
-          <a:bodyPr anchorCtr="0" anchor="t" bIns="91425" lIns="91425" spcFirstLastPara="1" rIns="91425" wrap="square" tIns="91425">
-            <a:noAutofit/>
-          </a:bodyPr>
-          <a:lstStyle/>
-          <a:p>
-            <a:pPr indent="0" lvl="0" marL="0" rtl="0" algn="r">
-              <a:spcBef>
-                <a:spcPts val="0"/>
-              </a:spcBef>
-              <a:spcAft>
-                <a:spcPts val="0"/>
-              </a:spcAft>
-              <a:buNone/>
-            </a:pPr>
-            <a:fld id="{00000000-1234-1234-1234-123412341234}" type="slidenum">
-              <a:rPr lang="en"/>
-              <a:t>‹#›</a:t>
-            </a:fld>
-            <a:endParaRPr/>
-          </a:p>
-        </p:txBody>
-      </p:sp>
-      <p:sp>
-        <p:nvSpPr>
-          <p:cNvPr id="508" name="Google Shape;508;p69"/>
-          <p:cNvSpPr txBox="1"/>
-          <p:nvPr>
-            <p:ph idx="4" type="title"/>
-          </p:nvPr>
-        </p:nvSpPr>
-        <p:spPr>
-          <a:xfrm>
-            <a:off x="480425" y="853725"/>
-            <a:ext cx="6585600" cy="3689100"/>
-          </a:xfrm>
-          <a:prstGeom prst="rect">
-            <a:avLst/>
-          </a:prstGeom>
-        </p:spPr>
-        <p:txBody>
-          <a:bodyPr anchorCtr="0" anchor="t" bIns="91425" lIns="91425" spcFirstLastPara="1" rIns="91425" wrap="square" tIns="91425">
-            <a:noAutofit/>
-          </a:bodyPr>
-          <a:lstStyle/>
-          <a:p>
-            <a:pPr indent="0" lvl="0" marL="0" rtl="0" algn="l">
-              <a:spcBef>
-                <a:spcPts val="0"/>
-              </a:spcBef>
-              <a:spcAft>
-                <a:spcPts val="0"/>
-              </a:spcAft>
-              <a:buNone/>
-            </a:pPr>
-            <a:r>
-              <a:rPr lang="en"/>
-              <a:t>Place the substring before the text, separated by a separator that is present in neither string.</a:t>
-            </a:r>
-            <a:endParaRPr/>
-          </a:p>
-          <a:p>
-            <a:pPr indent="0" lvl="0" marL="0" rtl="0" algn="l">
-              <a:spcBef>
-                <a:spcPts val="0"/>
-              </a:spcBef>
-              <a:spcAft>
-                <a:spcPts val="0"/>
-              </a:spcAft>
-              <a:buNone/>
-            </a:pPr>
-            <a:r>
-              <a:t/>
-            </a:r>
-            <a:endParaRPr/>
-          </a:p>
-          <a:p>
-            <a:pPr indent="0" lvl="0" marL="0" rtl="0" algn="l">
-              <a:spcBef>
-                <a:spcPts val="0"/>
-              </a:spcBef>
-              <a:spcAft>
-                <a:spcPts val="0"/>
-              </a:spcAft>
-              <a:buNone/>
-            </a:pPr>
-            <a:r>
-              <a:rPr lang="en"/>
-              <a:t>Example (substring is aab, separator is #):</a:t>
-            </a:r>
-            <a:endParaRPr/>
-          </a:p>
-          <a:p>
-            <a:pPr indent="0" lvl="0" marL="0" rtl="0" algn="l">
-              <a:spcBef>
-                <a:spcPts val="0"/>
-              </a:spcBef>
-              <a:spcAft>
-                <a:spcPts val="0"/>
-              </a:spcAft>
-              <a:buNone/>
-            </a:pPr>
-            <a:r>
-              <a:t/>
-            </a:r>
-            <a:endParaRPr/>
-          </a:p>
-          <a:p>
-            <a:pPr indent="0" lvl="0" marL="0" rtl="0" algn="l">
-              <a:spcBef>
-                <a:spcPts val="0"/>
-              </a:spcBef>
-              <a:spcAft>
-                <a:spcPts val="0"/>
-              </a:spcAft>
-              <a:buNone/>
-            </a:pPr>
-            <a:r>
-              <a:t/>
-            </a:r>
-            <a:endParaRPr/>
-          </a:p>
-        </p:txBody>
-      </p:sp>
-      <p:pic>
-        <p:nvPicPr>
-          <p:cNvPr id="509" name="Google Shape;509;p69"/>
-          <p:cNvPicPr preferRelativeResize="0"/>
-          <p:nvPr/>
-        </p:nvPicPr>
-        <p:blipFill>
-          <a:blip r:embed="rId3">
-            <a:alphaModFix/>
-          </a:blip>
-          <a:stretch>
-            <a:fillRect/>
-          </a:stretch>
-        </p:blipFill>
-        <p:spPr>
-          <a:xfrm>
-            <a:off x="1931325" y="2098550"/>
-            <a:ext cx="5281350" cy="880225"/>
-          </a:xfrm>
-          <a:prstGeom prst="rect">
-            <a:avLst/>
-          </a:prstGeom>
-          <a:noFill/>
-          <a:ln>
-            <a:noFill/>
-          </a:ln>
-        </p:spPr>
-      </p:pic>
-    </p:spTree>
-  </p:cSld>
-  <p:clrMapOvr>
-    <a:masterClrMapping/>
-  </p:clrMapOvr>
-</p:sld>
-</file>
-
-<file path=ppt/slides/slide12.xml><?xml version="1.0" encoding="utf-8"?>
-<p:sld xmlns:a="http://schemas.openxmlformats.org/drawingml/2006/main" xmlns:r="http://schemas.openxmlformats.org/officeDocument/2006/relationships" xmlns:mc="http://schemas.openxmlformats.org/markup-compatibility/2006" xmlns:mv="urn:schemas-microsoft-com:mac:vml" xmlns:p="http://schemas.openxmlformats.org/presentationml/2006/main" xmlns:c="http://schemas.openxmlformats.org/drawingml/2006/chart" xmlns:dgm="http://schemas.openxmlformats.org/drawingml/2006/diagram" xmlns:o="urn:schemas-microsoft-com:office:office" xmlns:v="urn:schemas-microsoft-com:vml" xmlns:pvml="urn:schemas-microsoft-com:office:powerpoint" xmlns:com="http://schemas.openxmlformats.org/drawingml/2006/compatibility" xmlns:p14="http://schemas.microsoft.com/office/powerpoint/2010/main" xmlns:p15="http://schemas.microsoft.com/office/powerpoint/2012/main" xmlns:ahyp="http://schemas.microsoft.com/office/drawing/2018/hyperlinkcolor">
-  <p:cSld>
-    <p:bg>
-      <p:bgPr>
-        <a:solidFill>
-          <a:schemeClr val="accent5"/>
-        </a:solidFill>
-      </p:bgPr>
-    </p:bg>
-    <p:spTree>
-      <p:nvGrpSpPr>
-        <p:cNvPr id="513" name="Shape 513"/>
-        <p:cNvGrpSpPr/>
-        <p:nvPr/>
-      </p:nvGrpSpPr>
-      <p:grpSpPr>
-        <a:xfrm>
-          <a:off x="0" y="0"/>
-          <a:ext cx="0" cy="0"/>
-          <a:chOff x="0" y="0"/>
-          <a:chExt cx="0" cy="0"/>
-        </a:xfrm>
-      </p:grpSpPr>
-      <p:sp>
-        <p:nvSpPr>
-          <p:cNvPr id="514" name="Google Shape;514;p70"/>
-          <p:cNvSpPr txBox="1"/>
-          <p:nvPr>
-            <p:ph idx="1" type="subTitle"/>
-          </p:nvPr>
-        </p:nvSpPr>
-        <p:spPr>
-          <a:xfrm>
-            <a:off x="480425" y="290625"/>
-            <a:ext cx="7766400" cy="458100"/>
-          </a:xfrm>
-          <a:prstGeom prst="rect">
-            <a:avLst/>
-          </a:prstGeom>
-        </p:spPr>
-        <p:txBody>
-          <a:bodyPr anchorCtr="0" anchor="t" bIns="91425" lIns="91425" spcFirstLastPara="1" rIns="91425" wrap="square" tIns="91425">
-            <a:noAutofit/>
-          </a:bodyPr>
-          <a:lstStyle/>
-          <a:p>
-            <a:pPr indent="0" lvl="0" marL="0" rtl="0" algn="l">
-              <a:spcBef>
-                <a:spcPts val="0"/>
-              </a:spcBef>
-              <a:spcAft>
-                <a:spcPts val="0"/>
-              </a:spcAft>
-              <a:buNone/>
-            </a:pPr>
-            <a:r>
-              <a:rPr lang="en" sz="1800"/>
-              <a:t>Knuth-Morris-Pratt Algorithm: Complexity</a:t>
-            </a:r>
-            <a:endParaRPr sz="1800"/>
-          </a:p>
-        </p:txBody>
-      </p:sp>
-      <p:sp>
-        <p:nvSpPr>
-          <p:cNvPr id="515" name="Google Shape;515;p70"/>
-          <p:cNvSpPr txBox="1"/>
-          <p:nvPr>
-            <p:ph idx="12" type="sldNum"/>
-          </p:nvPr>
-        </p:nvSpPr>
-        <p:spPr>
-          <a:xfrm>
-            <a:off x="8490529" y="250829"/>
-            <a:ext cx="348900" cy="178200"/>
-          </a:xfrm>
-          <a:prstGeom prst="rect">
-            <a:avLst/>
-          </a:prstGeom>
-        </p:spPr>
-        <p:txBody>
-          <a:bodyPr anchorCtr="0" anchor="t" bIns="91425" lIns="91425" spcFirstLastPara="1" rIns="91425" wrap="square" tIns="91425">
-            <a:noAutofit/>
-          </a:bodyPr>
-          <a:lstStyle/>
-          <a:p>
-            <a:pPr indent="0" lvl="0" marL="0" rtl="0" algn="r">
-              <a:spcBef>
-                <a:spcPts val="0"/>
-              </a:spcBef>
-              <a:spcAft>
-                <a:spcPts val="0"/>
-              </a:spcAft>
-              <a:buNone/>
-            </a:pPr>
-            <a:fld id="{00000000-1234-1234-1234-123412341234}" type="slidenum">
-              <a:rPr lang="en"/>
-              <a:t>‹#›</a:t>
-            </a:fld>
-            <a:endParaRPr/>
-          </a:p>
-        </p:txBody>
-      </p:sp>
-      <p:sp>
-        <p:nvSpPr>
-          <p:cNvPr id="516" name="Google Shape;516;p70"/>
-          <p:cNvSpPr txBox="1"/>
-          <p:nvPr>
-            <p:ph idx="4" type="title"/>
-          </p:nvPr>
-        </p:nvSpPr>
-        <p:spPr>
-          <a:xfrm>
-            <a:off x="480425" y="853725"/>
-            <a:ext cx="6585600" cy="3689100"/>
-          </a:xfrm>
-          <a:prstGeom prst="rect">
-            <a:avLst/>
-          </a:prstGeom>
-        </p:spPr>
-        <p:txBody>
-          <a:bodyPr anchorCtr="0" anchor="t" bIns="91425" lIns="91425" spcFirstLastPara="1" rIns="91425" wrap="square" tIns="91425">
-            <a:noAutofit/>
-          </a:bodyPr>
-          <a:lstStyle/>
-          <a:p>
-            <a:pPr indent="0" lvl="0" marL="0" rtl="0" algn="l">
-              <a:spcBef>
-                <a:spcPts val="0"/>
-              </a:spcBef>
-              <a:spcAft>
-                <a:spcPts val="0"/>
-              </a:spcAft>
-              <a:buNone/>
-            </a:pPr>
-            <a:r>
-              <a:rPr lang="en"/>
-              <a:t>From earlier:</a:t>
-            </a:r>
-            <a:endParaRPr/>
-          </a:p>
-          <a:p>
-            <a:pPr indent="-323850" lvl="0" marL="457200" rtl="0" algn="l">
-              <a:spcBef>
-                <a:spcPts val="0"/>
-              </a:spcBef>
-              <a:spcAft>
-                <a:spcPts val="0"/>
-              </a:spcAft>
-              <a:buSzPts val="1500"/>
-              <a:buChar char="-"/>
-            </a:pPr>
-            <a:r>
-              <a:rPr lang="en"/>
-              <a:t>If we know the prefix values never are higher than m, we don’t need to store the entire string/function but only beginning.</a:t>
-            </a:r>
-            <a:endParaRPr/>
-          </a:p>
-          <a:p>
-            <a:pPr indent="-323850" lvl="0" marL="457200" rtl="0" algn="l">
-              <a:spcBef>
-                <a:spcPts val="0"/>
-              </a:spcBef>
-              <a:spcAft>
-                <a:spcPts val="0"/>
-              </a:spcAft>
-              <a:buSzPts val="1500"/>
-              <a:buChar char="-"/>
-            </a:pPr>
-            <a:r>
-              <a:rPr lang="en"/>
-              <a:t>We store:</a:t>
-            </a:r>
-            <a:endParaRPr/>
-          </a:p>
-          <a:p>
-            <a:pPr indent="-323850" lvl="1" marL="914400" rtl="0" algn="l">
-              <a:spcBef>
-                <a:spcPts val="0"/>
-              </a:spcBef>
-              <a:spcAft>
-                <a:spcPts val="0"/>
-              </a:spcAft>
-              <a:buSzPts val="1500"/>
-              <a:buChar char="-"/>
-            </a:pPr>
-            <a:r>
-              <a:rPr lang="en"/>
-              <a:t>s (with separator character) - </a:t>
-            </a:r>
-            <a:r>
-              <a:rPr b="1" lang="en">
-                <a:latin typeface="Barlow"/>
-                <a:ea typeface="Barlow"/>
-                <a:cs typeface="Barlow"/>
-                <a:sym typeface="Barlow"/>
-              </a:rPr>
-              <a:t>O(m)</a:t>
-            </a:r>
-            <a:endParaRPr b="1">
-              <a:latin typeface="Barlow"/>
-              <a:ea typeface="Barlow"/>
-              <a:cs typeface="Barlow"/>
-              <a:sym typeface="Barlow"/>
-            </a:endParaRPr>
-          </a:p>
-          <a:p>
-            <a:pPr indent="-323850" lvl="1" marL="914400" rtl="0" algn="l">
-              <a:spcBef>
-                <a:spcPts val="0"/>
-              </a:spcBef>
-              <a:spcAft>
-                <a:spcPts val="0"/>
-              </a:spcAft>
-              <a:buSzPts val="1500"/>
-              <a:buChar char="-"/>
-            </a:pPr>
-            <a:r>
-              <a:rPr lang="en"/>
-              <a:t>Values of prefix function for last m+1 characters </a:t>
-            </a:r>
-            <a:r>
-              <a:rPr b="1" lang="en">
-                <a:latin typeface="Barlow"/>
-                <a:ea typeface="Barlow"/>
-                <a:cs typeface="Barlow"/>
-                <a:sym typeface="Barlow"/>
-              </a:rPr>
-              <a:t>O(m)</a:t>
-            </a:r>
-            <a:endParaRPr b="1">
-              <a:latin typeface="Barlow"/>
-              <a:ea typeface="Barlow"/>
-              <a:cs typeface="Barlow"/>
-              <a:sym typeface="Barlow"/>
-            </a:endParaRPr>
-          </a:p>
-          <a:p>
-            <a:pPr indent="-323850" lvl="0" marL="457200" rtl="0" algn="l">
-              <a:spcBef>
-                <a:spcPts val="0"/>
-              </a:spcBef>
-              <a:spcAft>
-                <a:spcPts val="0"/>
-              </a:spcAft>
-              <a:buSzPts val="1500"/>
-              <a:buChar char="-"/>
-            </a:pPr>
-            <a:r>
-              <a:rPr lang="en"/>
-              <a:t>Space complexity is </a:t>
-            </a:r>
-            <a:r>
-              <a:rPr b="1" lang="en">
-                <a:latin typeface="Barlow"/>
-                <a:ea typeface="Barlow"/>
-                <a:cs typeface="Barlow"/>
-                <a:sym typeface="Barlow"/>
-              </a:rPr>
-              <a:t>O(m)</a:t>
-            </a:r>
-            <a:endParaRPr b="1">
-              <a:latin typeface="Barlow"/>
-              <a:ea typeface="Barlow"/>
-              <a:cs typeface="Barlow"/>
-              <a:sym typeface="Barlow"/>
-            </a:endParaRPr>
-          </a:p>
-          <a:p>
-            <a:pPr indent="-323850" lvl="0" marL="457200" rtl="0" algn="l">
-              <a:spcBef>
-                <a:spcPts val="0"/>
-              </a:spcBef>
-              <a:spcAft>
-                <a:spcPts val="0"/>
-              </a:spcAft>
-              <a:buSzPts val="1500"/>
-              <a:buChar char="-"/>
-            </a:pPr>
-            <a:r>
-              <a:rPr lang="en"/>
-              <a:t>Still need to build prefix for equivalent of entire string m+n+1 length</a:t>
-            </a:r>
-            <a:endParaRPr/>
-          </a:p>
-          <a:p>
-            <a:pPr indent="-323850" lvl="0" marL="457200" rtl="0" algn="l">
-              <a:spcBef>
-                <a:spcPts val="0"/>
-              </a:spcBef>
-              <a:spcAft>
-                <a:spcPts val="0"/>
-              </a:spcAft>
-              <a:buSzPts val="1500"/>
-              <a:buChar char="-"/>
-            </a:pPr>
-            <a:r>
-              <a:rPr lang="en"/>
-              <a:t>Time complexity is </a:t>
-            </a:r>
-            <a:r>
-              <a:rPr b="1" lang="en">
-                <a:latin typeface="Barlow"/>
-                <a:ea typeface="Barlow"/>
-                <a:cs typeface="Barlow"/>
-                <a:sym typeface="Barlow"/>
-              </a:rPr>
-              <a:t>O(m+n)</a:t>
-            </a:r>
-            <a:endParaRPr/>
-          </a:p>
-        </p:txBody>
-      </p:sp>
-    </p:spTree>
-  </p:cSld>
-  <p:clrMapOvr>
-    <a:masterClrMapping/>
-  </p:clrMapOvr>
-</p:sld>
-</file>
-
-<file path=ppt/slides/slide13.xml><?xml version="1.0" encoding="utf-8"?>
-<p:sld xmlns:a="http://schemas.openxmlformats.org/drawingml/2006/main" xmlns:r="http://schemas.openxmlformats.org/officeDocument/2006/relationships" xmlns:mc="http://schemas.openxmlformats.org/markup-compatibility/2006" xmlns:mv="urn:schemas-microsoft-com:mac:vml" xmlns:p="http://schemas.openxmlformats.org/presentationml/2006/main" xmlns:c="http://schemas.openxmlformats.org/drawingml/2006/chart" xmlns:dgm="http://schemas.openxmlformats.org/drawingml/2006/diagram" xmlns:o="urn:schemas-microsoft-com:office:office" xmlns:v="urn:schemas-microsoft-com:vml" xmlns:pvml="urn:schemas-microsoft-com:office:powerpoint" xmlns:com="http://schemas.openxmlformats.org/drawingml/2006/compatibility" xmlns:p14="http://schemas.microsoft.com/office/powerpoint/2010/main" xmlns:p15="http://schemas.microsoft.com/office/powerpoint/2012/main" xmlns:ahyp="http://schemas.microsoft.com/office/drawing/2018/hyperlinkcolor">
-  <p:cSld>
-    <p:bg>
-      <p:bgPr>
-        <a:solidFill>
-          <a:schemeClr val="accent5"/>
-        </a:solidFill>
-      </p:bgPr>
-    </p:bg>
-    <p:spTree>
-      <p:nvGrpSpPr>
-        <p:cNvPr id="520" name="Shape 520"/>
-        <p:cNvGrpSpPr/>
-        <p:nvPr/>
-      </p:nvGrpSpPr>
-      <p:grpSpPr>
-        <a:xfrm>
-          <a:off x="0" y="0"/>
-          <a:ext cx="0" cy="0"/>
-          <a:chOff x="0" y="0"/>
-          <a:chExt cx="0" cy="0"/>
-        </a:xfrm>
-      </p:grpSpPr>
-      <p:sp>
-        <p:nvSpPr>
-          <p:cNvPr id="521" name="Google Shape;521;p71"/>
-          <p:cNvSpPr txBox="1"/>
-          <p:nvPr>
-            <p:ph idx="1" type="subTitle"/>
-          </p:nvPr>
-        </p:nvSpPr>
-        <p:spPr>
-          <a:xfrm>
-            <a:off x="480425" y="290625"/>
-            <a:ext cx="7766400" cy="458100"/>
-          </a:xfrm>
-          <a:prstGeom prst="rect">
-            <a:avLst/>
-          </a:prstGeom>
-        </p:spPr>
-        <p:txBody>
-          <a:bodyPr anchorCtr="0" anchor="t" bIns="91425" lIns="91425" spcFirstLastPara="1" rIns="91425" wrap="square" tIns="91425">
-            <a:noAutofit/>
-          </a:bodyPr>
-          <a:lstStyle/>
-          <a:p>
-            <a:pPr indent="0" lvl="0" marL="0" rtl="0" algn="l">
-              <a:spcBef>
-                <a:spcPts val="0"/>
-              </a:spcBef>
-              <a:spcAft>
-                <a:spcPts val="0"/>
-              </a:spcAft>
-              <a:buNone/>
-            </a:pPr>
-            <a:r>
-              <a:rPr lang="en" sz="1800"/>
-              <a:t>Similar Algorithms</a:t>
-            </a:r>
-            <a:endParaRPr sz="1800"/>
-          </a:p>
-        </p:txBody>
-      </p:sp>
-      <p:sp>
-        <p:nvSpPr>
-          <p:cNvPr id="522" name="Google Shape;522;p71"/>
-          <p:cNvSpPr txBox="1"/>
-          <p:nvPr>
-            <p:ph idx="12" type="sldNum"/>
-          </p:nvPr>
-        </p:nvSpPr>
-        <p:spPr>
-          <a:xfrm>
-            <a:off x="8490529" y="250829"/>
-            <a:ext cx="348900" cy="178200"/>
-          </a:xfrm>
-          <a:prstGeom prst="rect">
-            <a:avLst/>
-          </a:prstGeom>
-        </p:spPr>
-        <p:txBody>
-          <a:bodyPr anchorCtr="0" anchor="t" bIns="91425" lIns="91425" spcFirstLastPara="1" rIns="91425" wrap="square" tIns="91425">
-            <a:noAutofit/>
-          </a:bodyPr>
-          <a:lstStyle/>
-          <a:p>
-            <a:pPr indent="0" lvl="0" marL="0" rtl="0" algn="r">
-              <a:spcBef>
-                <a:spcPts val="0"/>
-              </a:spcBef>
-              <a:spcAft>
-                <a:spcPts val="0"/>
-              </a:spcAft>
-              <a:buNone/>
-            </a:pPr>
-            <a:fld id="{00000000-1234-1234-1234-123412341234}" type="slidenum">
-              <a:rPr lang="en"/>
-              <a:t>‹#›</a:t>
-            </a:fld>
-            <a:endParaRPr/>
-          </a:p>
-        </p:txBody>
-      </p:sp>
-      <p:sp>
-        <p:nvSpPr>
-          <p:cNvPr id="523" name="Google Shape;523;p71"/>
-          <p:cNvSpPr txBox="1"/>
-          <p:nvPr>
-            <p:ph idx="4" type="title"/>
-          </p:nvPr>
-        </p:nvSpPr>
-        <p:spPr>
-          <a:xfrm>
-            <a:off x="480425" y="727200"/>
-            <a:ext cx="6585600" cy="3689100"/>
-          </a:xfrm>
-          <a:prstGeom prst="rect">
-            <a:avLst/>
-          </a:prstGeom>
-        </p:spPr>
-        <p:txBody>
-          <a:bodyPr anchorCtr="0" anchor="t" bIns="91425" lIns="91425" spcFirstLastPara="1" rIns="91425" wrap="square" tIns="91425">
-            <a:noAutofit/>
-          </a:bodyPr>
-          <a:lstStyle/>
-          <a:p>
-            <a:pPr indent="0" lvl="0" marL="0" rtl="0" algn="l">
-              <a:spcBef>
-                <a:spcPts val="0"/>
-              </a:spcBef>
-              <a:spcAft>
-                <a:spcPts val="0"/>
-              </a:spcAft>
-              <a:buNone/>
-            </a:pPr>
-            <a:r>
-              <a:rPr lang="en" sz="2200"/>
-              <a:t>Rabin-Karp String Matching</a:t>
-            </a:r>
-            <a:endParaRPr sz="2200"/>
-          </a:p>
-          <a:p>
-            <a:pPr indent="-368300" lvl="0" marL="457200" rtl="0" algn="l">
-              <a:spcBef>
-                <a:spcPts val="0"/>
-              </a:spcBef>
-              <a:spcAft>
-                <a:spcPts val="0"/>
-              </a:spcAft>
-              <a:buSzPts val="2200"/>
-              <a:buChar char="-"/>
-            </a:pPr>
-            <a:r>
-              <a:rPr lang="en" sz="2200"/>
-              <a:t>Uses hash values of individual characters and strings</a:t>
-            </a:r>
-            <a:endParaRPr sz="2200"/>
-          </a:p>
-          <a:p>
-            <a:pPr indent="-368300" lvl="0" marL="457200" rtl="0" algn="l">
-              <a:spcBef>
-                <a:spcPts val="0"/>
-              </a:spcBef>
-              <a:spcAft>
-                <a:spcPts val="0"/>
-              </a:spcAft>
-              <a:buSzPts val="2200"/>
-              <a:buChar char="-"/>
-            </a:pPr>
-            <a:r>
-              <a:rPr lang="en" sz="2200"/>
-              <a:t>Requires being able to hash sequential elements</a:t>
-            </a:r>
-            <a:endParaRPr sz="2200"/>
-          </a:p>
-          <a:p>
-            <a:pPr indent="-368300" lvl="0" marL="457200" rtl="0" algn="l">
-              <a:spcBef>
-                <a:spcPts val="0"/>
-              </a:spcBef>
-              <a:spcAft>
-                <a:spcPts val="0"/>
-              </a:spcAft>
-              <a:buSzPts val="2200"/>
-              <a:buChar char="-"/>
-            </a:pPr>
-            <a:r>
-              <a:rPr lang="en" sz="2200"/>
-              <a:t>Might produce spurious hits (equal hashes but not equal substrings)</a:t>
-            </a:r>
-            <a:endParaRPr sz="2200"/>
-          </a:p>
-          <a:p>
-            <a:pPr indent="0" lvl="0" marL="0" rtl="0" algn="l">
-              <a:spcBef>
-                <a:spcPts val="0"/>
-              </a:spcBef>
-              <a:spcAft>
-                <a:spcPts val="0"/>
-              </a:spcAft>
-              <a:buNone/>
-            </a:pPr>
-            <a:r>
-              <a:rPr lang="en" sz="2200"/>
-              <a:t>Aho-Corasick Algorithms</a:t>
-            </a:r>
-            <a:endParaRPr sz="2200"/>
-          </a:p>
-          <a:p>
-            <a:pPr indent="-368300" lvl="0" marL="457200" rtl="0" algn="l">
-              <a:spcBef>
-                <a:spcPts val="0"/>
-              </a:spcBef>
-              <a:spcAft>
-                <a:spcPts val="0"/>
-              </a:spcAft>
-              <a:buSzPts val="2200"/>
-              <a:buChar char="-"/>
-            </a:pPr>
-            <a:r>
-              <a:rPr lang="en" sz="2200"/>
-              <a:t>Builds a search trie to keep track of suffix/prefix patterns</a:t>
-            </a:r>
-            <a:endParaRPr sz="2200"/>
-          </a:p>
-          <a:p>
-            <a:pPr indent="-368300" lvl="0" marL="457200" rtl="0" algn="l">
-              <a:spcBef>
-                <a:spcPts val="0"/>
-              </a:spcBef>
-              <a:spcAft>
-                <a:spcPts val="0"/>
-              </a:spcAft>
-              <a:buSzPts val="2200"/>
-              <a:buChar char="-"/>
-            </a:pPr>
-            <a:r>
-              <a:rPr lang="en" sz="2200"/>
-              <a:t>Requires high initial overhead to build trie</a:t>
-            </a:r>
-            <a:endParaRPr sz="2200"/>
-          </a:p>
-        </p:txBody>
-      </p:sp>
-    </p:spTree>
-  </p:cSld>
-  <p:clrMapOvr>
-    <a:masterClrMapping/>
-  </p:clrMapOvr>
-</p:sld>
-</file>
-
-<file path=ppt/slides/slide14.xml><?xml version="1.0" encoding="utf-8"?>
-<p:sld xmlns:a="http://schemas.openxmlformats.org/drawingml/2006/main" xmlns:r="http://schemas.openxmlformats.org/officeDocument/2006/relationships" xmlns:mc="http://schemas.openxmlformats.org/markup-compatibility/2006" xmlns:mv="urn:schemas-microsoft-com:mac:vml" xmlns:p="http://schemas.openxmlformats.org/presentationml/2006/main" xmlns:c="http://schemas.openxmlformats.org/drawingml/2006/chart" xmlns:dgm="http://schemas.openxmlformats.org/drawingml/2006/diagram" xmlns:o="urn:schemas-microsoft-com:office:office" xmlns:v="urn:schemas-microsoft-com:vml" xmlns:pvml="urn:schemas-microsoft-com:office:powerpoint" xmlns:com="http://schemas.openxmlformats.org/drawingml/2006/compatibility" xmlns:p14="http://schemas.microsoft.com/office/powerpoint/2010/main" xmlns:p15="http://schemas.microsoft.com/office/powerpoint/2012/main" xmlns:ahyp="http://schemas.microsoft.com/office/drawing/2018/hyperlinkcolor">
-  <p:cSld>
-    <p:bg>
-      <p:bgPr>
-        <a:solidFill>
-          <a:schemeClr val="accent5"/>
-        </a:solidFill>
-      </p:bgPr>
-    </p:bg>
-    <p:spTree>
-      <p:nvGrpSpPr>
-        <p:cNvPr id="527" name="Shape 527"/>
-        <p:cNvGrpSpPr/>
-        <p:nvPr/>
-      </p:nvGrpSpPr>
-      <p:grpSpPr>
-        <a:xfrm>
-          <a:off x="0" y="0"/>
-          <a:ext cx="0" cy="0"/>
-          <a:chOff x="0" y="0"/>
-          <a:chExt cx="0" cy="0"/>
-        </a:xfrm>
-      </p:grpSpPr>
-      <p:sp>
-        <p:nvSpPr>
-          <p:cNvPr id="528" name="Google Shape;528;p72"/>
-          <p:cNvSpPr txBox="1"/>
-          <p:nvPr>
-            <p:ph idx="1" type="subTitle"/>
-          </p:nvPr>
-        </p:nvSpPr>
-        <p:spPr>
-          <a:xfrm>
-            <a:off x="480425" y="290625"/>
-            <a:ext cx="7766400" cy="458100"/>
-          </a:xfrm>
-          <a:prstGeom prst="rect">
-            <a:avLst/>
-          </a:prstGeom>
-        </p:spPr>
-        <p:txBody>
-          <a:bodyPr anchorCtr="0" anchor="t" bIns="91425" lIns="91425" spcFirstLastPara="1" rIns="91425" wrap="square" tIns="91425">
-            <a:noAutofit/>
-          </a:bodyPr>
-          <a:lstStyle/>
-          <a:p>
-            <a:pPr indent="0" lvl="0" marL="0" rtl="0" algn="l">
-              <a:spcBef>
-                <a:spcPts val="0"/>
-              </a:spcBef>
-              <a:spcAft>
-                <a:spcPts val="0"/>
-              </a:spcAft>
-              <a:buNone/>
-            </a:pPr>
-            <a:r>
-              <a:rPr lang="en" sz="1800"/>
-              <a:t>Conclusions</a:t>
-            </a:r>
-            <a:endParaRPr sz="1800"/>
-          </a:p>
-        </p:txBody>
-      </p:sp>
-      <p:sp>
-        <p:nvSpPr>
-          <p:cNvPr id="529" name="Google Shape;529;p72"/>
-          <p:cNvSpPr txBox="1"/>
-          <p:nvPr>
-            <p:ph idx="12" type="sldNum"/>
-          </p:nvPr>
-        </p:nvSpPr>
-        <p:spPr>
-          <a:xfrm>
-            <a:off x="8490529" y="250829"/>
-            <a:ext cx="348900" cy="178200"/>
-          </a:xfrm>
-          <a:prstGeom prst="rect">
-            <a:avLst/>
-          </a:prstGeom>
-        </p:spPr>
-        <p:txBody>
-          <a:bodyPr anchorCtr="0" anchor="t" bIns="91425" lIns="91425" spcFirstLastPara="1" rIns="91425" wrap="square" tIns="91425">
-            <a:noAutofit/>
-          </a:bodyPr>
-          <a:lstStyle/>
-          <a:p>
-            <a:pPr indent="0" lvl="0" marL="0" rtl="0" algn="r">
-              <a:spcBef>
-                <a:spcPts val="0"/>
-              </a:spcBef>
-              <a:spcAft>
-                <a:spcPts val="0"/>
-              </a:spcAft>
-              <a:buNone/>
-            </a:pPr>
-            <a:fld id="{00000000-1234-1234-1234-123412341234}" type="slidenum">
-              <a:rPr lang="en"/>
-              <a:t>‹#›</a:t>
-            </a:fld>
-            <a:endParaRPr/>
-          </a:p>
-        </p:txBody>
-      </p:sp>
-      <p:sp>
-        <p:nvSpPr>
-          <p:cNvPr id="530" name="Google Shape;530;p72"/>
-          <p:cNvSpPr txBox="1"/>
-          <p:nvPr>
-            <p:ph idx="4" type="title"/>
-          </p:nvPr>
-        </p:nvSpPr>
-        <p:spPr>
-          <a:xfrm>
-            <a:off x="480425" y="853725"/>
-            <a:ext cx="6585600" cy="3689100"/>
-          </a:xfrm>
-          <a:prstGeom prst="rect">
-            <a:avLst/>
-          </a:prstGeom>
-        </p:spPr>
-        <p:txBody>
-          <a:bodyPr anchorCtr="0" anchor="t" bIns="91425" lIns="91425" spcFirstLastPara="1" rIns="91425" wrap="square" tIns="91425">
-            <a:noAutofit/>
-          </a:bodyPr>
-          <a:lstStyle/>
-          <a:p>
-            <a:pPr indent="-381000" lvl="0" marL="457200" rtl="0" algn="l">
-              <a:spcBef>
-                <a:spcPts val="0"/>
-              </a:spcBef>
-              <a:spcAft>
-                <a:spcPts val="0"/>
-              </a:spcAft>
-              <a:buSzPts val="2400"/>
-              <a:buChar char="-"/>
-            </a:pPr>
-            <a:r>
-              <a:rPr lang="en" sz="2400"/>
-              <a:t>The Knuth-Morris-Pratt algorithm identifies substrings of a string</a:t>
-            </a:r>
-            <a:endParaRPr sz="2400"/>
-          </a:p>
-          <a:p>
-            <a:pPr indent="-381000" lvl="0" marL="457200" rtl="0" algn="l">
-              <a:spcBef>
-                <a:spcPts val="0"/>
-              </a:spcBef>
-              <a:spcAft>
-                <a:spcPts val="0"/>
-              </a:spcAft>
-              <a:buSzPts val="2400"/>
-              <a:buChar char="-"/>
-            </a:pPr>
-            <a:r>
-              <a:rPr lang="en" sz="2400"/>
-              <a:t>It uses an efficient way of finding the prefix function of a string</a:t>
-            </a:r>
-            <a:endParaRPr sz="2400"/>
-          </a:p>
-          <a:p>
-            <a:pPr indent="-381000" lvl="0" marL="457200" rtl="0" algn="l">
-              <a:spcBef>
-                <a:spcPts val="0"/>
-              </a:spcBef>
-              <a:spcAft>
-                <a:spcPts val="0"/>
-              </a:spcAft>
-              <a:buSzPts val="2400"/>
-              <a:buChar char="-"/>
-            </a:pPr>
-            <a:r>
-              <a:rPr lang="en" sz="2400"/>
-              <a:t>Runs in O(n+m) time and uses O(m) space</a:t>
-            </a:r>
-            <a:endParaRPr sz="2400"/>
-          </a:p>
-        </p:txBody>
-      </p:sp>
-    </p:spTree>
-  </p:cSld>
-  <p:clrMapOvr>
-    <a:masterClrMapping/>
-  </p:clrMapOvr>
-</p:sld>
-</file>
-
-<file path=ppt/slides/slide2.xml><?xml version="1.0" encoding="utf-8"?>
-<p:sld xmlns:a="http://schemas.openxmlformats.org/drawingml/2006/main" xmlns:r="http://schemas.openxmlformats.org/officeDocument/2006/relationships" xmlns:mc="http://schemas.openxmlformats.org/markup-compatibility/2006" xmlns:mv="urn:schemas-microsoft-com:mac:vml" xmlns:p="http://schemas.openxmlformats.org/presentationml/2006/main" xmlns:c="http://schemas.openxmlformats.org/drawingml/2006/chart" xmlns:dgm="http://schemas.openxmlformats.org/drawingml/2006/diagram" xmlns:o="urn:schemas-microsoft-com:office:office" xmlns:v="urn:schemas-microsoft-com:vml" xmlns:pvml="urn:schemas-microsoft-com:office:powerpoint" xmlns:com="http://schemas.openxmlformats.org/drawingml/2006/compatibility" xmlns:p14="http://schemas.microsoft.com/office/powerpoint/2010/main" xmlns:p15="http://schemas.microsoft.com/office/powerpoint/2012/main" xmlns:ahyp="http://schemas.microsoft.com/office/drawing/2018/hyperlinkcolor">
-  <p:cSld>
-    <p:spTree>
-      <p:nvGrpSpPr>
-        <p:cNvPr id="376" name="Shape 376"/>
-        <p:cNvGrpSpPr/>
-        <p:nvPr/>
-      </p:nvGrpSpPr>
-      <p:grpSpPr>
-        <a:xfrm>
-          <a:off x="0" y="0"/>
-          <a:ext cx="0" cy="0"/>
-          <a:chOff x="0" y="0"/>
-          <a:chExt cx="0" cy="0"/>
-        </a:xfrm>
-      </p:grpSpPr>
-      <p:sp>
-        <p:nvSpPr>
-          <p:cNvPr id="377" name="Google Shape;377;p60"/>
-          <p:cNvSpPr txBox="1"/>
-          <p:nvPr>
-            <p:ph idx="1" type="subTitle"/>
-          </p:nvPr>
-        </p:nvSpPr>
-        <p:spPr>
-          <a:xfrm>
-            <a:off x="475075" y="309225"/>
-            <a:ext cx="3655200" cy="357600"/>
-          </a:xfrm>
-          <a:prstGeom prst="rect">
-            <a:avLst/>
-          </a:prstGeom>
-        </p:spPr>
-        <p:txBody>
-          <a:bodyPr anchorCtr="0" anchor="t" bIns="91425" lIns="91425" spcFirstLastPara="1" rIns="91425" wrap="square" tIns="91425">
-            <a:noAutofit/>
-          </a:bodyPr>
-          <a:lstStyle/>
-          <a:p>
-            <a:pPr indent="0" lvl="0" marL="0" rtl="0" algn="l">
-              <a:spcBef>
-                <a:spcPts val="0"/>
-              </a:spcBef>
-              <a:spcAft>
-                <a:spcPts val="0"/>
-              </a:spcAft>
-              <a:buNone/>
-            </a:pPr>
-            <a:r>
-              <a:rPr lang="en"/>
-              <a:t>Content Overview</a:t>
-            </a:r>
-            <a:endParaRPr/>
-          </a:p>
-        </p:txBody>
-      </p:sp>
-      <p:sp>
-        <p:nvSpPr>
-          <p:cNvPr id="378" name="Google Shape;378;p60"/>
-          <p:cNvSpPr txBox="1"/>
-          <p:nvPr>
-            <p:ph idx="2" type="body"/>
-          </p:nvPr>
-        </p:nvSpPr>
-        <p:spPr>
-          <a:xfrm>
-            <a:off x="787297" y="980279"/>
-            <a:ext cx="926100" cy="474000"/>
-          </a:xfrm>
-          <a:prstGeom prst="rect">
-            <a:avLst/>
-          </a:prstGeom>
-        </p:spPr>
-        <p:txBody>
-          <a:bodyPr anchorCtr="0" anchor="t" bIns="91425" lIns="91425" spcFirstLastPara="1" rIns="91425" wrap="square" tIns="91425">
-            <a:noAutofit/>
-          </a:bodyPr>
-          <a:lstStyle/>
-          <a:p>
-            <a:pPr indent="0" lvl="0" marL="0" rtl="0" algn="r">
-              <a:spcBef>
-                <a:spcPts val="0"/>
-              </a:spcBef>
-              <a:spcAft>
-                <a:spcPts val="0"/>
-              </a:spcAft>
-              <a:buNone/>
-            </a:pPr>
-            <a:r>
-              <a:rPr lang="en"/>
-              <a:t>01</a:t>
-            </a:r>
-            <a:endParaRPr/>
-          </a:p>
-        </p:txBody>
-      </p:sp>
-      <p:sp>
-        <p:nvSpPr>
-          <p:cNvPr id="379" name="Google Shape;379;p60"/>
-          <p:cNvSpPr txBox="1"/>
-          <p:nvPr>
-            <p:ph idx="3" type="subTitle"/>
-          </p:nvPr>
-        </p:nvSpPr>
-        <p:spPr>
-          <a:xfrm>
-            <a:off x="1699221" y="980279"/>
-            <a:ext cx="2362200" cy="474000"/>
-          </a:xfrm>
-          <a:prstGeom prst="rect">
-            <a:avLst/>
-          </a:prstGeom>
-        </p:spPr>
-        <p:txBody>
-          <a:bodyPr anchorCtr="0" anchor="t" bIns="91425" lIns="91425" spcFirstLastPara="1" rIns="91425" wrap="square" tIns="91425">
-            <a:noAutofit/>
-          </a:bodyPr>
-          <a:lstStyle/>
-          <a:p>
-            <a:pPr indent="0" lvl="0" marL="0" rtl="0" algn="l">
-              <a:spcBef>
-                <a:spcPts val="0"/>
-              </a:spcBef>
-              <a:spcAft>
-                <a:spcPts val="0"/>
-              </a:spcAft>
-              <a:buNone/>
-            </a:pPr>
-            <a:r>
-              <a:rPr lang="en"/>
-              <a:t>Core Problem</a:t>
-            </a:r>
-            <a:endParaRPr/>
-          </a:p>
-        </p:txBody>
-      </p:sp>
-      <p:sp>
-        <p:nvSpPr>
-          <p:cNvPr id="380" name="Google Shape;380;p60"/>
-          <p:cNvSpPr txBox="1"/>
-          <p:nvPr>
-            <p:ph idx="5" type="body"/>
-          </p:nvPr>
-        </p:nvSpPr>
-        <p:spPr>
-          <a:xfrm>
-            <a:off x="787297" y="2099816"/>
-            <a:ext cx="926100" cy="474000"/>
-          </a:xfrm>
-          <a:prstGeom prst="rect">
-            <a:avLst/>
-          </a:prstGeom>
-        </p:spPr>
-        <p:txBody>
-          <a:bodyPr anchorCtr="0" anchor="t" bIns="91425" lIns="91425" spcFirstLastPara="1" rIns="91425" wrap="square" tIns="91425">
-            <a:noAutofit/>
-          </a:bodyPr>
-          <a:lstStyle/>
-          <a:p>
-            <a:pPr indent="0" lvl="0" marL="0" rtl="0" algn="r">
-              <a:spcBef>
-                <a:spcPts val="0"/>
-              </a:spcBef>
-              <a:spcAft>
-                <a:spcPts val="0"/>
-              </a:spcAft>
-              <a:buNone/>
-            </a:pPr>
-            <a:r>
-              <a:rPr lang="en"/>
-              <a:t>02</a:t>
-            </a:r>
-            <a:endParaRPr/>
-          </a:p>
-        </p:txBody>
-      </p:sp>
-      <p:sp>
-        <p:nvSpPr>
-          <p:cNvPr id="381" name="Google Shape;381;p60"/>
-          <p:cNvSpPr txBox="1"/>
-          <p:nvPr>
-            <p:ph idx="6" type="subTitle"/>
-          </p:nvPr>
-        </p:nvSpPr>
-        <p:spPr>
-          <a:xfrm>
-            <a:off x="1699221" y="2099541"/>
-            <a:ext cx="2362200" cy="474000"/>
-          </a:xfrm>
-          <a:prstGeom prst="rect">
-            <a:avLst/>
-          </a:prstGeom>
-        </p:spPr>
-        <p:txBody>
-          <a:bodyPr anchorCtr="0" anchor="t" bIns="91425" lIns="91425" spcFirstLastPara="1" rIns="91425" wrap="square" tIns="91425">
-            <a:noAutofit/>
-          </a:bodyPr>
-          <a:lstStyle/>
-          <a:p>
-            <a:pPr indent="0" lvl="0" marL="0" rtl="0" algn="l">
-              <a:spcBef>
-                <a:spcPts val="0"/>
-              </a:spcBef>
-              <a:spcAft>
-                <a:spcPts val="0"/>
-              </a:spcAft>
-              <a:buNone/>
-            </a:pPr>
-            <a:r>
-              <a:rPr lang="en"/>
-              <a:t>Na</a:t>
-            </a:r>
-            <a:r>
-              <a:rPr lang="en"/>
-              <a:t>ïve Approach</a:t>
-            </a:r>
-            <a:endParaRPr/>
-          </a:p>
-        </p:txBody>
-      </p:sp>
-      <p:sp>
-        <p:nvSpPr>
-          <p:cNvPr id="382" name="Google Shape;382;p60"/>
-          <p:cNvSpPr txBox="1"/>
-          <p:nvPr>
-            <p:ph idx="8" type="body"/>
-          </p:nvPr>
-        </p:nvSpPr>
-        <p:spPr>
-          <a:xfrm>
-            <a:off x="787297" y="3219093"/>
-            <a:ext cx="926100" cy="474000"/>
-          </a:xfrm>
-          <a:prstGeom prst="rect">
-            <a:avLst/>
-          </a:prstGeom>
-        </p:spPr>
-        <p:txBody>
-          <a:bodyPr anchorCtr="0" anchor="t" bIns="91425" lIns="91425" spcFirstLastPara="1" rIns="91425" wrap="square" tIns="91425">
-            <a:noAutofit/>
-          </a:bodyPr>
-          <a:lstStyle/>
-          <a:p>
-            <a:pPr indent="0" lvl="0" marL="0" rtl="0" algn="r">
-              <a:spcBef>
-                <a:spcPts val="0"/>
-              </a:spcBef>
-              <a:spcAft>
-                <a:spcPts val="0"/>
-              </a:spcAft>
-              <a:buNone/>
-            </a:pPr>
-            <a:r>
-              <a:rPr lang="en"/>
-              <a:t>03</a:t>
-            </a:r>
-            <a:endParaRPr/>
-          </a:p>
-        </p:txBody>
-      </p:sp>
-      <p:sp>
-        <p:nvSpPr>
-          <p:cNvPr id="383" name="Google Shape;383;p60"/>
-          <p:cNvSpPr txBox="1"/>
-          <p:nvPr>
-            <p:ph idx="9" type="subTitle"/>
-          </p:nvPr>
-        </p:nvSpPr>
-        <p:spPr>
-          <a:xfrm>
-            <a:off x="1699221" y="3218818"/>
-            <a:ext cx="2362200" cy="474000"/>
-          </a:xfrm>
-          <a:prstGeom prst="rect">
-            <a:avLst/>
-          </a:prstGeom>
-        </p:spPr>
-        <p:txBody>
-          <a:bodyPr anchorCtr="0" anchor="t" bIns="91425" lIns="91425" spcFirstLastPara="1" rIns="91425" wrap="square" tIns="91425">
-            <a:noAutofit/>
-          </a:bodyPr>
-          <a:lstStyle/>
-          <a:p>
-            <a:pPr indent="0" lvl="0" marL="0" rtl="0" algn="l">
-              <a:spcBef>
-                <a:spcPts val="0"/>
-              </a:spcBef>
-              <a:spcAft>
-                <a:spcPts val="0"/>
-              </a:spcAft>
-              <a:buNone/>
-            </a:pPr>
-            <a:r>
-              <a:rPr lang="en"/>
-              <a:t>Prefix Matching</a:t>
-            </a:r>
-            <a:endParaRPr/>
-          </a:p>
-        </p:txBody>
-      </p:sp>
-      <p:sp>
-        <p:nvSpPr>
-          <p:cNvPr id="384" name="Google Shape;384;p60"/>
-          <p:cNvSpPr txBox="1"/>
-          <p:nvPr>
-            <p:ph idx="14" type="body"/>
-          </p:nvPr>
-        </p:nvSpPr>
-        <p:spPr>
-          <a:xfrm>
-            <a:off x="4822781" y="980554"/>
-            <a:ext cx="926100" cy="474000"/>
-          </a:xfrm>
-          <a:prstGeom prst="rect">
-            <a:avLst/>
-          </a:prstGeom>
-        </p:spPr>
-        <p:txBody>
-          <a:bodyPr anchorCtr="0" anchor="t" bIns="91425" lIns="91425" spcFirstLastPara="1" rIns="91425" wrap="square" tIns="91425">
-            <a:noAutofit/>
-          </a:bodyPr>
-          <a:lstStyle/>
-          <a:p>
-            <a:pPr indent="0" lvl="0" marL="0" rtl="0" algn="r">
-              <a:spcBef>
-                <a:spcPts val="0"/>
-              </a:spcBef>
-              <a:spcAft>
-                <a:spcPts val="0"/>
-              </a:spcAft>
-              <a:buNone/>
-            </a:pPr>
-            <a:r>
-              <a:rPr lang="en"/>
-              <a:t>04</a:t>
-            </a:r>
-            <a:endParaRPr/>
-          </a:p>
-        </p:txBody>
-      </p:sp>
-      <p:sp>
-        <p:nvSpPr>
-          <p:cNvPr id="385" name="Google Shape;385;p60"/>
-          <p:cNvSpPr txBox="1"/>
-          <p:nvPr>
-            <p:ph idx="15" type="subTitle"/>
-          </p:nvPr>
-        </p:nvSpPr>
-        <p:spPr>
-          <a:xfrm>
-            <a:off x="5734705" y="980279"/>
-            <a:ext cx="2362200" cy="474000"/>
-          </a:xfrm>
-          <a:prstGeom prst="rect">
-            <a:avLst/>
-          </a:prstGeom>
-        </p:spPr>
-        <p:txBody>
-          <a:bodyPr anchorCtr="0" anchor="t" bIns="91425" lIns="91425" spcFirstLastPara="1" rIns="91425" wrap="square" tIns="91425">
-            <a:noAutofit/>
-          </a:bodyPr>
-          <a:lstStyle/>
-          <a:p>
-            <a:pPr indent="0" lvl="0" marL="0" rtl="0" algn="l">
-              <a:spcBef>
-                <a:spcPts val="0"/>
-              </a:spcBef>
-              <a:spcAft>
-                <a:spcPts val="0"/>
-              </a:spcAft>
-              <a:buNone/>
-            </a:pPr>
-            <a:r>
-              <a:rPr lang="en"/>
-              <a:t>Knuth-Morris-Pratt Algorithm</a:t>
-            </a:r>
-            <a:endParaRPr/>
-          </a:p>
-        </p:txBody>
-      </p:sp>
-      <p:sp>
-        <p:nvSpPr>
-          <p:cNvPr id="386" name="Google Shape;386;p60"/>
-          <p:cNvSpPr txBox="1"/>
-          <p:nvPr>
-            <p:ph idx="17" type="body"/>
-          </p:nvPr>
-        </p:nvSpPr>
-        <p:spPr>
-          <a:xfrm>
-            <a:off x="4822781" y="2099679"/>
-            <a:ext cx="926100" cy="474000"/>
-          </a:xfrm>
-          <a:prstGeom prst="rect">
-            <a:avLst/>
-          </a:prstGeom>
-        </p:spPr>
-        <p:txBody>
-          <a:bodyPr anchorCtr="0" anchor="t" bIns="91425" lIns="91425" spcFirstLastPara="1" rIns="91425" wrap="square" tIns="91425">
-            <a:noAutofit/>
-          </a:bodyPr>
-          <a:lstStyle/>
-          <a:p>
-            <a:pPr indent="0" lvl="0" marL="0" rtl="0" algn="r">
-              <a:spcBef>
-                <a:spcPts val="0"/>
-              </a:spcBef>
-              <a:spcAft>
-                <a:spcPts val="0"/>
-              </a:spcAft>
-              <a:buNone/>
-            </a:pPr>
-            <a:r>
-              <a:rPr lang="en"/>
-              <a:t>05</a:t>
-            </a:r>
-            <a:endParaRPr/>
-          </a:p>
-        </p:txBody>
-      </p:sp>
-      <p:sp>
-        <p:nvSpPr>
-          <p:cNvPr id="387" name="Google Shape;387;p60"/>
-          <p:cNvSpPr txBox="1"/>
-          <p:nvPr>
-            <p:ph idx="18" type="subTitle"/>
-          </p:nvPr>
-        </p:nvSpPr>
-        <p:spPr>
-          <a:xfrm>
-            <a:off x="5734705" y="2099404"/>
-            <a:ext cx="2362200" cy="474000"/>
-          </a:xfrm>
-          <a:prstGeom prst="rect">
-            <a:avLst/>
-          </a:prstGeom>
-        </p:spPr>
-        <p:txBody>
-          <a:bodyPr anchorCtr="0" anchor="t" bIns="91425" lIns="91425" spcFirstLastPara="1" rIns="91425" wrap="square" tIns="91425">
-            <a:noAutofit/>
-          </a:bodyPr>
-          <a:lstStyle/>
-          <a:p>
-            <a:pPr indent="0" lvl="0" marL="0" rtl="0" algn="l">
-              <a:spcBef>
-                <a:spcPts val="0"/>
-              </a:spcBef>
-              <a:spcAft>
-                <a:spcPts val="0"/>
-              </a:spcAft>
-              <a:buNone/>
-            </a:pPr>
-            <a:r>
-              <a:rPr lang="en"/>
-              <a:t>Examples of KMP</a:t>
-            </a:r>
-            <a:endParaRPr/>
-          </a:p>
-        </p:txBody>
-      </p:sp>
-      <p:sp>
-        <p:nvSpPr>
-          <p:cNvPr id="388" name="Google Shape;388;p60"/>
-          <p:cNvSpPr txBox="1"/>
-          <p:nvPr>
-            <p:ph idx="12" type="sldNum"/>
-          </p:nvPr>
-        </p:nvSpPr>
-        <p:spPr>
-          <a:xfrm>
-            <a:off x="8490529" y="250829"/>
-            <a:ext cx="348900" cy="178200"/>
-          </a:xfrm>
-          <a:prstGeom prst="rect">
-            <a:avLst/>
-          </a:prstGeom>
-        </p:spPr>
-        <p:txBody>
-          <a:bodyPr anchorCtr="0" anchor="t" bIns="91425" lIns="91425" spcFirstLastPara="1" rIns="91425" wrap="square" tIns="91425">
-            <a:noAutofit/>
-          </a:bodyPr>
-          <a:lstStyle/>
-          <a:p>
-            <a:pPr indent="0" lvl="0" marL="0" rtl="0" algn="r">
-              <a:spcBef>
-                <a:spcPts val="0"/>
-              </a:spcBef>
-              <a:spcAft>
-                <a:spcPts val="0"/>
-              </a:spcAft>
-              <a:buNone/>
-            </a:pPr>
-            <a:fld id="{00000000-1234-1234-1234-123412341234}" type="slidenum">
-              <a:rPr lang="en"/>
-              <a:t>‹#›</a:t>
-            </a:fld>
-            <a:endParaRPr/>
-          </a:p>
-        </p:txBody>
-      </p:sp>
     </p:spTree>
   </p:cSld>
   <p:clrMapOvr>
@@ -49575,436 +47511,6 @@
           <p:cNvPr id="393" name="Google Shape;393;p61"/>
           <p:cNvSpPr txBox="1"/>
           <p:nvPr>
-            <p:ph type="title"/>
-          </p:nvPr>
-        </p:nvSpPr>
-        <p:spPr>
-          <a:xfrm>
-            <a:off x="702825" y="1575737"/>
-            <a:ext cx="2038800" cy="378600"/>
-          </a:xfrm>
-          <a:prstGeom prst="rect">
-            <a:avLst/>
-          </a:prstGeom>
-        </p:spPr>
-        <p:txBody>
-          <a:bodyPr anchorCtr="0" anchor="t" bIns="91425" lIns="91425" spcFirstLastPara="1" rIns="91425" wrap="square" tIns="91425">
-            <a:noAutofit/>
-          </a:bodyPr>
-          <a:lstStyle/>
-          <a:p>
-            <a:pPr indent="0" lvl="0" marL="0" rtl="0" algn="l">
-              <a:spcBef>
-                <a:spcPts val="0"/>
-              </a:spcBef>
-              <a:spcAft>
-                <a:spcPts val="0"/>
-              </a:spcAft>
-              <a:buNone/>
-            </a:pPr>
-            <a:r>
-              <a:rPr lang="en"/>
-              <a:t>In Summary: Ctrl + F</a:t>
-            </a:r>
-            <a:endParaRPr/>
-          </a:p>
-        </p:txBody>
-      </p:sp>
-      <p:sp>
-        <p:nvSpPr>
-          <p:cNvPr id="394" name="Google Shape;394;p61"/>
-          <p:cNvSpPr txBox="1"/>
-          <p:nvPr>
-            <p:ph idx="2" type="title"/>
-          </p:nvPr>
-        </p:nvSpPr>
-        <p:spPr>
-          <a:xfrm>
-            <a:off x="702825" y="2374900"/>
-            <a:ext cx="3015900" cy="386700"/>
-          </a:xfrm>
-          <a:prstGeom prst="rect">
-            <a:avLst/>
-          </a:prstGeom>
-        </p:spPr>
-        <p:txBody>
-          <a:bodyPr anchorCtr="0" anchor="t" bIns="91425" lIns="91425" spcFirstLastPara="1" rIns="91425" wrap="square" tIns="91425">
-            <a:noAutofit/>
-          </a:bodyPr>
-          <a:lstStyle/>
-          <a:p>
-            <a:pPr indent="0" lvl="0" marL="0" rtl="0" algn="l">
-              <a:spcBef>
-                <a:spcPts val="0"/>
-              </a:spcBef>
-              <a:spcAft>
-                <a:spcPts val="0"/>
-              </a:spcAft>
-              <a:buNone/>
-            </a:pPr>
-            <a:r>
-              <a:rPr lang="en"/>
-              <a:t>String matching is fundamental computer science problem</a:t>
-            </a:r>
-            <a:endParaRPr/>
-          </a:p>
-        </p:txBody>
-      </p:sp>
-      <p:sp>
-        <p:nvSpPr>
-          <p:cNvPr id="395" name="Google Shape;395;p61"/>
-          <p:cNvSpPr txBox="1"/>
-          <p:nvPr>
-            <p:ph idx="3" type="title"/>
-          </p:nvPr>
-        </p:nvSpPr>
-        <p:spPr>
-          <a:xfrm>
-            <a:off x="702825" y="3194100"/>
-            <a:ext cx="3786600" cy="386700"/>
-          </a:xfrm>
-          <a:prstGeom prst="rect">
-            <a:avLst/>
-          </a:prstGeom>
-        </p:spPr>
-        <p:txBody>
-          <a:bodyPr anchorCtr="0" anchor="t" bIns="91425" lIns="91425" spcFirstLastPara="1" rIns="91425" wrap="square" tIns="91425">
-            <a:noAutofit/>
-          </a:bodyPr>
-          <a:lstStyle/>
-          <a:p>
-            <a:pPr indent="0" lvl="0" marL="0" rtl="0" algn="l">
-              <a:spcBef>
-                <a:spcPts val="0"/>
-              </a:spcBef>
-              <a:spcAft>
-                <a:spcPts val="0"/>
-              </a:spcAft>
-              <a:buNone/>
-            </a:pPr>
-            <a:r>
-              <a:rPr lang="en"/>
-              <a:t>Used in data retrieval systems, text editing software, and network security</a:t>
-            </a:r>
-            <a:endParaRPr/>
-          </a:p>
-        </p:txBody>
-      </p:sp>
-      <p:sp>
-        <p:nvSpPr>
-          <p:cNvPr id="396" name="Google Shape;396;p61"/>
-          <p:cNvSpPr txBox="1"/>
-          <p:nvPr>
-            <p:ph idx="4" type="title"/>
-          </p:nvPr>
-        </p:nvSpPr>
-        <p:spPr>
-          <a:xfrm>
-            <a:off x="702825" y="4025075"/>
-            <a:ext cx="3786600" cy="386700"/>
-          </a:xfrm>
-          <a:prstGeom prst="rect">
-            <a:avLst/>
-          </a:prstGeom>
-        </p:spPr>
-        <p:txBody>
-          <a:bodyPr anchorCtr="0" anchor="t" bIns="91425" lIns="91425" spcFirstLastPara="1" rIns="91425" wrap="square" tIns="91425">
-            <a:noAutofit/>
-          </a:bodyPr>
-          <a:lstStyle/>
-          <a:p>
-            <a:pPr indent="0" lvl="0" marL="0" rtl="0" algn="l">
-              <a:spcBef>
-                <a:spcPts val="0"/>
-              </a:spcBef>
-              <a:spcAft>
-                <a:spcPts val="0"/>
-              </a:spcAft>
-              <a:buNone/>
-            </a:pPr>
-            <a:r>
-              <a:rPr lang="en"/>
-              <a:t>Also used in bioinformatics to match DNA sequences</a:t>
-            </a:r>
-            <a:endParaRPr/>
-          </a:p>
-        </p:txBody>
-      </p:sp>
-      <p:cxnSp>
-        <p:nvCxnSpPr>
-          <p:cNvPr id="397" name="Google Shape;397;p61"/>
-          <p:cNvCxnSpPr/>
-          <p:nvPr/>
-        </p:nvCxnSpPr>
-        <p:spPr>
-          <a:xfrm>
-            <a:off x="833150" y="1480949"/>
-            <a:ext cx="3582600" cy="1500"/>
-          </a:xfrm>
-          <a:prstGeom prst="straightConnector1">
-            <a:avLst/>
-          </a:prstGeom>
-          <a:noFill/>
-          <a:ln cap="flat" cmpd="sng" w="9525">
-            <a:solidFill>
-              <a:schemeClr val="dk2"/>
-            </a:solidFill>
-            <a:prstDash val="solid"/>
-            <a:round/>
-            <a:headEnd len="med" w="med" type="none"/>
-            <a:tailEnd len="med" w="med" type="none"/>
-          </a:ln>
-        </p:spPr>
-      </p:cxnSp>
-      <p:cxnSp>
-        <p:nvCxnSpPr>
-          <p:cNvPr id="398" name="Google Shape;398;p61"/>
-          <p:cNvCxnSpPr/>
-          <p:nvPr/>
-        </p:nvCxnSpPr>
-        <p:spPr>
-          <a:xfrm flipH="1" rot="10800000">
-            <a:off x="791150" y="2168734"/>
-            <a:ext cx="3677400" cy="16200"/>
-          </a:xfrm>
-          <a:prstGeom prst="straightConnector1">
-            <a:avLst/>
-          </a:prstGeom>
-          <a:noFill/>
-          <a:ln cap="flat" cmpd="sng" w="9525">
-            <a:solidFill>
-              <a:schemeClr val="dk2"/>
-            </a:solidFill>
-            <a:prstDash val="solid"/>
-            <a:round/>
-            <a:headEnd len="med" w="med" type="none"/>
-            <a:tailEnd len="med" w="med" type="none"/>
-          </a:ln>
-        </p:spPr>
-      </p:cxnSp>
-      <p:cxnSp>
-        <p:nvCxnSpPr>
-          <p:cNvPr id="399" name="Google Shape;399;p61"/>
-          <p:cNvCxnSpPr/>
-          <p:nvPr/>
-        </p:nvCxnSpPr>
-        <p:spPr>
-          <a:xfrm>
-            <a:off x="791150" y="3011023"/>
-            <a:ext cx="3656400" cy="2400"/>
-          </a:xfrm>
-          <a:prstGeom prst="straightConnector1">
-            <a:avLst/>
-          </a:prstGeom>
-          <a:noFill/>
-          <a:ln cap="flat" cmpd="sng" w="9525">
-            <a:solidFill>
-              <a:schemeClr val="dk2"/>
-            </a:solidFill>
-            <a:prstDash val="solid"/>
-            <a:round/>
-            <a:headEnd len="med" w="med" type="none"/>
-            <a:tailEnd len="med" w="med" type="none"/>
-          </a:ln>
-        </p:spPr>
-      </p:cxnSp>
-      <p:cxnSp>
-        <p:nvCxnSpPr>
-          <p:cNvPr id="400" name="Google Shape;400;p61"/>
-          <p:cNvCxnSpPr/>
-          <p:nvPr/>
-        </p:nvCxnSpPr>
-        <p:spPr>
-          <a:xfrm flipH="1" rot="10800000">
-            <a:off x="791150" y="3805428"/>
-            <a:ext cx="3666900" cy="6300"/>
-          </a:xfrm>
-          <a:prstGeom prst="straightConnector1">
-            <a:avLst/>
-          </a:prstGeom>
-          <a:noFill/>
-          <a:ln cap="flat" cmpd="sng" w="9525">
-            <a:solidFill>
-              <a:schemeClr val="dk2"/>
-            </a:solidFill>
-            <a:prstDash val="solid"/>
-            <a:round/>
-            <a:headEnd len="med" w="med" type="none"/>
-            <a:tailEnd len="med" w="med" type="none"/>
-          </a:ln>
-        </p:spPr>
-      </p:cxnSp>
-      <p:cxnSp>
-        <p:nvCxnSpPr>
-          <p:cNvPr id="401" name="Google Shape;401;p61"/>
-          <p:cNvCxnSpPr/>
-          <p:nvPr/>
-        </p:nvCxnSpPr>
-        <p:spPr>
-          <a:xfrm>
-            <a:off x="791150" y="4625125"/>
-            <a:ext cx="3698400" cy="3900"/>
-          </a:xfrm>
-          <a:prstGeom prst="straightConnector1">
-            <a:avLst/>
-          </a:prstGeom>
-          <a:noFill/>
-          <a:ln cap="flat" cmpd="sng" w="9525">
-            <a:solidFill>
-              <a:schemeClr val="dk2"/>
-            </a:solidFill>
-            <a:prstDash val="solid"/>
-            <a:round/>
-            <a:headEnd len="med" w="med" type="none"/>
-            <a:tailEnd len="med" w="med" type="none"/>
-          </a:ln>
-        </p:spPr>
-      </p:cxnSp>
-      <p:sp>
-        <p:nvSpPr>
-          <p:cNvPr id="402" name="Google Shape;402;p61"/>
-          <p:cNvSpPr txBox="1"/>
-          <p:nvPr>
-            <p:ph idx="1" type="subTitle"/>
-          </p:nvPr>
-        </p:nvSpPr>
-        <p:spPr>
-          <a:xfrm>
-            <a:off x="480425" y="290624"/>
-            <a:ext cx="7766400" cy="822000"/>
-          </a:xfrm>
-          <a:prstGeom prst="rect">
-            <a:avLst/>
-          </a:prstGeom>
-        </p:spPr>
-        <p:txBody>
-          <a:bodyPr anchorCtr="0" anchor="t" bIns="91425" lIns="91425" spcFirstLastPara="1" rIns="91425" wrap="square" tIns="91425">
-            <a:noAutofit/>
-          </a:bodyPr>
-          <a:lstStyle/>
-          <a:p>
-            <a:pPr indent="0" lvl="0" marL="0" rtl="0" algn="l">
-              <a:spcBef>
-                <a:spcPts val="0"/>
-              </a:spcBef>
-              <a:spcAft>
-                <a:spcPts val="0"/>
-              </a:spcAft>
-              <a:buNone/>
-            </a:pPr>
-            <a:r>
-              <a:rPr lang="en" sz="1800"/>
-              <a:t>Core Problem: Searching for Occurrences of a Word “W” within the Main String “S”</a:t>
-            </a:r>
-            <a:endParaRPr sz="1800"/>
-          </a:p>
-        </p:txBody>
-      </p:sp>
-      <p:sp>
-        <p:nvSpPr>
-          <p:cNvPr id="403" name="Google Shape;403;p61"/>
-          <p:cNvSpPr txBox="1"/>
-          <p:nvPr>
-            <p:ph idx="12" type="sldNum"/>
-          </p:nvPr>
-        </p:nvSpPr>
-        <p:spPr>
-          <a:xfrm>
-            <a:off x="8490529" y="250829"/>
-            <a:ext cx="348900" cy="178200"/>
-          </a:xfrm>
-          <a:prstGeom prst="rect">
-            <a:avLst/>
-          </a:prstGeom>
-        </p:spPr>
-        <p:txBody>
-          <a:bodyPr anchorCtr="0" anchor="t" bIns="91425" lIns="91425" spcFirstLastPara="1" rIns="91425" wrap="square" tIns="91425">
-            <a:noAutofit/>
-          </a:bodyPr>
-          <a:lstStyle/>
-          <a:p>
-            <a:pPr indent="0" lvl="0" marL="0" rtl="0" algn="r">
-              <a:spcBef>
-                <a:spcPts val="0"/>
-              </a:spcBef>
-              <a:spcAft>
-                <a:spcPts val="0"/>
-              </a:spcAft>
-              <a:buNone/>
-            </a:pPr>
-            <a:fld id="{00000000-1234-1234-1234-123412341234}" type="slidenum">
-              <a:rPr lang="en"/>
-              <a:t>‹#›</a:t>
-            </a:fld>
-            <a:endParaRPr/>
-          </a:p>
-        </p:txBody>
-      </p:sp>
-      <p:pic>
-        <p:nvPicPr>
-          <p:cNvPr id="404" name="Google Shape;404;p61"/>
-          <p:cNvPicPr preferRelativeResize="0"/>
-          <p:nvPr/>
-        </p:nvPicPr>
-        <p:blipFill>
-          <a:blip r:embed="rId3">
-            <a:alphaModFix/>
-          </a:blip>
-          <a:stretch>
-            <a:fillRect/>
-          </a:stretch>
-        </p:blipFill>
-        <p:spPr>
-          <a:xfrm>
-            <a:off x="5208900" y="1772500"/>
-            <a:ext cx="3281625" cy="2479450"/>
-          </a:xfrm>
-          <a:prstGeom prst="rect">
-            <a:avLst/>
-          </a:prstGeom>
-          <a:noFill/>
-          <a:ln>
-            <a:noFill/>
-          </a:ln>
-        </p:spPr>
-      </p:pic>
-    </p:spTree>
-  </p:cSld>
-  <p:clrMapOvr>
-    <a:masterClrMapping/>
-  </p:clrMapOvr>
-</p:sld>
-</file>
-
-<file path=ppt/slides/slide4.xml><?xml version="1.0" encoding="utf-8"?>
-<p:sld xmlns:a="http://schemas.openxmlformats.org/drawingml/2006/main" xmlns:r="http://schemas.openxmlformats.org/officeDocument/2006/relationships" xmlns:mc="http://schemas.openxmlformats.org/markup-compatibility/2006" xmlns:mv="urn:schemas-microsoft-com:mac:vml" xmlns:p="http://schemas.openxmlformats.org/presentationml/2006/main" xmlns:c="http://schemas.openxmlformats.org/drawingml/2006/chart" xmlns:dgm="http://schemas.openxmlformats.org/drawingml/2006/diagram" xmlns:o="urn:schemas-microsoft-com:office:office" xmlns:v="urn:schemas-microsoft-com:vml" xmlns:pvml="urn:schemas-microsoft-com:office:powerpoint" xmlns:com="http://schemas.openxmlformats.org/drawingml/2006/compatibility" xmlns:p14="http://schemas.microsoft.com/office/powerpoint/2010/main" xmlns:p15="http://schemas.microsoft.com/office/powerpoint/2012/main" xmlns:ahyp="http://schemas.microsoft.com/office/drawing/2018/hyperlinkcolor">
-  <p:cSld>
-    <p:bg>
-      <p:bgPr>
-        <a:solidFill>
-          <a:schemeClr val="accent5"/>
-        </a:solidFill>
-      </p:bgPr>
-    </p:bg>
-    <p:spTree>
-      <p:nvGrpSpPr>
-        <p:cNvPr id="408" name="Shape 408"/>
-        <p:cNvGrpSpPr/>
-        <p:nvPr/>
-      </p:nvGrpSpPr>
-      <p:grpSpPr>
-        <a:xfrm>
-          <a:off x="0" y="0"/>
-          <a:ext cx="0" cy="0"/>
-          <a:chOff x="0" y="0"/>
-          <a:chExt cx="0" cy="0"/>
-        </a:xfrm>
-      </p:grpSpPr>
-      <p:sp>
-        <p:nvSpPr>
-          <p:cNvPr id="409" name="Google Shape;409;p62"/>
-          <p:cNvSpPr txBox="1"/>
-          <p:nvPr>
             <p:ph idx="4" type="title"/>
           </p:nvPr>
         </p:nvSpPr>
@@ -50050,7 +47556,7 @@
       </p:sp>
       <p:cxnSp>
         <p:nvCxnSpPr>
-          <p:cNvPr id="410" name="Google Shape;410;p62"/>
+          <p:cNvPr id="394" name="Google Shape;394;p61"/>
           <p:cNvCxnSpPr/>
           <p:nvPr/>
         </p:nvCxnSpPr>
@@ -50076,7 +47582,7 @@
       </p:cxnSp>
       <p:sp>
         <p:nvSpPr>
-          <p:cNvPr id="411" name="Google Shape;411;p62"/>
+          <p:cNvPr id="395" name="Google Shape;395;p61"/>
           <p:cNvSpPr txBox="1"/>
           <p:nvPr>
             <p:ph idx="1" type="subTitle"/>
@@ -50136,7 +47642,7 @@
       </p:sp>
       <p:sp>
         <p:nvSpPr>
-          <p:cNvPr id="412" name="Google Shape;412;p62"/>
+          <p:cNvPr id="396" name="Google Shape;396;p61"/>
           <p:cNvSpPr txBox="1"/>
           <p:nvPr>
             <p:ph idx="12" type="sldNum"/>
@@ -50176,7 +47682,7 @@
       </p:sp>
       <p:pic>
         <p:nvPicPr>
-          <p:cNvPr id="413" name="Google Shape;413;p62"/>
+          <p:cNvPr id="397" name="Google Shape;397;p61"/>
           <p:cNvPicPr preferRelativeResize="0"/>
           <p:nvPr/>
         </p:nvPicPr>
@@ -50190,7 +47696,7 @@
         </p:blipFill>
         <p:spPr>
           <a:xfrm>
-            <a:off x="2171700" y="2343150"/>
+            <a:off x="4264350" y="1745225"/>
             <a:ext cx="4800600" cy="457200"/>
           </a:xfrm>
           <a:prstGeom prst="rect">
@@ -50202,202 +47708,9 @@
           </a:ln>
         </p:spPr>
       </p:pic>
-    </p:spTree>
-  </p:cSld>
-  <p:clrMapOvr>
-    <a:masterClrMapping/>
-  </p:clrMapOvr>
-</p:sld>
-</file>
-
-<file path=ppt/slides/slide5.xml><?xml version="1.0" encoding="utf-8"?>
-<p:sld xmlns:a="http://schemas.openxmlformats.org/drawingml/2006/main" xmlns:r="http://schemas.openxmlformats.org/officeDocument/2006/relationships" xmlns:mc="http://schemas.openxmlformats.org/markup-compatibility/2006" xmlns:mv="urn:schemas-microsoft-com:mac:vml" xmlns:p="http://schemas.openxmlformats.org/presentationml/2006/main" xmlns:c="http://schemas.openxmlformats.org/drawingml/2006/chart" xmlns:dgm="http://schemas.openxmlformats.org/drawingml/2006/diagram" xmlns:o="urn:schemas-microsoft-com:office:office" xmlns:v="urn:schemas-microsoft-com:vml" xmlns:pvml="urn:schemas-microsoft-com:office:powerpoint" xmlns:com="http://schemas.openxmlformats.org/drawingml/2006/compatibility" xmlns:p14="http://schemas.microsoft.com/office/powerpoint/2010/main" xmlns:p15="http://schemas.microsoft.com/office/powerpoint/2012/main" xmlns:ahyp="http://schemas.microsoft.com/office/drawing/2018/hyperlinkcolor">
-  <p:cSld>
-    <p:bg>
-      <p:bgPr>
-        <a:solidFill>
-          <a:schemeClr val="accent5"/>
-        </a:solidFill>
-      </p:bgPr>
-    </p:bg>
-    <p:spTree>
-      <p:nvGrpSpPr>
-        <p:cNvPr id="417" name="Shape 417"/>
-        <p:cNvGrpSpPr/>
-        <p:nvPr/>
-      </p:nvGrpSpPr>
-      <p:grpSpPr>
-        <a:xfrm>
-          <a:off x="0" y="0"/>
-          <a:ext cx="0" cy="0"/>
-          <a:chOff x="0" y="0"/>
-          <a:chExt cx="0" cy="0"/>
-        </a:xfrm>
-      </p:grpSpPr>
       <p:sp>
         <p:nvSpPr>
-          <p:cNvPr id="418" name="Google Shape;418;p63"/>
-          <p:cNvSpPr txBox="1"/>
-          <p:nvPr>
-            <p:ph idx="4" type="title"/>
-          </p:nvPr>
-        </p:nvSpPr>
-        <p:spPr>
-          <a:xfrm>
-            <a:off x="480425" y="905800"/>
-            <a:ext cx="5024700" cy="386700"/>
-          </a:xfrm>
-          <a:prstGeom prst="rect">
-            <a:avLst/>
-          </a:prstGeom>
-        </p:spPr>
-        <p:txBody>
-          <a:bodyPr anchorCtr="0" anchor="t" bIns="91425" lIns="91425" spcFirstLastPara="1" rIns="91425" wrap="square" tIns="91425">
-            <a:noAutofit/>
-          </a:bodyPr>
-          <a:lstStyle/>
-          <a:p>
-            <a:pPr indent="0" lvl="0" marL="0" rtl="0" algn="l">
-              <a:spcBef>
-                <a:spcPts val="0"/>
-              </a:spcBef>
-              <a:spcAft>
-                <a:spcPts val="0"/>
-              </a:spcAft>
-              <a:buNone/>
-            </a:pPr>
-            <a:r>
-              <a:rPr lang="en"/>
-              <a:t>High Level Idea: Check for string occurrence at every point</a:t>
-            </a:r>
-            <a:endParaRPr/>
-          </a:p>
-        </p:txBody>
-      </p:sp>
-      <p:cxnSp>
-        <p:nvCxnSpPr>
-          <p:cNvPr id="419" name="Google Shape;419;p63"/>
-          <p:cNvCxnSpPr/>
-          <p:nvPr/>
-        </p:nvCxnSpPr>
-        <p:spPr>
-          <a:xfrm>
-            <a:off x="556050" y="1292500"/>
-            <a:ext cx="4992600" cy="5100"/>
-          </a:xfrm>
-          <a:prstGeom prst="straightConnector1">
-            <a:avLst/>
-          </a:prstGeom>
-          <a:noFill/>
-          <a:ln cap="flat" cmpd="sng" w="9525">
-            <a:solidFill>
-              <a:schemeClr val="dk2"/>
-            </a:solidFill>
-            <a:prstDash val="solid"/>
-            <a:round/>
-            <a:headEnd len="med" w="med" type="none"/>
-            <a:tailEnd len="med" w="med" type="none"/>
-          </a:ln>
-        </p:spPr>
-      </p:cxnSp>
-      <p:sp>
-        <p:nvSpPr>
-          <p:cNvPr id="420" name="Google Shape;420;p63"/>
-          <p:cNvSpPr txBox="1"/>
-          <p:nvPr>
-            <p:ph idx="1" type="subTitle"/>
-          </p:nvPr>
-        </p:nvSpPr>
-        <p:spPr>
-          <a:xfrm>
-            <a:off x="480425" y="290625"/>
-            <a:ext cx="7766400" cy="450000"/>
-          </a:xfrm>
-          <a:prstGeom prst="rect">
-            <a:avLst/>
-          </a:prstGeom>
-        </p:spPr>
-        <p:txBody>
-          <a:bodyPr anchorCtr="0" anchor="t" bIns="91425" lIns="91425" spcFirstLastPara="1" rIns="91425" wrap="square" tIns="91425">
-            <a:noAutofit/>
-          </a:bodyPr>
-          <a:lstStyle/>
-          <a:p>
-            <a:pPr indent="0" lvl="0" marL="0" rtl="0" algn="l">
-              <a:spcBef>
-                <a:spcPts val="0"/>
-              </a:spcBef>
-              <a:spcAft>
-                <a:spcPts val="0"/>
-              </a:spcAft>
-              <a:buNone/>
-            </a:pPr>
-            <a:r>
-              <a:rPr lang="en" sz="1800"/>
-              <a:t>Naïve Example</a:t>
-            </a:r>
-            <a:endParaRPr sz="1800"/>
-          </a:p>
-          <a:p>
-            <a:pPr indent="0" lvl="0" marL="0" rtl="0" algn="l">
-              <a:spcBef>
-                <a:spcPts val="0"/>
-              </a:spcBef>
-              <a:spcAft>
-                <a:spcPts val="0"/>
-              </a:spcAft>
-              <a:buNone/>
-            </a:pPr>
-            <a:r>
-              <a:t/>
-            </a:r>
-            <a:endParaRPr sz="1800"/>
-          </a:p>
-        </p:txBody>
-      </p:sp>
-      <p:sp>
-        <p:nvSpPr>
-          <p:cNvPr id="421" name="Google Shape;421;p63"/>
-          <p:cNvSpPr txBox="1"/>
-          <p:nvPr>
-            <p:ph idx="12" type="sldNum"/>
-          </p:nvPr>
-        </p:nvSpPr>
-        <p:spPr>
-          <a:xfrm>
-            <a:off x="8490529" y="250829"/>
-            <a:ext cx="348900" cy="178200"/>
-          </a:xfrm>
-          <a:prstGeom prst="rect">
-            <a:avLst/>
-          </a:prstGeom>
-        </p:spPr>
-        <p:txBody>
-          <a:bodyPr anchorCtr="0" anchor="t" bIns="91425" lIns="91425" spcFirstLastPara="1" rIns="91425" wrap="square" tIns="91425">
-            <a:noAutofit/>
-          </a:bodyPr>
-          <a:lstStyle/>
-          <a:p>
-            <a:pPr indent="0" lvl="0" marL="0" rtl="0" algn="r">
-              <a:spcBef>
-                <a:spcPts val="0"/>
-              </a:spcBef>
-              <a:spcAft>
-                <a:spcPts val="0"/>
-              </a:spcAft>
-              <a:buNone/>
-            </a:pPr>
-            <a:fld id="{00000000-1234-1234-1234-123412341234}" type="slidenum">
-              <a:rPr lang="en"/>
-              <a:t>‹#›</a:t>
-            </a:fld>
-            <a:endParaRPr/>
-          </a:p>
-        </p:txBody>
-      </p:sp>
-      <p:sp>
-        <p:nvSpPr>
-          <p:cNvPr id="422" name="Google Shape;422;p63"/>
+          <p:cNvPr id="398" name="Google Shape;398;p61"/>
           <p:cNvSpPr txBox="1"/>
           <p:nvPr>
             <p:ph idx="4" type="title"/>
@@ -50406,7 +47719,7 @@
         <p:spPr>
           <a:xfrm>
             <a:off x="480425" y="1457675"/>
-            <a:ext cx="3720000" cy="1954800"/>
+            <a:ext cx="3720000" cy="3202800"/>
           </a:xfrm>
           <a:prstGeom prst="rect">
             <a:avLst/>
@@ -50556,20 +47869,22 @@
       </p:sp>
       <p:sp>
         <p:nvSpPr>
-          <p:cNvPr id="423" name="Google Shape;423;p63"/>
+          <p:cNvPr id="399" name="Google Shape;399;p61"/>
           <p:cNvSpPr txBox="1"/>
-          <p:nvPr>
-            <p:ph idx="4" type="title"/>
-          </p:nvPr>
+          <p:nvPr/>
         </p:nvSpPr>
         <p:spPr>
           <a:xfrm>
-            <a:off x="4370175" y="1457675"/>
-            <a:ext cx="3720000" cy="2318100"/>
+            <a:off x="4264350" y="2571750"/>
+            <a:ext cx="4001400" cy="1586700"/>
           </a:xfrm>
           <a:prstGeom prst="rect">
             <a:avLst/>
           </a:prstGeom>
+          <a:noFill/>
+          <a:ln>
+            <a:noFill/>
+          </a:ln>
         </p:spPr>
         <p:txBody>
           <a:bodyPr anchorCtr="0" anchor="t" bIns="91425" lIns="91425" spcFirstLastPara="1" rIns="91425" wrap="square" tIns="91425">
@@ -50584,28 +47899,34 @@
               <a:spcAft>
                 <a:spcPts val="0"/>
               </a:spcAft>
+              <a:buClr>
+                <a:schemeClr val="lt1"/>
+              </a:buClr>
+              <a:buSzPts val="1100"/>
+              <a:buFont typeface="Arial"/>
               <a:buNone/>
             </a:pPr>
             <a:r>
-              <a:rPr b="1" lang="en">
-                <a:latin typeface="Barlow"/>
-                <a:ea typeface="Barlow"/>
-                <a:cs typeface="Barlow"/>
-                <a:sym typeface="Barlow"/>
+              <a:rPr lang="en" sz="1500">
+                <a:solidFill>
+                  <a:schemeClr val="lt1"/>
+                </a:solidFill>
+                <a:latin typeface="Barlow Medium"/>
+                <a:ea typeface="Barlow Medium"/>
+                <a:cs typeface="Barlow Medium"/>
+                <a:sym typeface="Barlow Medium"/>
               </a:rPr>
-              <a:t>Example “Bad” Case:</a:t>
-            </a:r>
-            <a:br>
-              <a:rPr lang="en"/>
-            </a:br>
-            <a:br>
-              <a:rPr lang="en"/>
-            </a:br>
-            <a:r>
-              <a:rPr lang="en"/>
               <a:t>AAAAAAAAAAAAAAAAAAAAAAAAAAAAB</a:t>
             </a:r>
-            <a:endParaRPr/>
+            <a:endParaRPr sz="1500">
+              <a:solidFill>
+                <a:schemeClr val="lt1"/>
+              </a:solidFill>
+              <a:latin typeface="Barlow Medium"/>
+              <a:ea typeface="Barlow Medium"/>
+              <a:cs typeface="Barlow Medium"/>
+              <a:sym typeface="Barlow Medium"/>
+            </a:endParaRPr>
           </a:p>
           <a:p>
             <a:pPr indent="0" lvl="0" marL="0" rtl="0" algn="l">
@@ -50615,12 +47936,25 @@
               <a:spcAft>
                 <a:spcPts val="0"/>
               </a:spcAft>
+              <a:buClr>
+                <a:schemeClr val="lt1"/>
+              </a:buClr>
+              <a:buSzPts val="1100"/>
+              <a:buFont typeface="Arial"/>
               <a:buNone/>
             </a:pPr>
             <a:r>
               <a:t/>
             </a:r>
-            <a:endParaRPr/>
+            <a:endParaRPr sz="1500">
+              <a:solidFill>
+                <a:schemeClr val="lt1"/>
+              </a:solidFill>
+              <a:latin typeface="Barlow Medium"/>
+              <a:ea typeface="Barlow Medium"/>
+              <a:cs typeface="Barlow Medium"/>
+              <a:sym typeface="Barlow Medium"/>
+            </a:endParaRPr>
           </a:p>
           <a:p>
             <a:pPr indent="0" lvl="0" marL="0" rtl="0" algn="l">
@@ -50630,44 +47964,34 @@
               <a:spcAft>
                 <a:spcPts val="0"/>
               </a:spcAft>
+              <a:buClr>
+                <a:schemeClr val="lt1"/>
+              </a:buClr>
+              <a:buSzPts val="1100"/>
+              <a:buFont typeface="Arial"/>
               <a:buNone/>
             </a:pPr>
             <a:r>
-              <a:rPr lang="en"/>
+              <a:rPr lang="en" sz="1500">
+                <a:solidFill>
+                  <a:schemeClr val="lt1"/>
+                </a:solidFill>
+                <a:latin typeface="Barlow Medium"/>
+                <a:ea typeface="Barlow Medium"/>
+                <a:cs typeface="Barlow Medium"/>
+                <a:sym typeface="Barlow Medium"/>
+              </a:rPr>
               <a:t>AAAAAAAAAAAAAAB</a:t>
             </a:r>
-            <a:endParaRPr/>
-          </a:p>
-          <a:p>
-            <a:pPr indent="0" lvl="0" marL="0" rtl="0" algn="l">
-              <a:spcBef>
-                <a:spcPts val="0"/>
-              </a:spcBef>
-              <a:spcAft>
-                <a:spcPts val="0"/>
-              </a:spcAft>
-              <a:buNone/>
-            </a:pPr>
-            <a:r>
-              <a:t/>
-            </a:r>
-            <a:endParaRPr/>
-          </a:p>
-          <a:p>
-            <a:pPr indent="0" lvl="0" marL="0" rtl="0" algn="l">
-              <a:spcBef>
-                <a:spcPts val="0"/>
-              </a:spcBef>
-              <a:spcAft>
-                <a:spcPts val="0"/>
-              </a:spcAft>
-              <a:buNone/>
-            </a:pPr>
-            <a:r>
-              <a:rPr lang="en"/>
-              <a:t>Note: Even if string equals returns early on mismatch, it might have to check the entire substring every time!</a:t>
-            </a:r>
-            <a:endParaRPr/>
+            <a:endParaRPr sz="1500">
+              <a:solidFill>
+                <a:schemeClr val="dk1"/>
+              </a:solidFill>
+              <a:latin typeface="Barlow Light"/>
+              <a:ea typeface="Barlow Light"/>
+              <a:cs typeface="Barlow Light"/>
+              <a:sym typeface="Barlow Light"/>
+            </a:endParaRPr>
           </a:p>
         </p:txBody>
       </p:sp>
@@ -50679,7 +48003,7 @@
 </p:sld>
 </file>
 
-<file path=ppt/slides/slide6.xml><?xml version="1.0" encoding="utf-8"?>
+<file path=ppt/slides/slide4.xml><?xml version="1.0" encoding="utf-8"?>
 <p:sld xmlns:a="http://schemas.openxmlformats.org/drawingml/2006/main" xmlns:r="http://schemas.openxmlformats.org/officeDocument/2006/relationships" xmlns:mc="http://schemas.openxmlformats.org/markup-compatibility/2006" xmlns:mv="urn:schemas-microsoft-com:mac:vml" xmlns:p="http://schemas.openxmlformats.org/presentationml/2006/main" xmlns:c="http://schemas.openxmlformats.org/drawingml/2006/chart" xmlns:dgm="http://schemas.openxmlformats.org/drawingml/2006/diagram" xmlns:o="urn:schemas-microsoft-com:office:office" xmlns:v="urn:schemas-microsoft-com:vml" xmlns:pvml="urn:schemas-microsoft-com:office:powerpoint" xmlns:com="http://schemas.openxmlformats.org/drawingml/2006/compatibility" xmlns:p14="http://schemas.microsoft.com/office/powerpoint/2010/main" xmlns:p15="http://schemas.microsoft.com/office/powerpoint/2012/main" xmlns:ahyp="http://schemas.microsoft.com/office/drawing/2018/hyperlinkcolor">
   <p:cSld>
     <p:bg>
@@ -50691,7 +48015,7 @@
     </p:bg>
     <p:spTree>
       <p:nvGrpSpPr>
-        <p:cNvPr id="427" name="Shape 427"/>
+        <p:cNvPr id="403" name="Shape 403"/>
         <p:cNvGrpSpPr/>
         <p:nvPr/>
       </p:nvGrpSpPr>
@@ -50705,7 +48029,7 @@
       </p:grpSpPr>
       <p:sp>
         <p:nvSpPr>
-          <p:cNvPr id="428" name="Google Shape;428;p64"/>
+          <p:cNvPr id="404" name="Google Shape;404;p62"/>
           <p:cNvSpPr txBox="1"/>
           <p:nvPr>
             <p:ph type="title"/>
@@ -50713,7 +48037,7 @@
         </p:nvSpPr>
         <p:spPr>
           <a:xfrm>
-            <a:off x="702825" y="1575725"/>
+            <a:off x="480425" y="1207400"/>
             <a:ext cx="3015900" cy="378600"/>
           </a:xfrm>
           <a:prstGeom prst="rect">
@@ -50745,7 +48069,7 @@
       </p:sp>
       <p:sp>
         <p:nvSpPr>
-          <p:cNvPr id="429" name="Google Shape;429;p64"/>
+          <p:cNvPr id="405" name="Google Shape;405;p62"/>
           <p:cNvSpPr txBox="1"/>
           <p:nvPr>
             <p:ph idx="2" type="title"/>
@@ -50753,7 +48077,7 @@
         </p:nvSpPr>
         <p:spPr>
           <a:xfrm>
-            <a:off x="702825" y="2374900"/>
+            <a:off x="480425" y="2006575"/>
             <a:ext cx="3015900" cy="386700"/>
           </a:xfrm>
           <a:prstGeom prst="rect">
@@ -50785,7 +48109,7 @@
       </p:sp>
       <p:sp>
         <p:nvSpPr>
-          <p:cNvPr id="430" name="Google Shape;430;p64"/>
+          <p:cNvPr id="406" name="Google Shape;406;p62"/>
           <p:cNvSpPr txBox="1"/>
           <p:nvPr>
             <p:ph idx="3" type="title"/>
@@ -50793,7 +48117,7 @@
         </p:nvSpPr>
         <p:spPr>
           <a:xfrm>
-            <a:off x="702825" y="3194100"/>
+            <a:off x="480425" y="2825775"/>
             <a:ext cx="3786600" cy="386700"/>
           </a:xfrm>
           <a:prstGeom prst="rect">
@@ -50845,7 +48169,7 @@
       </p:sp>
       <p:sp>
         <p:nvSpPr>
-          <p:cNvPr id="431" name="Google Shape;431;p64"/>
+          <p:cNvPr id="407" name="Google Shape;407;p62"/>
           <p:cNvSpPr txBox="1"/>
           <p:nvPr>
             <p:ph idx="4" type="title"/>
@@ -50853,7 +48177,7 @@
         </p:nvSpPr>
         <p:spPr>
           <a:xfrm>
-            <a:off x="702825" y="4025075"/>
+            <a:off x="480425" y="3656750"/>
             <a:ext cx="3786600" cy="386700"/>
           </a:xfrm>
           <a:prstGeom prst="rect">
@@ -50885,13 +48209,13 @@
       </p:sp>
       <p:cxnSp>
         <p:nvCxnSpPr>
-          <p:cNvPr id="432" name="Google Shape;432;p64"/>
+          <p:cNvPr id="408" name="Google Shape;408;p62"/>
           <p:cNvCxnSpPr/>
           <p:nvPr/>
         </p:nvCxnSpPr>
         <p:spPr>
           <a:xfrm>
-            <a:off x="833150" y="1480949"/>
+            <a:off x="610750" y="1112624"/>
             <a:ext cx="3582600" cy="1500"/>
           </a:xfrm>
           <a:prstGeom prst="straightConnector1">
@@ -50911,13 +48235,13 @@
       </p:cxnSp>
       <p:cxnSp>
         <p:nvCxnSpPr>
-          <p:cNvPr id="433" name="Google Shape;433;p64"/>
+          <p:cNvPr id="409" name="Google Shape;409;p62"/>
           <p:cNvCxnSpPr/>
           <p:nvPr/>
         </p:nvCxnSpPr>
         <p:spPr>
           <a:xfrm flipH="1" rot="10800000">
-            <a:off x="791150" y="2168734"/>
+            <a:off x="568750" y="1800409"/>
             <a:ext cx="3677400" cy="16200"/>
           </a:xfrm>
           <a:prstGeom prst="straightConnector1">
@@ -50937,13 +48261,13 @@
       </p:cxnSp>
       <p:cxnSp>
         <p:nvCxnSpPr>
-          <p:cNvPr id="434" name="Google Shape;434;p64"/>
+          <p:cNvPr id="410" name="Google Shape;410;p62"/>
           <p:cNvCxnSpPr/>
           <p:nvPr/>
         </p:nvCxnSpPr>
         <p:spPr>
           <a:xfrm>
-            <a:off x="791150" y="3011023"/>
+            <a:off x="568750" y="2642698"/>
             <a:ext cx="3656400" cy="2400"/>
           </a:xfrm>
           <a:prstGeom prst="straightConnector1">
@@ -50963,13 +48287,13 @@
       </p:cxnSp>
       <p:cxnSp>
         <p:nvCxnSpPr>
-          <p:cNvPr id="435" name="Google Shape;435;p64"/>
+          <p:cNvPr id="411" name="Google Shape;411;p62"/>
           <p:cNvCxnSpPr/>
           <p:nvPr/>
         </p:nvCxnSpPr>
         <p:spPr>
           <a:xfrm flipH="1" rot="10800000">
-            <a:off x="791150" y="3805428"/>
+            <a:off x="568750" y="3437103"/>
             <a:ext cx="3666900" cy="6300"/>
           </a:xfrm>
           <a:prstGeom prst="straightConnector1">
@@ -50989,13 +48313,13 @@
       </p:cxnSp>
       <p:cxnSp>
         <p:nvCxnSpPr>
-          <p:cNvPr id="436" name="Google Shape;436;p64"/>
+          <p:cNvPr id="412" name="Google Shape;412;p62"/>
           <p:cNvCxnSpPr/>
           <p:nvPr/>
         </p:nvCxnSpPr>
         <p:spPr>
           <a:xfrm>
-            <a:off x="791150" y="4625125"/>
+            <a:off x="568750" y="4256800"/>
             <a:ext cx="3698400" cy="3900"/>
           </a:xfrm>
           <a:prstGeom prst="straightConnector1">
@@ -51015,7 +48339,7 @@
       </p:cxnSp>
       <p:sp>
         <p:nvSpPr>
-          <p:cNvPr id="437" name="Google Shape;437;p64"/>
+          <p:cNvPr id="413" name="Google Shape;413;p62"/>
           <p:cNvSpPr txBox="1"/>
           <p:nvPr>
             <p:ph idx="1" type="subTitle"/>
@@ -51055,7 +48379,7 @@
       </p:sp>
       <p:sp>
         <p:nvSpPr>
-          <p:cNvPr id="438" name="Google Shape;438;p64"/>
+          <p:cNvPr id="414" name="Google Shape;414;p62"/>
           <p:cNvSpPr txBox="1"/>
           <p:nvPr>
             <p:ph idx="12" type="sldNum"/>
@@ -51095,7 +48419,7 @@
       </p:sp>
       <p:pic>
         <p:nvPicPr>
-          <p:cNvPr id="439" name="Google Shape;439;p64"/>
+          <p:cNvPr id="415" name="Google Shape;415;p62"/>
           <p:cNvPicPr preferRelativeResize="0"/>
           <p:nvPr/>
         </p:nvPicPr>
@@ -51109,7 +48433,7 @@
         </p:blipFill>
         <p:spPr>
           <a:xfrm>
-            <a:off x="1836575" y="1698200"/>
+            <a:off x="1614175" y="1329875"/>
             <a:ext cx="155160" cy="209675"/>
           </a:xfrm>
           <a:prstGeom prst="rect">
@@ -51123,7 +48447,7 @@
       </p:pic>
       <p:pic>
         <p:nvPicPr>
-          <p:cNvPr id="440" name="Google Shape;440;p64"/>
+          <p:cNvPr id="416" name="Google Shape;416;p62"/>
           <p:cNvPicPr preferRelativeResize="0"/>
           <p:nvPr/>
         </p:nvPicPr>
@@ -51137,7 +48461,7 @@
         </p:blipFill>
         <p:spPr>
           <a:xfrm>
-            <a:off x="2792900" y="1698200"/>
+            <a:off x="2570500" y="1329875"/>
             <a:ext cx="188708" cy="209675"/>
           </a:xfrm>
           <a:prstGeom prst="rect">
@@ -51151,7 +48475,7 @@
       </p:pic>
       <p:pic>
         <p:nvPicPr>
-          <p:cNvPr id="441" name="Google Shape;441;p64"/>
+          <p:cNvPr id="417" name="Google Shape;417;p62"/>
           <p:cNvPicPr preferRelativeResize="0"/>
           <p:nvPr/>
         </p:nvPicPr>
@@ -51165,7 +48489,7 @@
         </p:blipFill>
         <p:spPr>
           <a:xfrm>
-            <a:off x="1925750" y="2493138"/>
+            <a:off x="1703350" y="2124813"/>
             <a:ext cx="176127" cy="209675"/>
           </a:xfrm>
           <a:prstGeom prst="rect">
@@ -51179,7 +48503,7 @@
       </p:pic>
       <p:pic>
         <p:nvPicPr>
-          <p:cNvPr id="442" name="Google Shape;442;p64"/>
+          <p:cNvPr id="418" name="Google Shape;418;p62"/>
           <p:cNvPicPr preferRelativeResize="0"/>
           <p:nvPr/>
         </p:nvPicPr>
@@ -51193,7 +48517,7 @@
         </p:blipFill>
         <p:spPr>
           <a:xfrm>
-            <a:off x="2903100" y="2493125"/>
+            <a:off x="2680700" y="2124800"/>
             <a:ext cx="188708" cy="209675"/>
           </a:xfrm>
           <a:prstGeom prst="rect">
@@ -51207,7 +48531,7 @@
       </p:pic>
       <p:pic>
         <p:nvPicPr>
-          <p:cNvPr id="443" name="Google Shape;443;p64"/>
+          <p:cNvPr id="419" name="Google Shape;419;p62"/>
           <p:cNvPicPr preferRelativeResize="0"/>
           <p:nvPr/>
         </p:nvPicPr>
@@ -51221,7 +48545,7 @@
         </p:blipFill>
         <p:spPr>
           <a:xfrm>
-            <a:off x="791150" y="3216676"/>
+            <a:off x="568750" y="2848351"/>
             <a:ext cx="396433" cy="353325"/>
           </a:xfrm>
           <a:prstGeom prst="rect">
@@ -51235,7 +48559,7 @@
       </p:pic>
       <p:pic>
         <p:nvPicPr>
-          <p:cNvPr id="444" name="Google Shape;444;p64"/>
+          <p:cNvPr id="420" name="Google Shape;420;p62"/>
           <p:cNvPicPr preferRelativeResize="0"/>
           <p:nvPr/>
         </p:nvPicPr>
@@ -51249,7 +48573,7 @@
         </p:blipFill>
         <p:spPr>
           <a:xfrm>
-            <a:off x="1624300" y="3510875"/>
+            <a:off x="1401900" y="3142550"/>
             <a:ext cx="779015" cy="266163"/>
           </a:xfrm>
           <a:prstGeom prst="rect">
@@ -51263,7 +48587,7 @@
       </p:pic>
       <p:pic>
         <p:nvPicPr>
-          <p:cNvPr id="445" name="Google Shape;445;p64"/>
+          <p:cNvPr id="421" name="Google Shape;421;p62"/>
           <p:cNvPicPr preferRelativeResize="0"/>
           <p:nvPr/>
         </p:nvPicPr>
@@ -51277,8 +48601,36 @@
         </p:blipFill>
         <p:spPr>
           <a:xfrm>
-            <a:off x="1991737" y="4072087"/>
+            <a:off x="1769337" y="3703762"/>
             <a:ext cx="883313" cy="353325"/>
+          </a:xfrm>
+          <a:prstGeom prst="rect">
+            <a:avLst/>
+          </a:prstGeom>
+          <a:noFill/>
+          <a:ln>
+            <a:noFill/>
+          </a:ln>
+        </p:spPr>
+      </p:pic>
+      <p:pic>
+        <p:nvPicPr>
+          <p:cNvPr id="422" name="Google Shape;422;p62"/>
+          <p:cNvPicPr preferRelativeResize="0"/>
+          <p:nvPr/>
+        </p:nvPicPr>
+        <p:blipFill>
+          <a:blip r:embed="rId9">
+            <a:alphaModFix/>
+          </a:blip>
+          <a:stretch>
+            <a:fillRect/>
+          </a:stretch>
+        </p:blipFill>
+        <p:spPr>
+          <a:xfrm>
+            <a:off x="4093700" y="1277725"/>
+            <a:ext cx="4955149" cy="353325"/>
           </a:xfrm>
           <a:prstGeom prst="rect">
             <a:avLst/>
@@ -51297,7 +48649,7 @@
 </p:sld>
 </file>
 
-<file path=ppt/slides/slide7.xml><?xml version="1.0" encoding="utf-8"?>
+<file path=ppt/slides/slide5.xml><?xml version="1.0" encoding="utf-8"?>
 <p:sld xmlns:a="http://schemas.openxmlformats.org/drawingml/2006/main" xmlns:r="http://schemas.openxmlformats.org/officeDocument/2006/relationships" xmlns:mc="http://schemas.openxmlformats.org/markup-compatibility/2006" xmlns:mv="urn:schemas-microsoft-com:mac:vml" xmlns:p="http://schemas.openxmlformats.org/presentationml/2006/main" xmlns:c="http://schemas.openxmlformats.org/drawingml/2006/chart" xmlns:dgm="http://schemas.openxmlformats.org/drawingml/2006/diagram" xmlns:o="urn:schemas-microsoft-com:office:office" xmlns:v="urn:schemas-microsoft-com:vml" xmlns:pvml="urn:schemas-microsoft-com:office:powerpoint" xmlns:com="http://schemas.openxmlformats.org/drawingml/2006/compatibility" xmlns:p14="http://schemas.microsoft.com/office/powerpoint/2010/main" xmlns:p15="http://schemas.microsoft.com/office/powerpoint/2012/main" xmlns:ahyp="http://schemas.microsoft.com/office/drawing/2018/hyperlinkcolor">
   <p:cSld>
     <p:bg>
@@ -51309,7 +48661,7 @@
     </p:bg>
     <p:spTree>
       <p:nvGrpSpPr>
-        <p:cNvPr id="449" name="Shape 449"/>
+        <p:cNvPr id="426" name="Shape 426"/>
         <p:cNvGrpSpPr/>
         <p:nvPr/>
       </p:nvGrpSpPr>
@@ -51323,7 +48675,231 @@
       </p:grpSpPr>
       <p:sp>
         <p:nvSpPr>
-          <p:cNvPr id="450" name="Google Shape;450;p65"/>
+          <p:cNvPr id="427" name="Google Shape;427;p63"/>
+          <p:cNvSpPr txBox="1"/>
+          <p:nvPr>
+            <p:ph type="title"/>
+          </p:nvPr>
+        </p:nvSpPr>
+        <p:spPr>
+          <a:xfrm>
+            <a:off x="480425" y="1207412"/>
+            <a:ext cx="2038800" cy="378600"/>
+          </a:xfrm>
+          <a:prstGeom prst="rect">
+            <a:avLst/>
+          </a:prstGeom>
+        </p:spPr>
+        <p:txBody>
+          <a:bodyPr anchorCtr="0" anchor="t" bIns="91425" lIns="91425" spcFirstLastPara="1" rIns="91425" wrap="square" tIns="91425">
+            <a:noAutofit/>
+          </a:bodyPr>
+          <a:lstStyle/>
+          <a:p>
+            <a:pPr indent="0" lvl="0" marL="0" rtl="0" algn="l">
+              <a:spcBef>
+                <a:spcPts val="0"/>
+              </a:spcBef>
+              <a:spcAft>
+                <a:spcPts val="0"/>
+              </a:spcAft>
+              <a:buNone/>
+            </a:pPr>
+            <a:r>
+              <a:rPr lang="en"/>
+              <a:t>Naive approach time complexity:</a:t>
+            </a:r>
+            <a:endParaRPr/>
+          </a:p>
+        </p:txBody>
+      </p:sp>
+      <p:sp>
+        <p:nvSpPr>
+          <p:cNvPr id="428" name="Google Shape;428;p63"/>
+          <p:cNvSpPr txBox="1"/>
+          <p:nvPr>
+            <p:ph idx="2" type="title"/>
+          </p:nvPr>
+        </p:nvSpPr>
+        <p:spPr>
+          <a:xfrm>
+            <a:off x="480425" y="2006575"/>
+            <a:ext cx="3786600" cy="386700"/>
+          </a:xfrm>
+          <a:prstGeom prst="rect">
+            <a:avLst/>
+          </a:prstGeom>
+        </p:spPr>
+        <p:txBody>
+          <a:bodyPr anchorCtr="0" anchor="t" bIns="91425" lIns="91425" spcFirstLastPara="1" rIns="91425" wrap="square" tIns="91425">
+            <a:noAutofit/>
+          </a:bodyPr>
+          <a:lstStyle/>
+          <a:p>
+            <a:pPr indent="0" lvl="0" marL="0" rtl="0" algn="l">
+              <a:spcBef>
+                <a:spcPts val="0"/>
+              </a:spcBef>
+              <a:spcAft>
+                <a:spcPts val="0"/>
+              </a:spcAft>
+              <a:buNone/>
+            </a:pPr>
+            <a:r>
+              <a:rPr lang="en"/>
+              <a:t>Optimization 1: Note that value of prefix function can increase by at most one</a:t>
+            </a:r>
+            <a:endParaRPr/>
+          </a:p>
+        </p:txBody>
+      </p:sp>
+      <p:sp>
+        <p:nvSpPr>
+          <p:cNvPr id="429" name="Google Shape;429;p63"/>
+          <p:cNvSpPr txBox="1"/>
+          <p:nvPr>
+            <p:ph idx="3" type="title"/>
+          </p:nvPr>
+        </p:nvSpPr>
+        <p:spPr>
+          <a:xfrm>
+            <a:off x="480425" y="2825775"/>
+            <a:ext cx="3786600" cy="386700"/>
+          </a:xfrm>
+          <a:prstGeom prst="rect">
+            <a:avLst/>
+          </a:prstGeom>
+        </p:spPr>
+        <p:txBody>
+          <a:bodyPr anchorCtr="0" anchor="t" bIns="91425" lIns="91425" spcFirstLastPara="1" rIns="91425" wrap="square" tIns="91425">
+            <a:noAutofit/>
+          </a:bodyPr>
+          <a:lstStyle/>
+          <a:p>
+            <a:pPr indent="0" lvl="0" marL="0" rtl="0" algn="l">
+              <a:spcBef>
+                <a:spcPts val="0"/>
+              </a:spcBef>
+              <a:spcAft>
+                <a:spcPts val="0"/>
+              </a:spcAft>
+              <a:buNone/>
+            </a:pPr>
+            <a:r>
+              <a:rPr lang="en"/>
+              <a:t>Optimization 2: We can reduce string comparisons based on previously computed values</a:t>
+            </a:r>
+            <a:endParaRPr/>
+          </a:p>
+        </p:txBody>
+      </p:sp>
+      <p:cxnSp>
+        <p:nvCxnSpPr>
+          <p:cNvPr id="430" name="Google Shape;430;p63"/>
+          <p:cNvCxnSpPr/>
+          <p:nvPr/>
+        </p:nvCxnSpPr>
+        <p:spPr>
+          <a:xfrm>
+            <a:off x="610750" y="1112624"/>
+            <a:ext cx="3582600" cy="1500"/>
+          </a:xfrm>
+          <a:prstGeom prst="straightConnector1">
+            <a:avLst/>
+          </a:prstGeom>
+          <a:noFill/>
+          <a:ln cap="flat" cmpd="sng" w="9525">
+            <a:solidFill>
+              <a:schemeClr val="dk2"/>
+            </a:solidFill>
+            <a:prstDash val="solid"/>
+            <a:round/>
+            <a:headEnd len="med" w="med" type="none"/>
+            <a:tailEnd len="med" w="med" type="none"/>
+          </a:ln>
+        </p:spPr>
+      </p:cxnSp>
+      <p:cxnSp>
+        <p:nvCxnSpPr>
+          <p:cNvPr id="431" name="Google Shape;431;p63"/>
+          <p:cNvCxnSpPr/>
+          <p:nvPr/>
+        </p:nvCxnSpPr>
+        <p:spPr>
+          <a:xfrm flipH="1" rot="10800000">
+            <a:off x="568750" y="1800409"/>
+            <a:ext cx="3677400" cy="16200"/>
+          </a:xfrm>
+          <a:prstGeom prst="straightConnector1">
+            <a:avLst/>
+          </a:prstGeom>
+          <a:noFill/>
+          <a:ln cap="flat" cmpd="sng" w="9525">
+            <a:solidFill>
+              <a:schemeClr val="dk2"/>
+            </a:solidFill>
+            <a:prstDash val="solid"/>
+            <a:round/>
+            <a:headEnd len="med" w="med" type="none"/>
+            <a:tailEnd len="med" w="med" type="none"/>
+          </a:ln>
+        </p:spPr>
+      </p:cxnSp>
+      <p:cxnSp>
+        <p:nvCxnSpPr>
+          <p:cNvPr id="432" name="Google Shape;432;p63"/>
+          <p:cNvCxnSpPr/>
+          <p:nvPr/>
+        </p:nvCxnSpPr>
+        <p:spPr>
+          <a:xfrm>
+            <a:off x="568750" y="2642698"/>
+            <a:ext cx="3656400" cy="2400"/>
+          </a:xfrm>
+          <a:prstGeom prst="straightConnector1">
+            <a:avLst/>
+          </a:prstGeom>
+          <a:noFill/>
+          <a:ln cap="flat" cmpd="sng" w="9525">
+            <a:solidFill>
+              <a:schemeClr val="dk2"/>
+            </a:solidFill>
+            <a:prstDash val="solid"/>
+            <a:round/>
+            <a:headEnd len="med" w="med" type="none"/>
+            <a:tailEnd len="med" w="med" type="none"/>
+          </a:ln>
+        </p:spPr>
+      </p:cxnSp>
+      <p:cxnSp>
+        <p:nvCxnSpPr>
+          <p:cNvPr id="433" name="Google Shape;433;p63"/>
+          <p:cNvCxnSpPr/>
+          <p:nvPr/>
+        </p:nvCxnSpPr>
+        <p:spPr>
+          <a:xfrm flipH="1" rot="10800000">
+            <a:off x="563500" y="3601028"/>
+            <a:ext cx="3666900" cy="6300"/>
+          </a:xfrm>
+          <a:prstGeom prst="straightConnector1">
+            <a:avLst/>
+          </a:prstGeom>
+          <a:noFill/>
+          <a:ln cap="flat" cmpd="sng" w="9525">
+            <a:solidFill>
+              <a:schemeClr val="dk2"/>
+            </a:solidFill>
+            <a:prstDash val="solid"/>
+            <a:round/>
+            <a:headEnd len="med" w="med" type="none"/>
+            <a:tailEnd len="med" w="med" type="none"/>
+          </a:ln>
+        </p:spPr>
+      </p:cxnSp>
+      <p:sp>
+        <p:nvSpPr>
+          <p:cNvPr id="434" name="Google Shape;434;p63"/>
           <p:cNvSpPr txBox="1"/>
           <p:nvPr>
             <p:ph idx="1" type="subTitle"/>
@@ -51355,7 +48931,11 @@
             </a:pPr>
             <a:r>
               <a:rPr lang="en" sz="1800"/>
-              <a:t>Prefix Function: Example</a:t>
+              <a:t>Prefix Function</a:t>
+            </a:r>
+            <a:r>
+              <a:rPr lang="en" sz="1800"/>
+              <a:t>: Optimizations</a:t>
             </a:r>
             <a:endParaRPr sz="1800"/>
           </a:p>
@@ -51363,7 +48943,7 @@
       </p:sp>
       <p:sp>
         <p:nvSpPr>
-          <p:cNvPr id="451" name="Google Shape;451;p65"/>
+          <p:cNvPr id="435" name="Google Shape;435;p63"/>
           <p:cNvSpPr txBox="1"/>
           <p:nvPr>
             <p:ph idx="12" type="sldNum"/>
@@ -51403,7 +48983,7 @@
       </p:sp>
       <p:pic>
         <p:nvPicPr>
-          <p:cNvPr id="452" name="Google Shape;452;p65"/>
+          <p:cNvPr id="436" name="Google Shape;436;p63"/>
           <p:cNvPicPr preferRelativeResize="0"/>
           <p:nvPr/>
         </p:nvPicPr>
@@ -51417,8 +48997,8 @@
         </p:blipFill>
         <p:spPr>
           <a:xfrm>
-            <a:off x="152400" y="2256624"/>
-            <a:ext cx="8839202" cy="630274"/>
+            <a:off x="1597554" y="1463999"/>
+            <a:ext cx="679770" cy="386700"/>
           </a:xfrm>
           <a:prstGeom prst="rect">
             <a:avLst/>
@@ -51429,245 +49009,15 @@
           </a:ln>
         </p:spPr>
       </p:pic>
-    </p:spTree>
-  </p:cSld>
-  <p:clrMapOvr>
-    <a:masterClrMapping/>
-  </p:clrMapOvr>
-</p:sld>
-</file>
-
-<file path=ppt/slides/slide8.xml><?xml version="1.0" encoding="utf-8"?>
-<p:sld xmlns:a="http://schemas.openxmlformats.org/drawingml/2006/main" xmlns:r="http://schemas.openxmlformats.org/officeDocument/2006/relationships" xmlns:mc="http://schemas.openxmlformats.org/markup-compatibility/2006" xmlns:mv="urn:schemas-microsoft-com:mac:vml" xmlns:p="http://schemas.openxmlformats.org/presentationml/2006/main" xmlns:c="http://schemas.openxmlformats.org/drawingml/2006/chart" xmlns:dgm="http://schemas.openxmlformats.org/drawingml/2006/diagram" xmlns:o="urn:schemas-microsoft-com:office:office" xmlns:v="urn:schemas-microsoft-com:vml" xmlns:pvml="urn:schemas-microsoft-com:office:powerpoint" xmlns:com="http://schemas.openxmlformats.org/drawingml/2006/compatibility" xmlns:p14="http://schemas.microsoft.com/office/powerpoint/2010/main" xmlns:p15="http://schemas.microsoft.com/office/powerpoint/2012/main" xmlns:ahyp="http://schemas.microsoft.com/office/drawing/2018/hyperlinkcolor">
-  <p:cSld>
-    <p:bg>
-      <p:bgPr>
-        <a:solidFill>
-          <a:schemeClr val="accent5"/>
-        </a:solidFill>
-      </p:bgPr>
-    </p:bg>
-    <p:spTree>
-      <p:nvGrpSpPr>
-        <p:cNvPr id="456" name="Shape 456"/>
-        <p:cNvGrpSpPr/>
-        <p:nvPr/>
-      </p:nvGrpSpPr>
-      <p:grpSpPr>
-        <a:xfrm>
-          <a:off x="0" y="0"/>
-          <a:ext cx="0" cy="0"/>
-          <a:chOff x="0" y="0"/>
-          <a:chExt cx="0" cy="0"/>
-        </a:xfrm>
-      </p:grpSpPr>
-      <p:sp>
-        <p:nvSpPr>
-          <p:cNvPr id="457" name="Google Shape;457;p66"/>
-          <p:cNvSpPr txBox="1"/>
-          <p:nvPr>
-            <p:ph type="title"/>
-          </p:nvPr>
-        </p:nvSpPr>
-        <p:spPr>
-          <a:xfrm>
-            <a:off x="702825" y="1575737"/>
-            <a:ext cx="2038800" cy="378600"/>
-          </a:xfrm>
-          <a:prstGeom prst="rect">
-            <a:avLst/>
-          </a:prstGeom>
-        </p:spPr>
-        <p:txBody>
-          <a:bodyPr anchorCtr="0" anchor="t" bIns="91425" lIns="91425" spcFirstLastPara="1" rIns="91425" wrap="square" tIns="91425">
-            <a:noAutofit/>
-          </a:bodyPr>
-          <a:lstStyle/>
-          <a:p>
-            <a:pPr indent="0" lvl="0" marL="0" rtl="0" algn="l">
-              <a:spcBef>
-                <a:spcPts val="0"/>
-              </a:spcBef>
-              <a:spcAft>
-                <a:spcPts val="0"/>
-              </a:spcAft>
-              <a:buNone/>
-            </a:pPr>
-            <a:r>
-              <a:rPr lang="en"/>
-              <a:t>Naive approach time complexity:</a:t>
-            </a:r>
-            <a:endParaRPr/>
-          </a:p>
-        </p:txBody>
-      </p:sp>
-      <p:sp>
-        <p:nvSpPr>
-          <p:cNvPr id="458" name="Google Shape;458;p66"/>
-          <p:cNvSpPr txBox="1"/>
-          <p:nvPr>
-            <p:ph idx="2" type="title"/>
-          </p:nvPr>
-        </p:nvSpPr>
-        <p:spPr>
-          <a:xfrm>
-            <a:off x="702825" y="2374900"/>
-            <a:ext cx="3786600" cy="386700"/>
-          </a:xfrm>
-          <a:prstGeom prst="rect">
-            <a:avLst/>
-          </a:prstGeom>
-        </p:spPr>
-        <p:txBody>
-          <a:bodyPr anchorCtr="0" anchor="t" bIns="91425" lIns="91425" spcFirstLastPara="1" rIns="91425" wrap="square" tIns="91425">
-            <a:noAutofit/>
-          </a:bodyPr>
-          <a:lstStyle/>
-          <a:p>
-            <a:pPr indent="0" lvl="0" marL="0" rtl="0" algn="l">
-              <a:spcBef>
-                <a:spcPts val="0"/>
-              </a:spcBef>
-              <a:spcAft>
-                <a:spcPts val="0"/>
-              </a:spcAft>
-              <a:buNone/>
-            </a:pPr>
-            <a:r>
-              <a:rPr lang="en"/>
-              <a:t>Optimization 1: Note that value of prefix function can increase by at most one</a:t>
-            </a:r>
-            <a:endParaRPr/>
-          </a:p>
-        </p:txBody>
-      </p:sp>
-      <p:sp>
-        <p:nvSpPr>
-          <p:cNvPr id="459" name="Google Shape;459;p66"/>
-          <p:cNvSpPr txBox="1"/>
-          <p:nvPr>
-            <p:ph idx="3" type="title"/>
-          </p:nvPr>
-        </p:nvSpPr>
-        <p:spPr>
-          <a:xfrm>
-            <a:off x="702825" y="3194100"/>
-            <a:ext cx="3786600" cy="386700"/>
-          </a:xfrm>
-          <a:prstGeom prst="rect">
-            <a:avLst/>
-          </a:prstGeom>
-        </p:spPr>
-        <p:txBody>
-          <a:bodyPr anchorCtr="0" anchor="t" bIns="91425" lIns="91425" spcFirstLastPara="1" rIns="91425" wrap="square" tIns="91425">
-            <a:noAutofit/>
-          </a:bodyPr>
-          <a:lstStyle/>
-          <a:p>
-            <a:pPr indent="0" lvl="0" marL="0" rtl="0" algn="l">
-              <a:spcBef>
-                <a:spcPts val="0"/>
-              </a:spcBef>
-              <a:spcAft>
-                <a:spcPts val="0"/>
-              </a:spcAft>
-              <a:buNone/>
-            </a:pPr>
-            <a:r>
-              <a:rPr lang="en"/>
-              <a:t>Optimization 2: We can reduce string comparisons based on previously computed values</a:t>
-            </a:r>
-            <a:endParaRPr/>
-          </a:p>
-        </p:txBody>
-      </p:sp>
       <p:cxnSp>
         <p:nvCxnSpPr>
-          <p:cNvPr id="460" name="Google Shape;460;p66"/>
-          <p:cNvCxnSpPr/>
-          <p:nvPr/>
-        </p:nvCxnSpPr>
-        <p:spPr>
-          <a:xfrm>
-            <a:off x="833150" y="1480949"/>
-            <a:ext cx="3582600" cy="1500"/>
-          </a:xfrm>
-          <a:prstGeom prst="straightConnector1">
-            <a:avLst/>
-          </a:prstGeom>
-          <a:noFill/>
-          <a:ln cap="flat" cmpd="sng" w="9525">
-            <a:solidFill>
-              <a:schemeClr val="dk2"/>
-            </a:solidFill>
-            <a:prstDash val="solid"/>
-            <a:round/>
-            <a:headEnd len="med" w="med" type="none"/>
-            <a:tailEnd len="med" w="med" type="none"/>
-          </a:ln>
-        </p:spPr>
-      </p:cxnSp>
-      <p:cxnSp>
-        <p:nvCxnSpPr>
-          <p:cNvPr id="461" name="Google Shape;461;p66"/>
+          <p:cNvPr id="437" name="Google Shape;437;p63"/>
           <p:cNvCxnSpPr/>
           <p:nvPr/>
         </p:nvCxnSpPr>
         <p:spPr>
           <a:xfrm flipH="1" rot="10800000">
-            <a:off x="791150" y="2168734"/>
-            <a:ext cx="3677400" cy="16200"/>
-          </a:xfrm>
-          <a:prstGeom prst="straightConnector1">
-            <a:avLst/>
-          </a:prstGeom>
-          <a:noFill/>
-          <a:ln cap="flat" cmpd="sng" w="9525">
-            <a:solidFill>
-              <a:schemeClr val="dk2"/>
-            </a:solidFill>
-            <a:prstDash val="solid"/>
-            <a:round/>
-            <a:headEnd len="med" w="med" type="none"/>
-            <a:tailEnd len="med" w="med" type="none"/>
-          </a:ln>
-        </p:spPr>
-      </p:cxnSp>
-      <p:cxnSp>
-        <p:nvCxnSpPr>
-          <p:cNvPr id="462" name="Google Shape;462;p66"/>
-          <p:cNvCxnSpPr/>
-          <p:nvPr/>
-        </p:nvCxnSpPr>
-        <p:spPr>
-          <a:xfrm>
-            <a:off x="791150" y="3011023"/>
-            <a:ext cx="3656400" cy="2400"/>
-          </a:xfrm>
-          <a:prstGeom prst="straightConnector1">
-            <a:avLst/>
-          </a:prstGeom>
-          <a:noFill/>
-          <a:ln cap="flat" cmpd="sng" w="9525">
-            <a:solidFill>
-              <a:schemeClr val="dk2"/>
-            </a:solidFill>
-            <a:prstDash val="solid"/>
-            <a:round/>
-            <a:headEnd len="med" w="med" type="none"/>
-            <a:tailEnd len="med" w="med" type="none"/>
-          </a:ln>
-        </p:spPr>
-      </p:cxnSp>
-      <p:cxnSp>
-        <p:nvCxnSpPr>
-          <p:cNvPr id="463" name="Google Shape;463;p66"/>
-          <p:cNvCxnSpPr/>
-          <p:nvPr/>
-        </p:nvCxnSpPr>
-        <p:spPr>
-          <a:xfrm flipH="1" rot="10800000">
-            <a:off x="785900" y="3969353"/>
+            <a:off x="563500" y="4309928"/>
             <a:ext cx="3666900" cy="6300"/>
           </a:xfrm>
           <a:prstGeom prst="straightConnector1">
@@ -51687,16 +49037,16 @@
       </p:cxnSp>
       <p:sp>
         <p:nvSpPr>
-          <p:cNvPr id="464" name="Google Shape;464;p66"/>
+          <p:cNvPr id="438" name="Google Shape;438;p63"/>
           <p:cNvSpPr txBox="1"/>
           <p:nvPr>
-            <p:ph idx="1" type="subTitle"/>
+            <p:ph type="title"/>
           </p:nvPr>
         </p:nvSpPr>
         <p:spPr>
           <a:xfrm>
-            <a:off x="480425" y="290624"/>
-            <a:ext cx="7766400" cy="822000"/>
+            <a:off x="563500" y="3701812"/>
+            <a:ext cx="2038800" cy="378600"/>
           </a:xfrm>
           <a:prstGeom prst="rect">
             <a:avLst/>
@@ -51718,230 +49068,16 @@
               <a:buNone/>
             </a:pPr>
             <a:r>
-              <a:rPr lang="en" sz="1800"/>
-              <a:t>Prefix Function</a:t>
+              <a:rPr lang="en"/>
+              <a:t>Optimized time complexity: </a:t>
             </a:r>
-            <a:r>
-              <a:rPr lang="en" sz="1800"/>
-              <a:t>: Optimizations</a:t>
-            </a:r>
-            <a:endParaRPr sz="1800"/>
-          </a:p>
-        </p:txBody>
-      </p:sp>
-      <p:sp>
-        <p:nvSpPr>
-          <p:cNvPr id="465" name="Google Shape;465;p66"/>
-          <p:cNvSpPr txBox="1"/>
-          <p:nvPr>
-            <p:ph idx="12" type="sldNum"/>
-          </p:nvPr>
-        </p:nvSpPr>
-        <p:spPr>
-          <a:xfrm>
-            <a:off x="8490529" y="250829"/>
-            <a:ext cx="348900" cy="178200"/>
-          </a:xfrm>
-          <a:prstGeom prst="rect">
-            <a:avLst/>
-          </a:prstGeom>
-        </p:spPr>
-        <p:txBody>
-          <a:bodyPr anchorCtr="0" anchor="t" bIns="91425" lIns="91425" spcFirstLastPara="1" rIns="91425" wrap="square" tIns="91425">
-            <a:noAutofit/>
-          </a:bodyPr>
-          <a:lstStyle/>
-          <a:p>
-            <a:pPr indent="0" lvl="0" marL="0" rtl="0" algn="r">
-              <a:spcBef>
-                <a:spcPts val="0"/>
-              </a:spcBef>
-              <a:spcAft>
-                <a:spcPts val="0"/>
-              </a:spcAft>
-              <a:buNone/>
-            </a:pPr>
-            <a:fld id="{00000000-1234-1234-1234-123412341234}" type="slidenum">
-              <a:rPr lang="en"/>
-              <a:t>‹#›</a:t>
-            </a:fld>
             <a:endParaRPr/>
           </a:p>
         </p:txBody>
       </p:sp>
       <p:pic>
         <p:nvPicPr>
-          <p:cNvPr id="466" name="Google Shape;466;p66"/>
-          <p:cNvPicPr preferRelativeResize="0"/>
-          <p:nvPr/>
-        </p:nvPicPr>
-        <p:blipFill>
-          <a:blip r:embed="rId3">
-            <a:alphaModFix/>
-          </a:blip>
-          <a:stretch>
-            <a:fillRect/>
-          </a:stretch>
-        </p:blipFill>
-        <p:spPr>
-          <a:xfrm>
-            <a:off x="1819954" y="1832324"/>
-            <a:ext cx="679770" cy="386700"/>
-          </a:xfrm>
-          <a:prstGeom prst="rect">
-            <a:avLst/>
-          </a:prstGeom>
-          <a:noFill/>
-          <a:ln>
-            <a:noFill/>
-          </a:ln>
-        </p:spPr>
-      </p:pic>
-      <p:sp>
-        <p:nvSpPr>
-          <p:cNvPr id="467" name="Google Shape;467;p66"/>
-          <p:cNvSpPr txBox="1"/>
-          <p:nvPr/>
-        </p:nvSpPr>
-        <p:spPr>
-          <a:xfrm>
-            <a:off x="4703850" y="2219025"/>
-            <a:ext cx="3786600" cy="822000"/>
-          </a:xfrm>
-          <a:prstGeom prst="rect">
-            <a:avLst/>
-          </a:prstGeom>
-          <a:noFill/>
-          <a:ln>
-            <a:noFill/>
-          </a:ln>
-        </p:spPr>
-        <p:txBody>
-          <a:bodyPr anchorCtr="0" anchor="t" bIns="91425" lIns="91425" spcFirstLastPara="1" rIns="91425" wrap="square" tIns="91425">
-            <a:noAutofit/>
-          </a:bodyPr>
-          <a:lstStyle/>
-          <a:p>
-            <a:pPr indent="0" lvl="0" marL="0" rtl="0" algn="l">
-              <a:spcBef>
-                <a:spcPts val="0"/>
-              </a:spcBef>
-              <a:spcAft>
-                <a:spcPts val="0"/>
-              </a:spcAft>
-              <a:buNone/>
-            </a:pPr>
-            <a:r>
-              <a:rPr lang="en" sz="1100">
-                <a:solidFill>
-                  <a:schemeClr val="lt1"/>
-                </a:solidFill>
-                <a:latin typeface="Barlow Light"/>
-                <a:ea typeface="Barlow Light"/>
-                <a:cs typeface="Barlow Light"/>
-                <a:sym typeface="Barlow Light"/>
-              </a:rPr>
-              <a:t>If                                     , suppose we remove the last character from the suffix ending at index             . Results in suffix of length</a:t>
-            </a:r>
-            <a:r>
-              <a:rPr lang="en">
-                <a:solidFill>
-                  <a:schemeClr val="lt1"/>
-                </a:solidFill>
-                <a:latin typeface="Barlow Light"/>
-                <a:ea typeface="Barlow Light"/>
-                <a:cs typeface="Barlow Light"/>
-                <a:sym typeface="Barlow Light"/>
-              </a:rPr>
-              <a:t>                       </a:t>
-            </a:r>
-            <a:r>
-              <a:rPr lang="en" sz="1100">
-                <a:solidFill>
-                  <a:schemeClr val="lt1"/>
-                </a:solidFill>
-                <a:latin typeface="Barlow Light"/>
-                <a:ea typeface="Barlow Light"/>
-                <a:cs typeface="Barlow Light"/>
-                <a:sym typeface="Barlow Light"/>
-              </a:rPr>
-              <a:t>  ending at index</a:t>
-            </a:r>
-            <a:r>
-              <a:rPr lang="en" sz="1200">
-                <a:solidFill>
-                  <a:schemeClr val="lt1"/>
-                </a:solidFill>
-                <a:latin typeface="Barlow Light"/>
-                <a:ea typeface="Barlow Light"/>
-                <a:cs typeface="Barlow Light"/>
-                <a:sym typeface="Barlow Light"/>
-              </a:rPr>
-              <a:t> </a:t>
-            </a:r>
-            <a:r>
-              <a:rPr lang="en" sz="1500">
-                <a:solidFill>
-                  <a:schemeClr val="lt1"/>
-                </a:solidFill>
-                <a:latin typeface="Barlow Light"/>
-                <a:ea typeface="Barlow Light"/>
-                <a:cs typeface="Barlow Light"/>
-                <a:sym typeface="Barlow Light"/>
-              </a:rPr>
-              <a:t>   </a:t>
-            </a:r>
-            <a:r>
-              <a:rPr lang="en" sz="1100">
-                <a:solidFill>
-                  <a:schemeClr val="lt1"/>
-                </a:solidFill>
-                <a:latin typeface="Barlow Light"/>
-                <a:ea typeface="Barlow Light"/>
-                <a:cs typeface="Barlow Light"/>
-                <a:sym typeface="Barlow Light"/>
-              </a:rPr>
-              <a:t> </a:t>
-            </a:r>
-            <a:r>
-              <a:rPr i="1" lang="en" sz="1100">
-                <a:solidFill>
-                  <a:schemeClr val="lt1"/>
-                </a:solidFill>
-                <a:latin typeface="Barlow Light"/>
-                <a:ea typeface="Barlow Light"/>
-                <a:cs typeface="Barlow Light"/>
-                <a:sym typeface="Barlow Light"/>
-              </a:rPr>
-              <a:t>(Contradiction)</a:t>
-            </a:r>
-            <a:r>
-              <a:rPr lang="en" sz="1100">
-                <a:solidFill>
-                  <a:schemeClr val="lt1"/>
-                </a:solidFill>
-                <a:latin typeface="Barlow Light"/>
-                <a:ea typeface="Barlow Light"/>
-                <a:cs typeface="Barlow Light"/>
-                <a:sym typeface="Barlow Light"/>
-              </a:rPr>
-              <a:t>.</a:t>
-            </a:r>
-            <a:endParaRPr sz="1100">
-              <a:solidFill>
-                <a:schemeClr val="lt1"/>
-              </a:solidFill>
-              <a:latin typeface="Barlow Light"/>
-              <a:ea typeface="Barlow Light"/>
-              <a:cs typeface="Barlow Light"/>
-              <a:sym typeface="Barlow Light"/>
-            </a:endParaRPr>
-          </a:p>
-        </p:txBody>
-      </p:sp>
-      <p:pic>
-        <p:nvPicPr>
-          <p:cNvPr id="468" name="Google Shape;468;p66"/>
+          <p:cNvPr id="439" name="Google Shape;439;p63"/>
           <p:cNvPicPr preferRelativeResize="0"/>
           <p:nvPr/>
         </p:nvPicPr>
@@ -51955,8 +49091,8 @@
         </p:blipFill>
         <p:spPr>
           <a:xfrm>
-            <a:off x="4914875" y="2304425"/>
-            <a:ext cx="1018075" cy="184075"/>
+            <a:off x="1687775" y="3936094"/>
+            <a:ext cx="679775" cy="428781"/>
           </a:xfrm>
           <a:prstGeom prst="rect">
             <a:avLst/>
@@ -51969,651 +49105,12 @@
       </p:pic>
       <p:pic>
         <p:nvPicPr>
-          <p:cNvPr id="469" name="Google Shape;469;p66"/>
+          <p:cNvPr id="440" name="Google Shape;440;p63"/>
           <p:cNvPicPr preferRelativeResize="0"/>
           <p:nvPr/>
         </p:nvPicPr>
         <p:blipFill>
           <a:blip r:embed="rId5">
-            <a:alphaModFix/>
-          </a:blip>
-          <a:stretch>
-            <a:fillRect/>
-          </a:stretch>
-        </p:blipFill>
-        <p:spPr>
-          <a:xfrm>
-            <a:off x="6633825" y="2479719"/>
-            <a:ext cx="348900" cy="184068"/>
-          </a:xfrm>
-          <a:prstGeom prst="rect">
-            <a:avLst/>
-          </a:prstGeom>
-          <a:noFill/>
-          <a:ln>
-            <a:noFill/>
-          </a:ln>
-        </p:spPr>
-      </p:pic>
-      <p:pic>
-        <p:nvPicPr>
-          <p:cNvPr id="470" name="Google Shape;470;p66"/>
-          <p:cNvPicPr preferRelativeResize="0"/>
-          <p:nvPr/>
-        </p:nvPicPr>
-        <p:blipFill>
-          <a:blip r:embed="rId6">
-            <a:alphaModFix/>
-          </a:blip>
-          <a:stretch>
-            <a:fillRect/>
-          </a:stretch>
-        </p:blipFill>
-        <p:spPr>
-          <a:xfrm>
-            <a:off x="5206425" y="2663800"/>
-            <a:ext cx="803350" cy="229525"/>
-          </a:xfrm>
-          <a:prstGeom prst="rect">
-            <a:avLst/>
-          </a:prstGeom>
-          <a:noFill/>
-          <a:ln>
-            <a:noFill/>
-          </a:ln>
-        </p:spPr>
-      </p:pic>
-      <p:pic>
-        <p:nvPicPr>
-          <p:cNvPr id="471" name="Google Shape;471;p66"/>
-          <p:cNvPicPr preferRelativeResize="0"/>
-          <p:nvPr/>
-        </p:nvPicPr>
-        <p:blipFill>
-          <a:blip r:embed="rId7">
-            <a:alphaModFix/>
-          </a:blip>
-          <a:stretch>
-            <a:fillRect/>
-          </a:stretch>
-        </p:blipFill>
-        <p:spPr>
-          <a:xfrm>
-            <a:off x="6993725" y="2675775"/>
-            <a:ext cx="99482" cy="205575"/>
-          </a:xfrm>
-          <a:prstGeom prst="rect">
-            <a:avLst/>
-          </a:prstGeom>
-          <a:noFill/>
-          <a:ln>
-            <a:noFill/>
-          </a:ln>
-        </p:spPr>
-      </p:pic>
-      <p:pic>
-        <p:nvPicPr>
-          <p:cNvPr id="472" name="Google Shape;472;p66"/>
-          <p:cNvPicPr preferRelativeResize="0"/>
-          <p:nvPr/>
-        </p:nvPicPr>
-        <p:blipFill>
-          <a:blip r:embed="rId8">
-            <a:alphaModFix/>
-          </a:blip>
-          <a:stretch>
-            <a:fillRect/>
-          </a:stretch>
-        </p:blipFill>
-        <p:spPr>
-          <a:xfrm>
-            <a:off x="4770825" y="3041024"/>
-            <a:ext cx="2499477" cy="205575"/>
-          </a:xfrm>
-          <a:prstGeom prst="rect">
-            <a:avLst/>
-          </a:prstGeom>
-          <a:noFill/>
-          <a:ln>
-            <a:noFill/>
-          </a:ln>
-        </p:spPr>
-      </p:pic>
-      <p:sp>
-        <p:nvSpPr>
-          <p:cNvPr id="473" name="Google Shape;473;p66"/>
-          <p:cNvSpPr txBox="1"/>
-          <p:nvPr/>
-        </p:nvSpPr>
-        <p:spPr>
-          <a:xfrm>
-            <a:off x="4703850" y="3246600"/>
-            <a:ext cx="4002000" cy="597600"/>
-          </a:xfrm>
-          <a:prstGeom prst="rect">
-            <a:avLst/>
-          </a:prstGeom>
-          <a:noFill/>
-          <a:ln>
-            <a:noFill/>
-          </a:ln>
-        </p:spPr>
-        <p:txBody>
-          <a:bodyPr anchorCtr="0" anchor="t" bIns="91425" lIns="91425" spcFirstLastPara="1" rIns="91425" wrap="square" tIns="91425">
-            <a:noAutofit/>
-          </a:bodyPr>
-          <a:lstStyle/>
-          <a:p>
-            <a:pPr indent="0" lvl="0" marL="0" rtl="0" algn="l">
-              <a:spcBef>
-                <a:spcPts val="0"/>
-              </a:spcBef>
-              <a:spcAft>
-                <a:spcPts val="0"/>
-              </a:spcAft>
-              <a:buNone/>
-            </a:pPr>
-            <a:r>
-              <a:rPr lang="en" sz="1100">
-                <a:solidFill>
-                  <a:schemeClr val="lt1"/>
-                </a:solidFill>
-                <a:latin typeface="Barlow Light"/>
-                <a:ea typeface="Barlow Light"/>
-                <a:cs typeface="Barlow Light"/>
-                <a:sym typeface="Barlow Light"/>
-              </a:rPr>
-              <a:t>Otherwise, move to longest length                   such that </a:t>
-            </a:r>
-            <a:endParaRPr sz="1100">
-              <a:solidFill>
-                <a:schemeClr val="lt1"/>
-              </a:solidFill>
-              <a:latin typeface="Barlow Light"/>
-              <a:ea typeface="Barlow Light"/>
-              <a:cs typeface="Barlow Light"/>
-              <a:sym typeface="Barlow Light"/>
-            </a:endParaRPr>
-          </a:p>
-          <a:p>
-            <a:pPr indent="0" lvl="0" marL="0" rtl="0" algn="l">
-              <a:spcBef>
-                <a:spcPts val="0"/>
-              </a:spcBef>
-              <a:spcAft>
-                <a:spcPts val="0"/>
-              </a:spcAft>
-              <a:buNone/>
-            </a:pPr>
-            <a:r>
-              <a:rPr lang="en" sz="1100">
-                <a:solidFill>
-                  <a:schemeClr val="lt1"/>
-                </a:solidFill>
-                <a:latin typeface="Barlow Light"/>
-                <a:ea typeface="Barlow Light"/>
-                <a:cs typeface="Barlow Light"/>
-                <a:sym typeface="Barlow Light"/>
-              </a:rPr>
-              <a:t>                                                                 . Then,</a:t>
-            </a:r>
-            <a:endParaRPr sz="1100">
-              <a:solidFill>
-                <a:schemeClr val="lt1"/>
-              </a:solidFill>
-              <a:latin typeface="Barlow Light"/>
-              <a:ea typeface="Barlow Light"/>
-              <a:cs typeface="Barlow Light"/>
-              <a:sym typeface="Barlow Light"/>
-            </a:endParaRPr>
-          </a:p>
-          <a:p>
-            <a:pPr indent="0" lvl="0" marL="0" rtl="0" algn="l">
-              <a:spcBef>
-                <a:spcPts val="0"/>
-              </a:spcBef>
-              <a:spcAft>
-                <a:spcPts val="0"/>
-              </a:spcAft>
-              <a:buNone/>
-            </a:pPr>
-            <a:r>
-              <a:rPr lang="en" sz="1100">
-                <a:solidFill>
-                  <a:schemeClr val="lt1"/>
-                </a:solidFill>
-                <a:latin typeface="Barlow Light"/>
-                <a:ea typeface="Barlow Light"/>
-                <a:cs typeface="Barlow Light"/>
-                <a:sym typeface="Barlow Light"/>
-              </a:rPr>
-              <a:t>                                                                  . Otherwise, continue process  until              .</a:t>
-            </a:r>
-            <a:endParaRPr sz="1100">
-              <a:solidFill>
-                <a:schemeClr val="lt1"/>
-              </a:solidFill>
-              <a:latin typeface="Barlow Light"/>
-              <a:ea typeface="Barlow Light"/>
-              <a:cs typeface="Barlow Light"/>
-              <a:sym typeface="Barlow Light"/>
-            </a:endParaRPr>
-          </a:p>
-          <a:p>
-            <a:pPr indent="0" lvl="0" marL="0" rtl="0" algn="l">
-              <a:spcBef>
-                <a:spcPts val="0"/>
-              </a:spcBef>
-              <a:spcAft>
-                <a:spcPts val="0"/>
-              </a:spcAft>
-              <a:buNone/>
-            </a:pPr>
-            <a:r>
-              <a:rPr lang="en" sz="1100">
-                <a:solidFill>
-                  <a:schemeClr val="lt1"/>
-                </a:solidFill>
-                <a:latin typeface="Barlow Light"/>
-                <a:ea typeface="Barlow Light"/>
-                <a:cs typeface="Barlow Light"/>
-                <a:sym typeface="Barlow Light"/>
-              </a:rPr>
-              <a:t>   </a:t>
-            </a:r>
-            <a:endParaRPr sz="1100">
-              <a:solidFill>
-                <a:schemeClr val="lt1"/>
-              </a:solidFill>
-              <a:latin typeface="Barlow Light"/>
-              <a:ea typeface="Barlow Light"/>
-              <a:cs typeface="Barlow Light"/>
-              <a:sym typeface="Barlow Light"/>
-            </a:endParaRPr>
-          </a:p>
-        </p:txBody>
-      </p:sp>
-      <p:pic>
-        <p:nvPicPr>
-          <p:cNvPr id="474" name="Google Shape;474;p66"/>
-          <p:cNvPicPr preferRelativeResize="0"/>
-          <p:nvPr/>
-        </p:nvPicPr>
-        <p:blipFill>
-          <a:blip r:embed="rId9">
-            <a:alphaModFix/>
-          </a:blip>
-          <a:stretch>
-            <a:fillRect/>
-          </a:stretch>
-        </p:blipFill>
-        <p:spPr>
-          <a:xfrm>
-            <a:off x="6857700" y="3329025"/>
-            <a:ext cx="476331" cy="205575"/>
-          </a:xfrm>
-          <a:prstGeom prst="rect">
-            <a:avLst/>
-          </a:prstGeom>
-          <a:noFill/>
-          <a:ln>
-            <a:noFill/>
-          </a:ln>
-        </p:spPr>
-      </p:pic>
-      <p:pic>
-        <p:nvPicPr>
-          <p:cNvPr id="475" name="Google Shape;475;p66"/>
-          <p:cNvPicPr preferRelativeResize="0"/>
-          <p:nvPr/>
-        </p:nvPicPr>
-        <p:blipFill>
-          <a:blip r:embed="rId10">
-            <a:alphaModFix/>
-          </a:blip>
-          <a:stretch>
-            <a:fillRect/>
-          </a:stretch>
-        </p:blipFill>
-        <p:spPr>
-          <a:xfrm>
-            <a:off x="4777351" y="3499700"/>
-            <a:ext cx="1856464" cy="184075"/>
-          </a:xfrm>
-          <a:prstGeom prst="rect">
-            <a:avLst/>
-          </a:prstGeom>
-          <a:noFill/>
-          <a:ln>
-            <a:noFill/>
-          </a:ln>
-        </p:spPr>
-      </p:pic>
-      <p:pic>
-        <p:nvPicPr>
-          <p:cNvPr id="476" name="Google Shape;476;p66"/>
-          <p:cNvPicPr preferRelativeResize="0"/>
-          <p:nvPr/>
-        </p:nvPicPr>
-        <p:blipFill>
-          <a:blip r:embed="rId11">
-            <a:alphaModFix/>
-          </a:blip>
-          <a:stretch>
-            <a:fillRect/>
-          </a:stretch>
-        </p:blipFill>
-        <p:spPr>
-          <a:xfrm>
-            <a:off x="4777347" y="3666000"/>
-            <a:ext cx="1890675" cy="178200"/>
-          </a:xfrm>
-          <a:prstGeom prst="rect">
-            <a:avLst/>
-          </a:prstGeom>
-          <a:noFill/>
-          <a:ln>
-            <a:noFill/>
-          </a:ln>
-        </p:spPr>
-      </p:pic>
-      <p:pic>
-        <p:nvPicPr>
-          <p:cNvPr id="477" name="Google Shape;477;p66"/>
-          <p:cNvPicPr preferRelativeResize="0"/>
-          <p:nvPr/>
-        </p:nvPicPr>
-        <p:blipFill>
-          <a:blip r:embed="rId12">
-            <a:alphaModFix/>
-          </a:blip>
-          <a:stretch>
-            <a:fillRect/>
-          </a:stretch>
-        </p:blipFill>
-        <p:spPr>
-          <a:xfrm>
-            <a:off x="5098725" y="3844199"/>
-            <a:ext cx="348900" cy="191002"/>
-          </a:xfrm>
-          <a:prstGeom prst="rect">
-            <a:avLst/>
-          </a:prstGeom>
-          <a:noFill/>
-          <a:ln>
-            <a:noFill/>
-          </a:ln>
-        </p:spPr>
-      </p:pic>
-      <p:pic>
-        <p:nvPicPr>
-          <p:cNvPr id="478" name="Google Shape;478;p66"/>
-          <p:cNvPicPr preferRelativeResize="0"/>
-          <p:nvPr/>
-        </p:nvPicPr>
-        <p:blipFill>
-          <a:blip r:embed="rId13">
-            <a:alphaModFix/>
-          </a:blip>
-          <a:stretch>
-            <a:fillRect/>
-          </a:stretch>
-        </p:blipFill>
-        <p:spPr>
-          <a:xfrm>
-            <a:off x="5504633" y="3822600"/>
-            <a:ext cx="1998093" cy="205575"/>
-          </a:xfrm>
-          <a:prstGeom prst="rect">
-            <a:avLst/>
-          </a:prstGeom>
-          <a:noFill/>
-          <a:ln>
-            <a:noFill/>
-          </a:ln>
-        </p:spPr>
-      </p:pic>
-      <p:cxnSp>
-        <p:nvCxnSpPr>
-          <p:cNvPr id="479" name="Google Shape;479;p66"/>
-          <p:cNvCxnSpPr/>
-          <p:nvPr/>
-        </p:nvCxnSpPr>
-        <p:spPr>
-          <a:xfrm flipH="1" rot="10800000">
-            <a:off x="785900" y="4678253"/>
-            <a:ext cx="3666900" cy="6300"/>
-          </a:xfrm>
-          <a:prstGeom prst="straightConnector1">
-            <a:avLst/>
-          </a:prstGeom>
-          <a:noFill/>
-          <a:ln cap="flat" cmpd="sng" w="9525">
-            <a:solidFill>
-              <a:schemeClr val="dk2"/>
-            </a:solidFill>
-            <a:prstDash val="solid"/>
-            <a:round/>
-            <a:headEnd len="med" w="med" type="none"/>
-            <a:tailEnd len="med" w="med" type="none"/>
-          </a:ln>
-        </p:spPr>
-      </p:cxnSp>
-      <p:sp>
-        <p:nvSpPr>
-          <p:cNvPr id="480" name="Google Shape;480;p66"/>
-          <p:cNvSpPr txBox="1"/>
-          <p:nvPr>
-            <p:ph type="title"/>
-          </p:nvPr>
-        </p:nvSpPr>
-        <p:spPr>
-          <a:xfrm>
-            <a:off x="785900" y="4070137"/>
-            <a:ext cx="2038800" cy="378600"/>
-          </a:xfrm>
-          <a:prstGeom prst="rect">
-            <a:avLst/>
-          </a:prstGeom>
-        </p:spPr>
-        <p:txBody>
-          <a:bodyPr anchorCtr="0" anchor="t" bIns="91425" lIns="91425" spcFirstLastPara="1" rIns="91425" wrap="square" tIns="91425">
-            <a:noAutofit/>
-          </a:bodyPr>
-          <a:lstStyle/>
-          <a:p>
-            <a:pPr indent="0" lvl="0" marL="0" rtl="0" algn="l">
-              <a:spcBef>
-                <a:spcPts val="0"/>
-              </a:spcBef>
-              <a:spcAft>
-                <a:spcPts val="0"/>
-              </a:spcAft>
-              <a:buNone/>
-            </a:pPr>
-            <a:r>
-              <a:rPr lang="en"/>
-              <a:t>Optimized time complexity: </a:t>
-            </a:r>
-            <a:endParaRPr/>
-          </a:p>
-        </p:txBody>
-      </p:sp>
-      <p:pic>
-        <p:nvPicPr>
-          <p:cNvPr id="481" name="Google Shape;481;p66"/>
-          <p:cNvPicPr preferRelativeResize="0"/>
-          <p:nvPr/>
-        </p:nvPicPr>
-        <p:blipFill>
-          <a:blip r:embed="rId14">
-            <a:alphaModFix/>
-          </a:blip>
-          <a:stretch>
-            <a:fillRect/>
-          </a:stretch>
-        </p:blipFill>
-        <p:spPr>
-          <a:xfrm>
-            <a:off x="1910175" y="4304419"/>
-            <a:ext cx="679775" cy="428781"/>
-          </a:xfrm>
-          <a:prstGeom prst="rect">
-            <a:avLst/>
-          </a:prstGeom>
-          <a:noFill/>
-          <a:ln>
-            <a:noFill/>
-          </a:ln>
-        </p:spPr>
-      </p:pic>
-    </p:spTree>
-  </p:cSld>
-  <p:clrMapOvr>
-    <a:masterClrMapping/>
-  </p:clrMapOvr>
-</p:sld>
-</file>
-
-<file path=ppt/slides/slide9.xml><?xml version="1.0" encoding="utf-8"?>
-<p:sld xmlns:a="http://schemas.openxmlformats.org/drawingml/2006/main" xmlns:r="http://schemas.openxmlformats.org/officeDocument/2006/relationships" xmlns:mc="http://schemas.openxmlformats.org/markup-compatibility/2006" xmlns:mv="urn:schemas-microsoft-com:mac:vml" xmlns:p="http://schemas.openxmlformats.org/presentationml/2006/main" xmlns:c="http://schemas.openxmlformats.org/drawingml/2006/chart" xmlns:dgm="http://schemas.openxmlformats.org/drawingml/2006/diagram" xmlns:o="urn:schemas-microsoft-com:office:office" xmlns:v="urn:schemas-microsoft-com:vml" xmlns:pvml="urn:schemas-microsoft-com:office:powerpoint" xmlns:com="http://schemas.openxmlformats.org/drawingml/2006/compatibility" xmlns:p14="http://schemas.microsoft.com/office/powerpoint/2010/main" xmlns:p15="http://schemas.microsoft.com/office/powerpoint/2012/main" xmlns:ahyp="http://schemas.microsoft.com/office/drawing/2018/hyperlinkcolor">
-  <p:cSld>
-    <p:bg>
-      <p:bgPr>
-        <a:solidFill>
-          <a:schemeClr val="accent5"/>
-        </a:solidFill>
-      </p:bgPr>
-    </p:bg>
-    <p:spTree>
-      <p:nvGrpSpPr>
-        <p:cNvPr id="485" name="Shape 485"/>
-        <p:cNvGrpSpPr/>
-        <p:nvPr/>
-      </p:nvGrpSpPr>
-      <p:grpSpPr>
-        <a:xfrm>
-          <a:off x="0" y="0"/>
-          <a:ext cx="0" cy="0"/>
-          <a:chOff x="0" y="0"/>
-          <a:chExt cx="0" cy="0"/>
-        </a:xfrm>
-      </p:grpSpPr>
-      <p:sp>
-        <p:nvSpPr>
-          <p:cNvPr id="486" name="Google Shape;486;p67"/>
-          <p:cNvSpPr txBox="1"/>
-          <p:nvPr>
-            <p:ph idx="1" type="subTitle"/>
-          </p:nvPr>
-        </p:nvSpPr>
-        <p:spPr>
-          <a:xfrm>
-            <a:off x="480425" y="290624"/>
-            <a:ext cx="7766400" cy="822000"/>
-          </a:xfrm>
-          <a:prstGeom prst="rect">
-            <a:avLst/>
-          </a:prstGeom>
-        </p:spPr>
-        <p:txBody>
-          <a:bodyPr anchorCtr="0" anchor="t" bIns="91425" lIns="91425" spcFirstLastPara="1" rIns="91425" wrap="square" tIns="91425">
-            <a:noAutofit/>
-          </a:bodyPr>
-          <a:lstStyle/>
-          <a:p>
-            <a:pPr indent="0" lvl="0" marL="0" rtl="0" algn="l">
-              <a:spcBef>
-                <a:spcPts val="0"/>
-              </a:spcBef>
-              <a:spcAft>
-                <a:spcPts val="0"/>
-              </a:spcAft>
-              <a:buNone/>
-            </a:pPr>
-            <a:r>
-              <a:rPr lang="en" sz="1800"/>
-              <a:t>Prefix Function: Algorithm Walkthrough</a:t>
-            </a:r>
-            <a:endParaRPr sz="1800"/>
-          </a:p>
-        </p:txBody>
-      </p:sp>
-      <p:sp>
-        <p:nvSpPr>
-          <p:cNvPr id="487" name="Google Shape;487;p67"/>
-          <p:cNvSpPr txBox="1"/>
-          <p:nvPr>
-            <p:ph idx="12" type="sldNum"/>
-          </p:nvPr>
-        </p:nvSpPr>
-        <p:spPr>
-          <a:xfrm>
-            <a:off x="8490529" y="250829"/>
-            <a:ext cx="348900" cy="178200"/>
-          </a:xfrm>
-          <a:prstGeom prst="rect">
-            <a:avLst/>
-          </a:prstGeom>
-        </p:spPr>
-        <p:txBody>
-          <a:bodyPr anchorCtr="0" anchor="t" bIns="91425" lIns="91425" spcFirstLastPara="1" rIns="91425" wrap="square" tIns="91425">
-            <a:noAutofit/>
-          </a:bodyPr>
-          <a:lstStyle/>
-          <a:p>
-            <a:pPr indent="0" lvl="0" marL="0" rtl="0" algn="r">
-              <a:spcBef>
-                <a:spcPts val="0"/>
-              </a:spcBef>
-              <a:spcAft>
-                <a:spcPts val="0"/>
-              </a:spcAft>
-              <a:buNone/>
-            </a:pPr>
-            <a:fld id="{00000000-1234-1234-1234-123412341234}" type="slidenum">
-              <a:rPr lang="en"/>
-              <a:t>‹#›</a:t>
-            </a:fld>
-            <a:endParaRPr/>
-          </a:p>
-        </p:txBody>
-      </p:sp>
-      <p:pic>
-        <p:nvPicPr>
-          <p:cNvPr id="488" name="Google Shape;488;p67"/>
-          <p:cNvPicPr preferRelativeResize="0"/>
-          <p:nvPr/>
-        </p:nvPicPr>
-        <p:blipFill rotWithShape="1">
-          <a:blip r:embed="rId3">
-            <a:alphaModFix/>
-          </a:blip>
-          <a:srcRect b="0" l="0" r="43854" t="0"/>
-          <a:stretch/>
-        </p:blipFill>
-        <p:spPr>
-          <a:xfrm>
-            <a:off x="480425" y="1112625"/>
-            <a:ext cx="4467074" cy="3190801"/>
-          </a:xfrm>
-          <a:prstGeom prst="rect">
-            <a:avLst/>
-          </a:prstGeom>
-          <a:noFill/>
-          <a:ln>
-            <a:noFill/>
-          </a:ln>
-        </p:spPr>
-      </p:pic>
-      <p:pic>
-        <p:nvPicPr>
-          <p:cNvPr id="489" name="Google Shape;489;p67"/>
-          <p:cNvPicPr preferRelativeResize="0"/>
-          <p:nvPr/>
-        </p:nvPicPr>
-        <p:blipFill>
-          <a:blip r:embed="rId4">
             <a:alphaModFix/>
           </a:blip>
           <a:stretch>
@@ -52636,35 +49133,7 @@
       </p:pic>
       <p:pic>
         <p:nvPicPr>
-          <p:cNvPr id="490" name="Google Shape;490;p67"/>
-          <p:cNvPicPr preferRelativeResize="0"/>
-          <p:nvPr/>
-        </p:nvPicPr>
-        <p:blipFill>
-          <a:blip r:embed="rId5">
-            <a:alphaModFix/>
-          </a:blip>
-          <a:stretch>
-            <a:fillRect/>
-          </a:stretch>
-        </p:blipFill>
-        <p:spPr>
-          <a:xfrm>
-            <a:off x="7512201" y="1112625"/>
-            <a:ext cx="734623" cy="334825"/>
-          </a:xfrm>
-          <a:prstGeom prst="rect">
-            <a:avLst/>
-          </a:prstGeom>
-          <a:noFill/>
-          <a:ln>
-            <a:noFill/>
-          </a:ln>
-        </p:spPr>
-      </p:pic>
-      <p:pic>
-        <p:nvPicPr>
-          <p:cNvPr id="491" name="Google Shape;491;p67"/>
+          <p:cNvPr id="441" name="Google Shape;441;p63"/>
           <p:cNvPicPr preferRelativeResize="0"/>
           <p:nvPr/>
         </p:nvPicPr>
@@ -52698,7 +49167,1130 @@
 </p:sld>
 </file>
 
+<file path=ppt/slides/slide6.xml><?xml version="1.0" encoding="utf-8"?>
+<p:sld xmlns:a="http://schemas.openxmlformats.org/drawingml/2006/main" xmlns:r="http://schemas.openxmlformats.org/officeDocument/2006/relationships" xmlns:mc="http://schemas.openxmlformats.org/markup-compatibility/2006" xmlns:mv="urn:schemas-microsoft-com:mac:vml" xmlns:p="http://schemas.openxmlformats.org/presentationml/2006/main" xmlns:c="http://schemas.openxmlformats.org/drawingml/2006/chart" xmlns:dgm="http://schemas.openxmlformats.org/drawingml/2006/diagram" xmlns:o="urn:schemas-microsoft-com:office:office" xmlns:v="urn:schemas-microsoft-com:vml" xmlns:pvml="urn:schemas-microsoft-com:office:powerpoint" xmlns:com="http://schemas.openxmlformats.org/drawingml/2006/compatibility" xmlns:p14="http://schemas.microsoft.com/office/powerpoint/2010/main" xmlns:p15="http://schemas.microsoft.com/office/powerpoint/2012/main" xmlns:ahyp="http://schemas.microsoft.com/office/drawing/2018/hyperlinkcolor">
+  <p:cSld>
+    <p:bg>
+      <p:bgPr>
+        <a:solidFill>
+          <a:schemeClr val="accent5"/>
+        </a:solidFill>
+      </p:bgPr>
+    </p:bg>
+    <p:spTree>
+      <p:nvGrpSpPr>
+        <p:cNvPr id="445" name="Shape 445"/>
+        <p:cNvGrpSpPr/>
+        <p:nvPr/>
+      </p:nvGrpSpPr>
+      <p:grpSpPr>
+        <a:xfrm>
+          <a:off x="0" y="0"/>
+          <a:ext cx="0" cy="0"/>
+          <a:chOff x="0" y="0"/>
+          <a:chExt cx="0" cy="0"/>
+        </a:xfrm>
+      </p:grpSpPr>
+      <p:sp>
+        <p:nvSpPr>
+          <p:cNvPr id="446" name="Google Shape;446;p64"/>
+          <p:cNvSpPr txBox="1"/>
+          <p:nvPr>
+            <p:ph idx="4" type="title"/>
+          </p:nvPr>
+        </p:nvSpPr>
+        <p:spPr>
+          <a:xfrm>
+            <a:off x="480425" y="905800"/>
+            <a:ext cx="7766400" cy="386700"/>
+          </a:xfrm>
+          <a:prstGeom prst="rect">
+            <a:avLst/>
+          </a:prstGeom>
+        </p:spPr>
+        <p:txBody>
+          <a:bodyPr anchorCtr="0" anchor="t" bIns="91425" lIns="91425" spcFirstLastPara="1" rIns="91425" wrap="square" tIns="91425">
+            <a:noAutofit/>
+          </a:bodyPr>
+          <a:lstStyle/>
+          <a:p>
+            <a:pPr indent="0" lvl="0" marL="0" rtl="0" algn="l">
+              <a:spcBef>
+                <a:spcPts val="0"/>
+              </a:spcBef>
+              <a:spcAft>
+                <a:spcPts val="0"/>
+              </a:spcAft>
+              <a:buClr>
+                <a:schemeClr val="lt1"/>
+              </a:buClr>
+              <a:buSzPts val="1100"/>
+              <a:buFont typeface="Arial"/>
+              <a:buNone/>
+            </a:pPr>
+            <a:r>
+              <a:rPr lang="en"/>
+              <a:t>Key Question: How can we use prefix matching to search for a substring in a text? </a:t>
+            </a:r>
+            <a:endParaRPr/>
+          </a:p>
+          <a:p>
+            <a:pPr indent="0" lvl="0" marL="0" rtl="0" algn="l">
+              <a:spcBef>
+                <a:spcPts val="0"/>
+              </a:spcBef>
+              <a:spcAft>
+                <a:spcPts val="0"/>
+              </a:spcAft>
+              <a:buNone/>
+            </a:pPr>
+            <a:r>
+              <a:t/>
+            </a:r>
+            <a:endParaRPr/>
+          </a:p>
+        </p:txBody>
+      </p:sp>
+      <p:cxnSp>
+        <p:nvCxnSpPr>
+          <p:cNvPr id="447" name="Google Shape;447;p64"/>
+          <p:cNvCxnSpPr/>
+          <p:nvPr/>
+        </p:nvCxnSpPr>
+        <p:spPr>
+          <a:xfrm>
+            <a:off x="556050" y="1292500"/>
+            <a:ext cx="4992600" cy="5100"/>
+          </a:xfrm>
+          <a:prstGeom prst="straightConnector1">
+            <a:avLst/>
+          </a:prstGeom>
+          <a:noFill/>
+          <a:ln cap="flat" cmpd="sng" w="9525">
+            <a:solidFill>
+              <a:schemeClr val="dk2"/>
+            </a:solidFill>
+            <a:prstDash val="solid"/>
+            <a:round/>
+            <a:headEnd len="med" w="med" type="none"/>
+            <a:tailEnd len="med" w="med" type="none"/>
+          </a:ln>
+        </p:spPr>
+      </p:cxnSp>
+      <p:sp>
+        <p:nvSpPr>
+          <p:cNvPr id="448" name="Google Shape;448;p64"/>
+          <p:cNvSpPr txBox="1"/>
+          <p:nvPr>
+            <p:ph idx="1" type="subTitle"/>
+          </p:nvPr>
+        </p:nvSpPr>
+        <p:spPr>
+          <a:xfrm>
+            <a:off x="480425" y="290625"/>
+            <a:ext cx="7766400" cy="458100"/>
+          </a:xfrm>
+          <a:prstGeom prst="rect">
+            <a:avLst/>
+          </a:prstGeom>
+        </p:spPr>
+        <p:txBody>
+          <a:bodyPr anchorCtr="0" anchor="t" bIns="91425" lIns="91425" spcFirstLastPara="1" rIns="91425" wrap="square" tIns="91425">
+            <a:noAutofit/>
+          </a:bodyPr>
+          <a:lstStyle/>
+          <a:p>
+            <a:pPr indent="0" lvl="0" marL="0" rtl="0" algn="l">
+              <a:spcBef>
+                <a:spcPts val="0"/>
+              </a:spcBef>
+              <a:spcAft>
+                <a:spcPts val="0"/>
+              </a:spcAft>
+              <a:buNone/>
+            </a:pPr>
+            <a:r>
+              <a:rPr lang="en" sz="1800"/>
+              <a:t>Knuth-Morris-Pratt Algorithm</a:t>
+            </a:r>
+            <a:endParaRPr sz="1800"/>
+          </a:p>
+        </p:txBody>
+      </p:sp>
+      <p:sp>
+        <p:nvSpPr>
+          <p:cNvPr id="449" name="Google Shape;449;p64"/>
+          <p:cNvSpPr txBox="1"/>
+          <p:nvPr>
+            <p:ph idx="12" type="sldNum"/>
+          </p:nvPr>
+        </p:nvSpPr>
+        <p:spPr>
+          <a:xfrm>
+            <a:off x="8490529" y="250829"/>
+            <a:ext cx="348900" cy="178200"/>
+          </a:xfrm>
+          <a:prstGeom prst="rect">
+            <a:avLst/>
+          </a:prstGeom>
+        </p:spPr>
+        <p:txBody>
+          <a:bodyPr anchorCtr="0" anchor="t" bIns="91425" lIns="91425" spcFirstLastPara="1" rIns="91425" wrap="square" tIns="91425">
+            <a:noAutofit/>
+          </a:bodyPr>
+          <a:lstStyle/>
+          <a:p>
+            <a:pPr indent="0" lvl="0" marL="0" rtl="0" algn="r">
+              <a:spcBef>
+                <a:spcPts val="0"/>
+              </a:spcBef>
+              <a:spcAft>
+                <a:spcPts val="0"/>
+              </a:spcAft>
+              <a:buNone/>
+            </a:pPr>
+            <a:fld id="{00000000-1234-1234-1234-123412341234}" type="slidenum">
+              <a:rPr lang="en"/>
+              <a:t>‹#›</a:t>
+            </a:fld>
+            <a:endParaRPr/>
+          </a:p>
+        </p:txBody>
+      </p:sp>
+      <p:sp>
+        <p:nvSpPr>
+          <p:cNvPr id="450" name="Google Shape;450;p64"/>
+          <p:cNvSpPr txBox="1"/>
+          <p:nvPr>
+            <p:ph idx="4" type="title"/>
+          </p:nvPr>
+        </p:nvSpPr>
+        <p:spPr>
+          <a:xfrm>
+            <a:off x="480425" y="1349000"/>
+            <a:ext cx="6585600" cy="3193800"/>
+          </a:xfrm>
+          <a:prstGeom prst="rect">
+            <a:avLst/>
+          </a:prstGeom>
+        </p:spPr>
+        <p:txBody>
+          <a:bodyPr anchorCtr="0" anchor="t" bIns="91425" lIns="91425" spcFirstLastPara="1" rIns="91425" wrap="square" tIns="91425">
+            <a:noAutofit/>
+          </a:bodyPr>
+          <a:lstStyle/>
+          <a:p>
+            <a:pPr indent="0" lvl="0" marL="0" rtl="0" algn="l">
+              <a:spcBef>
+                <a:spcPts val="0"/>
+              </a:spcBef>
+              <a:spcAft>
+                <a:spcPts val="0"/>
+              </a:spcAft>
+              <a:buNone/>
+            </a:pPr>
+            <a:r>
+              <a:rPr lang="en"/>
+              <a:t>Insight:</a:t>
+            </a:r>
+            <a:endParaRPr/>
+          </a:p>
+          <a:p>
+            <a:pPr indent="0" lvl="0" marL="0" rtl="0" algn="l">
+              <a:spcBef>
+                <a:spcPts val="0"/>
+              </a:spcBef>
+              <a:spcAft>
+                <a:spcPts val="0"/>
+              </a:spcAft>
+              <a:buNone/>
+            </a:pPr>
+            <a:r>
+              <a:t/>
+            </a:r>
+            <a:endParaRPr/>
+          </a:p>
+          <a:p>
+            <a:pPr indent="0" lvl="0" marL="0" rtl="0" algn="l">
+              <a:spcBef>
+                <a:spcPts val="0"/>
+              </a:spcBef>
+              <a:spcAft>
+                <a:spcPts val="0"/>
+              </a:spcAft>
+              <a:buNone/>
+            </a:pPr>
+            <a:r>
+              <a:rPr b="1" lang="en">
+                <a:latin typeface="Barlow"/>
+                <a:ea typeface="Barlow"/>
+                <a:cs typeface="Barlow"/>
+                <a:sym typeface="Barlow"/>
+              </a:rPr>
+              <a:t>The prefix matching algorithm compares the strings at the start (the prefix) and the end (the suffix) at the current position. </a:t>
+            </a:r>
+            <a:endParaRPr b="1">
+              <a:latin typeface="Barlow"/>
+              <a:ea typeface="Barlow"/>
+              <a:cs typeface="Barlow"/>
+              <a:sym typeface="Barlow"/>
+            </a:endParaRPr>
+          </a:p>
+        </p:txBody>
+      </p:sp>
+      <p:pic>
+        <p:nvPicPr>
+          <p:cNvPr id="451" name="Google Shape;451;p64"/>
+          <p:cNvPicPr preferRelativeResize="0"/>
+          <p:nvPr/>
+        </p:nvPicPr>
+        <p:blipFill>
+          <a:blip r:embed="rId3">
+            <a:alphaModFix/>
+          </a:blip>
+          <a:stretch>
+            <a:fillRect/>
+          </a:stretch>
+        </p:blipFill>
+        <p:spPr>
+          <a:xfrm>
+            <a:off x="2693163" y="2947350"/>
+            <a:ext cx="3757675" cy="809666"/>
+          </a:xfrm>
+          <a:prstGeom prst="rect">
+            <a:avLst/>
+          </a:prstGeom>
+          <a:noFill/>
+          <a:ln>
+            <a:noFill/>
+          </a:ln>
+        </p:spPr>
+      </p:pic>
+    </p:spTree>
+  </p:cSld>
+  <p:clrMapOvr>
+    <a:masterClrMapping/>
+  </p:clrMapOvr>
+</p:sld>
+</file>
+
+<file path=ppt/slides/slide7.xml><?xml version="1.0" encoding="utf-8"?>
+<p:sld xmlns:a="http://schemas.openxmlformats.org/drawingml/2006/main" xmlns:r="http://schemas.openxmlformats.org/officeDocument/2006/relationships" xmlns:mc="http://schemas.openxmlformats.org/markup-compatibility/2006" xmlns:mv="urn:schemas-microsoft-com:mac:vml" xmlns:p="http://schemas.openxmlformats.org/presentationml/2006/main" xmlns:c="http://schemas.openxmlformats.org/drawingml/2006/chart" xmlns:dgm="http://schemas.openxmlformats.org/drawingml/2006/diagram" xmlns:o="urn:schemas-microsoft-com:office:office" xmlns:v="urn:schemas-microsoft-com:vml" xmlns:pvml="urn:schemas-microsoft-com:office:powerpoint" xmlns:com="http://schemas.openxmlformats.org/drawingml/2006/compatibility" xmlns:p14="http://schemas.microsoft.com/office/powerpoint/2010/main" xmlns:p15="http://schemas.microsoft.com/office/powerpoint/2012/main" xmlns:ahyp="http://schemas.microsoft.com/office/drawing/2018/hyperlinkcolor">
+  <p:cSld>
+    <p:bg>
+      <p:bgPr>
+        <a:solidFill>
+          <a:schemeClr val="accent5"/>
+        </a:solidFill>
+      </p:bgPr>
+    </p:bg>
+    <p:spTree>
+      <p:nvGrpSpPr>
+        <p:cNvPr id="455" name="Shape 455"/>
+        <p:cNvGrpSpPr/>
+        <p:nvPr/>
+      </p:nvGrpSpPr>
+      <p:grpSpPr>
+        <a:xfrm>
+          <a:off x="0" y="0"/>
+          <a:ext cx="0" cy="0"/>
+          <a:chOff x="0" y="0"/>
+          <a:chExt cx="0" cy="0"/>
+        </a:xfrm>
+      </p:grpSpPr>
+      <p:sp>
+        <p:nvSpPr>
+          <p:cNvPr id="456" name="Google Shape;456;p65"/>
+          <p:cNvSpPr txBox="1"/>
+          <p:nvPr>
+            <p:ph idx="1" type="subTitle"/>
+          </p:nvPr>
+        </p:nvSpPr>
+        <p:spPr>
+          <a:xfrm>
+            <a:off x="480425" y="290625"/>
+            <a:ext cx="7766400" cy="458100"/>
+          </a:xfrm>
+          <a:prstGeom prst="rect">
+            <a:avLst/>
+          </a:prstGeom>
+        </p:spPr>
+        <p:txBody>
+          <a:bodyPr anchorCtr="0" anchor="t" bIns="91425" lIns="91425" spcFirstLastPara="1" rIns="91425" wrap="square" tIns="91425">
+            <a:noAutofit/>
+          </a:bodyPr>
+          <a:lstStyle/>
+          <a:p>
+            <a:pPr indent="0" lvl="0" marL="0" rtl="0" algn="l">
+              <a:spcBef>
+                <a:spcPts val="0"/>
+              </a:spcBef>
+              <a:spcAft>
+                <a:spcPts val="0"/>
+              </a:spcAft>
+              <a:buNone/>
+            </a:pPr>
+            <a:r>
+              <a:rPr lang="en" sz="1800"/>
+              <a:t>Knuth-Morris-Pratt Algorithm</a:t>
+            </a:r>
+            <a:endParaRPr sz="1800"/>
+          </a:p>
+        </p:txBody>
+      </p:sp>
+      <p:sp>
+        <p:nvSpPr>
+          <p:cNvPr id="457" name="Google Shape;457;p65"/>
+          <p:cNvSpPr txBox="1"/>
+          <p:nvPr>
+            <p:ph idx="12" type="sldNum"/>
+          </p:nvPr>
+        </p:nvSpPr>
+        <p:spPr>
+          <a:xfrm>
+            <a:off x="8490529" y="250829"/>
+            <a:ext cx="348900" cy="178200"/>
+          </a:xfrm>
+          <a:prstGeom prst="rect">
+            <a:avLst/>
+          </a:prstGeom>
+        </p:spPr>
+        <p:txBody>
+          <a:bodyPr anchorCtr="0" anchor="t" bIns="91425" lIns="91425" spcFirstLastPara="1" rIns="91425" wrap="square" tIns="91425">
+            <a:noAutofit/>
+          </a:bodyPr>
+          <a:lstStyle/>
+          <a:p>
+            <a:pPr indent="0" lvl="0" marL="0" rtl="0" algn="r">
+              <a:spcBef>
+                <a:spcPts val="0"/>
+              </a:spcBef>
+              <a:spcAft>
+                <a:spcPts val="0"/>
+              </a:spcAft>
+              <a:buNone/>
+            </a:pPr>
+            <a:fld id="{00000000-1234-1234-1234-123412341234}" type="slidenum">
+              <a:rPr lang="en"/>
+              <a:t>‹#›</a:t>
+            </a:fld>
+            <a:endParaRPr/>
+          </a:p>
+        </p:txBody>
+      </p:sp>
+      <p:sp>
+        <p:nvSpPr>
+          <p:cNvPr id="458" name="Google Shape;458;p65"/>
+          <p:cNvSpPr txBox="1"/>
+          <p:nvPr>
+            <p:ph idx="4" type="title"/>
+          </p:nvPr>
+        </p:nvSpPr>
+        <p:spPr>
+          <a:xfrm>
+            <a:off x="480425" y="853725"/>
+            <a:ext cx="6585600" cy="3689100"/>
+          </a:xfrm>
+          <a:prstGeom prst="rect">
+            <a:avLst/>
+          </a:prstGeom>
+        </p:spPr>
+        <p:txBody>
+          <a:bodyPr anchorCtr="0" anchor="t" bIns="91425" lIns="91425" spcFirstLastPara="1" rIns="91425" wrap="square" tIns="91425">
+            <a:noAutofit/>
+          </a:bodyPr>
+          <a:lstStyle/>
+          <a:p>
+            <a:pPr indent="0" lvl="0" marL="0" rtl="0" algn="l">
+              <a:spcBef>
+                <a:spcPts val="0"/>
+              </a:spcBef>
+              <a:spcAft>
+                <a:spcPts val="0"/>
+              </a:spcAft>
+              <a:buNone/>
+            </a:pPr>
+            <a:r>
+              <a:rPr lang="en" sz="2000"/>
+              <a:t>Place the substring before the text, separated by a separator that is present in neither string.</a:t>
+            </a:r>
+            <a:endParaRPr sz="2000"/>
+          </a:p>
+          <a:p>
+            <a:pPr indent="0" lvl="0" marL="0" rtl="0" algn="l">
+              <a:spcBef>
+                <a:spcPts val="0"/>
+              </a:spcBef>
+              <a:spcAft>
+                <a:spcPts val="0"/>
+              </a:spcAft>
+              <a:buNone/>
+            </a:pPr>
+            <a:r>
+              <a:t/>
+            </a:r>
+            <a:endParaRPr/>
+          </a:p>
+          <a:p>
+            <a:pPr indent="0" lvl="0" marL="0" rtl="0" algn="l">
+              <a:spcBef>
+                <a:spcPts val="0"/>
+              </a:spcBef>
+              <a:spcAft>
+                <a:spcPts val="0"/>
+              </a:spcAft>
+              <a:buNone/>
+            </a:pPr>
+            <a:r>
+              <a:t/>
+            </a:r>
+            <a:endParaRPr/>
+          </a:p>
+        </p:txBody>
+      </p:sp>
+      <p:pic>
+        <p:nvPicPr>
+          <p:cNvPr id="459" name="Google Shape;459;p65"/>
+          <p:cNvPicPr preferRelativeResize="0"/>
+          <p:nvPr/>
+        </p:nvPicPr>
+        <p:blipFill>
+          <a:blip r:embed="rId3">
+            <a:alphaModFix/>
+          </a:blip>
+          <a:stretch>
+            <a:fillRect/>
+          </a:stretch>
+        </p:blipFill>
+        <p:spPr>
+          <a:xfrm>
+            <a:off x="1931325" y="2131638"/>
+            <a:ext cx="5281350" cy="880225"/>
+          </a:xfrm>
+          <a:prstGeom prst="rect">
+            <a:avLst/>
+          </a:prstGeom>
+          <a:noFill/>
+          <a:ln>
+            <a:noFill/>
+          </a:ln>
+        </p:spPr>
+      </p:pic>
+      <p:sp>
+        <p:nvSpPr>
+          <p:cNvPr id="460" name="Google Shape;460;p65"/>
+          <p:cNvSpPr txBox="1"/>
+          <p:nvPr>
+            <p:ph idx="4" type="title"/>
+          </p:nvPr>
+        </p:nvSpPr>
+        <p:spPr>
+          <a:xfrm>
+            <a:off x="480425" y="3811200"/>
+            <a:ext cx="5725500" cy="634800"/>
+          </a:xfrm>
+          <a:prstGeom prst="rect">
+            <a:avLst/>
+          </a:prstGeom>
+        </p:spPr>
+        <p:txBody>
+          <a:bodyPr anchorCtr="0" anchor="t" bIns="91425" lIns="91425" spcFirstLastPara="1" rIns="91425" wrap="square" tIns="91425">
+            <a:noAutofit/>
+          </a:bodyPr>
+          <a:lstStyle/>
+          <a:p>
+            <a:pPr indent="0" lvl="0" marL="0" rtl="0" algn="l">
+              <a:spcBef>
+                <a:spcPts val="0"/>
+              </a:spcBef>
+              <a:spcAft>
+                <a:spcPts val="0"/>
+              </a:spcAft>
+              <a:buNone/>
+            </a:pPr>
+            <a:r>
+              <a:rPr lang="en" sz="2000"/>
+              <a:t>Space complexity is </a:t>
+            </a:r>
+            <a:r>
+              <a:rPr b="1" lang="en" sz="2000">
+                <a:latin typeface="Barlow"/>
+                <a:ea typeface="Barlow"/>
+                <a:cs typeface="Barlow"/>
+                <a:sym typeface="Barlow"/>
+              </a:rPr>
+              <a:t>O(m)</a:t>
+            </a:r>
+            <a:endParaRPr sz="2000"/>
+          </a:p>
+          <a:p>
+            <a:pPr indent="0" lvl="0" marL="0" rtl="0" algn="l">
+              <a:spcBef>
+                <a:spcPts val="0"/>
+              </a:spcBef>
+              <a:spcAft>
+                <a:spcPts val="0"/>
+              </a:spcAft>
+              <a:buNone/>
+            </a:pPr>
+            <a:r>
+              <a:rPr lang="en" sz="2000"/>
+              <a:t>Time complexity is </a:t>
+            </a:r>
+            <a:r>
+              <a:rPr b="1" lang="en" sz="2000">
+                <a:latin typeface="Barlow"/>
+                <a:ea typeface="Barlow"/>
+                <a:cs typeface="Barlow"/>
+                <a:sym typeface="Barlow"/>
+              </a:rPr>
+              <a:t>O(m+n)</a:t>
+            </a:r>
+            <a:endParaRPr sz="2000"/>
+          </a:p>
+        </p:txBody>
+      </p:sp>
+    </p:spTree>
+  </p:cSld>
+  <p:clrMapOvr>
+    <a:masterClrMapping/>
+  </p:clrMapOvr>
+</p:sld>
+</file>
+
+<file path=ppt/slides/slide8.xml><?xml version="1.0" encoding="utf-8"?>
+<p:sld xmlns:a="http://schemas.openxmlformats.org/drawingml/2006/main" xmlns:r="http://schemas.openxmlformats.org/officeDocument/2006/relationships" xmlns:mc="http://schemas.openxmlformats.org/markup-compatibility/2006" xmlns:mv="urn:schemas-microsoft-com:mac:vml" xmlns:p="http://schemas.openxmlformats.org/presentationml/2006/main" xmlns:c="http://schemas.openxmlformats.org/drawingml/2006/chart" xmlns:dgm="http://schemas.openxmlformats.org/drawingml/2006/diagram" xmlns:o="urn:schemas-microsoft-com:office:office" xmlns:v="urn:schemas-microsoft-com:vml" xmlns:pvml="urn:schemas-microsoft-com:office:powerpoint" xmlns:com="http://schemas.openxmlformats.org/drawingml/2006/compatibility" xmlns:p14="http://schemas.microsoft.com/office/powerpoint/2010/main" xmlns:p15="http://schemas.microsoft.com/office/powerpoint/2012/main" xmlns:ahyp="http://schemas.microsoft.com/office/drawing/2018/hyperlinkcolor">
+  <p:cSld>
+    <p:bg>
+      <p:bgPr>
+        <a:solidFill>
+          <a:schemeClr val="accent5"/>
+        </a:solidFill>
+      </p:bgPr>
+    </p:bg>
+    <p:spTree>
+      <p:nvGrpSpPr>
+        <p:cNvPr id="464" name="Shape 464"/>
+        <p:cNvGrpSpPr/>
+        <p:nvPr/>
+      </p:nvGrpSpPr>
+      <p:grpSpPr>
+        <a:xfrm>
+          <a:off x="0" y="0"/>
+          <a:ext cx="0" cy="0"/>
+          <a:chOff x="0" y="0"/>
+          <a:chExt cx="0" cy="0"/>
+        </a:xfrm>
+      </p:grpSpPr>
+      <p:sp>
+        <p:nvSpPr>
+          <p:cNvPr id="465" name="Google Shape;465;p66"/>
+          <p:cNvSpPr txBox="1"/>
+          <p:nvPr>
+            <p:ph idx="1" type="subTitle"/>
+          </p:nvPr>
+        </p:nvSpPr>
+        <p:spPr>
+          <a:xfrm>
+            <a:off x="480425" y="290625"/>
+            <a:ext cx="7766400" cy="458100"/>
+          </a:xfrm>
+          <a:prstGeom prst="rect">
+            <a:avLst/>
+          </a:prstGeom>
+        </p:spPr>
+        <p:txBody>
+          <a:bodyPr anchorCtr="0" anchor="t" bIns="91425" lIns="91425" spcFirstLastPara="1" rIns="91425" wrap="square" tIns="91425">
+            <a:noAutofit/>
+          </a:bodyPr>
+          <a:lstStyle/>
+          <a:p>
+            <a:pPr indent="0" lvl="0" marL="0" rtl="0" algn="l">
+              <a:spcBef>
+                <a:spcPts val="0"/>
+              </a:spcBef>
+              <a:spcAft>
+                <a:spcPts val="0"/>
+              </a:spcAft>
+              <a:buNone/>
+            </a:pPr>
+            <a:r>
+              <a:rPr lang="en" sz="1800"/>
+              <a:t>Similar Algorithms</a:t>
+            </a:r>
+            <a:endParaRPr sz="1800"/>
+          </a:p>
+        </p:txBody>
+      </p:sp>
+      <p:sp>
+        <p:nvSpPr>
+          <p:cNvPr id="466" name="Google Shape;466;p66"/>
+          <p:cNvSpPr txBox="1"/>
+          <p:nvPr>
+            <p:ph idx="12" type="sldNum"/>
+          </p:nvPr>
+        </p:nvSpPr>
+        <p:spPr>
+          <a:xfrm>
+            <a:off x="8490529" y="250829"/>
+            <a:ext cx="348900" cy="178200"/>
+          </a:xfrm>
+          <a:prstGeom prst="rect">
+            <a:avLst/>
+          </a:prstGeom>
+        </p:spPr>
+        <p:txBody>
+          <a:bodyPr anchorCtr="0" anchor="t" bIns="91425" lIns="91425" spcFirstLastPara="1" rIns="91425" wrap="square" tIns="91425">
+            <a:noAutofit/>
+          </a:bodyPr>
+          <a:lstStyle/>
+          <a:p>
+            <a:pPr indent="0" lvl="0" marL="0" rtl="0" algn="r">
+              <a:spcBef>
+                <a:spcPts val="0"/>
+              </a:spcBef>
+              <a:spcAft>
+                <a:spcPts val="0"/>
+              </a:spcAft>
+              <a:buNone/>
+            </a:pPr>
+            <a:fld id="{00000000-1234-1234-1234-123412341234}" type="slidenum">
+              <a:rPr lang="en"/>
+              <a:t>‹#›</a:t>
+            </a:fld>
+            <a:endParaRPr/>
+          </a:p>
+        </p:txBody>
+      </p:sp>
+      <p:sp>
+        <p:nvSpPr>
+          <p:cNvPr id="467" name="Google Shape;467;p66"/>
+          <p:cNvSpPr txBox="1"/>
+          <p:nvPr>
+            <p:ph idx="4" type="title"/>
+          </p:nvPr>
+        </p:nvSpPr>
+        <p:spPr>
+          <a:xfrm>
+            <a:off x="480425" y="727200"/>
+            <a:ext cx="6585600" cy="3689100"/>
+          </a:xfrm>
+          <a:prstGeom prst="rect">
+            <a:avLst/>
+          </a:prstGeom>
+        </p:spPr>
+        <p:txBody>
+          <a:bodyPr anchorCtr="0" anchor="t" bIns="91425" lIns="91425" spcFirstLastPara="1" rIns="91425" wrap="square" tIns="91425">
+            <a:noAutofit/>
+          </a:bodyPr>
+          <a:lstStyle/>
+          <a:p>
+            <a:pPr indent="0" lvl="0" marL="0" rtl="0" algn="l">
+              <a:spcBef>
+                <a:spcPts val="0"/>
+              </a:spcBef>
+              <a:spcAft>
+                <a:spcPts val="0"/>
+              </a:spcAft>
+              <a:buNone/>
+            </a:pPr>
+            <a:r>
+              <a:rPr lang="en" sz="2200"/>
+              <a:t>Rabin-Karp String Matching</a:t>
+            </a:r>
+            <a:endParaRPr sz="2200"/>
+          </a:p>
+          <a:p>
+            <a:pPr indent="-368300" lvl="0" marL="457200" rtl="0" algn="l">
+              <a:spcBef>
+                <a:spcPts val="0"/>
+              </a:spcBef>
+              <a:spcAft>
+                <a:spcPts val="0"/>
+              </a:spcAft>
+              <a:buSzPts val="2200"/>
+              <a:buChar char="-"/>
+            </a:pPr>
+            <a:r>
+              <a:rPr lang="en" sz="2200"/>
+              <a:t>Uses hash values of individual characters and strings</a:t>
+            </a:r>
+            <a:endParaRPr sz="2200"/>
+          </a:p>
+          <a:p>
+            <a:pPr indent="-368300" lvl="0" marL="457200" rtl="0" algn="l">
+              <a:spcBef>
+                <a:spcPts val="0"/>
+              </a:spcBef>
+              <a:spcAft>
+                <a:spcPts val="0"/>
+              </a:spcAft>
+              <a:buSzPts val="2200"/>
+              <a:buChar char="-"/>
+            </a:pPr>
+            <a:r>
+              <a:rPr lang="en" sz="2200"/>
+              <a:t>Requires being able to hash sequential elements</a:t>
+            </a:r>
+            <a:endParaRPr sz="2200"/>
+          </a:p>
+          <a:p>
+            <a:pPr indent="-368300" lvl="0" marL="457200" rtl="0" algn="l">
+              <a:spcBef>
+                <a:spcPts val="0"/>
+              </a:spcBef>
+              <a:spcAft>
+                <a:spcPts val="0"/>
+              </a:spcAft>
+              <a:buSzPts val="2200"/>
+              <a:buChar char="-"/>
+            </a:pPr>
+            <a:r>
+              <a:rPr lang="en" sz="2200"/>
+              <a:t>Might produce spurious hits (equal hashes but not equal substrings)</a:t>
+            </a:r>
+            <a:endParaRPr sz="2200"/>
+          </a:p>
+          <a:p>
+            <a:pPr indent="0" lvl="0" marL="0" rtl="0" algn="l">
+              <a:spcBef>
+                <a:spcPts val="0"/>
+              </a:spcBef>
+              <a:spcAft>
+                <a:spcPts val="0"/>
+              </a:spcAft>
+              <a:buNone/>
+            </a:pPr>
+            <a:r>
+              <a:rPr lang="en" sz="2200"/>
+              <a:t>Aho-Corasick Algorithms</a:t>
+            </a:r>
+            <a:endParaRPr sz="2200"/>
+          </a:p>
+          <a:p>
+            <a:pPr indent="-368300" lvl="0" marL="457200" rtl="0" algn="l">
+              <a:spcBef>
+                <a:spcPts val="0"/>
+              </a:spcBef>
+              <a:spcAft>
+                <a:spcPts val="0"/>
+              </a:spcAft>
+              <a:buSzPts val="2200"/>
+              <a:buChar char="-"/>
+            </a:pPr>
+            <a:r>
+              <a:rPr lang="en" sz="2200"/>
+              <a:t>Builds a search trie to keep track of suffix/prefix patterns</a:t>
+            </a:r>
+            <a:endParaRPr sz="2200"/>
+          </a:p>
+          <a:p>
+            <a:pPr indent="-368300" lvl="0" marL="457200" rtl="0" algn="l">
+              <a:spcBef>
+                <a:spcPts val="0"/>
+              </a:spcBef>
+              <a:spcAft>
+                <a:spcPts val="0"/>
+              </a:spcAft>
+              <a:buSzPts val="2200"/>
+              <a:buChar char="-"/>
+            </a:pPr>
+            <a:r>
+              <a:rPr lang="en" sz="2200"/>
+              <a:t>Requires high initial overhead to build trie</a:t>
+            </a:r>
+            <a:endParaRPr sz="2200"/>
+          </a:p>
+        </p:txBody>
+      </p:sp>
+    </p:spTree>
+  </p:cSld>
+  <p:clrMapOvr>
+    <a:masterClrMapping/>
+  </p:clrMapOvr>
+</p:sld>
+</file>
+
 <file path=ppt/theme/theme1.xml><?xml version="1.0" encoding="utf-8"?>
+<a:theme xmlns:a="http://schemas.openxmlformats.org/drawingml/2006/main" xmlns:r="http://schemas.openxmlformats.org/officeDocument/2006/relationships" name="Simple Light">
+  <a:themeElements>
+    <a:clrScheme name="Simple Light">
+      <a:dk1>
+        <a:srgbClr val="000000"/>
+      </a:dk1>
+      <a:lt1>
+        <a:srgbClr val="FFFFFF"/>
+      </a:lt1>
+      <a:dk2>
+        <a:srgbClr val="595959"/>
+      </a:dk2>
+      <a:lt2>
+        <a:srgbClr val="EEEEEE"/>
+      </a:lt2>
+      <a:accent1>
+        <a:srgbClr val="4285F4"/>
+      </a:accent1>
+      <a:accent2>
+        <a:srgbClr val="212121"/>
+      </a:accent2>
+      <a:accent3>
+        <a:srgbClr val="78909C"/>
+      </a:accent3>
+      <a:accent4>
+        <a:srgbClr val="FFAB40"/>
+      </a:accent4>
+      <a:accent5>
+        <a:srgbClr val="0097A7"/>
+      </a:accent5>
+      <a:accent6>
+        <a:srgbClr val="EEFF41"/>
+      </a:accent6>
+      <a:hlink>
+        <a:srgbClr val="0097A7"/>
+      </a:hlink>
+      <a:folHlink>
+        <a:srgbClr val="0097A7"/>
+      </a:folHlink>
+    </a:clrScheme>
+    <a:fontScheme name="Office">
+      <a:majorFont>
+        <a:latin typeface="Arial"/>
+        <a:ea typeface=""/>
+        <a:cs typeface=""/>
+        <a:font script="Jpan" typeface="ＭＳ Ｐゴシック"/>
+        <a:font script="Hang" typeface="맑은 고딕"/>
+        <a:font script="Hans" typeface="宋体"/>
+        <a:font script="Hant" typeface="新細明體"/>
+        <a:font script="Arab" typeface="Times New Roman"/>
+        <a:font script="Hebr" typeface="Times New Roman"/>
+        <a:font script="Thai" typeface="Angsana New"/>
+        <a:font script="Ethi" typeface="Nyala"/>
+        <a:font script="Beng" typeface="Vrinda"/>
+        <a:font script="Gujr" typeface="Shruti"/>
+        <a:font script="Khmr" typeface="MoolBoran"/>
+        <a:font script="Knda" typeface="Tunga"/>
+        <a:font script="Guru" typeface="Raavi"/>
+        <a:font script="Cans" typeface="Euphemia"/>
+        <a:font script="Cher" typeface="Plantagenet Cherokee"/>
+        <a:font script="Yiii" typeface="Microsoft Yi Baiti"/>
+        <a:font script="Tibt" typeface="Microsoft Himalaya"/>
+        <a:font script="Thaa" typeface="MV Boli"/>
+        <a:font script="Deva" typeface="Mangal"/>
+        <a:font script="Telu" typeface="Gautami"/>
+        <a:font script="Taml" typeface="Latha"/>
+        <a:font script="Syrc" typeface="Estrangelo Edessa"/>
+        <a:font script="Orya" typeface="Kalinga"/>
+        <a:font script="Mlym" typeface="Kartika"/>
+        <a:font script="Laoo" typeface="DokChampa"/>
+        <a:font script="Sinh" typeface="Iskoola Pota"/>
+        <a:font script="Mong" typeface="Mongolian Baiti"/>
+        <a:font script="Viet" typeface="Times New Roman"/>
+        <a:font script="Uigh" typeface="Microsoft Uighur"/>
+        <a:font script="Geor" typeface="Sylfaen"/>
+      </a:majorFont>
+      <a:minorFont>
+        <a:latin typeface="Arial"/>
+        <a:ea typeface=""/>
+        <a:cs typeface=""/>
+        <a:font script="Jpan" typeface="ＭＳ Ｐゴシック"/>
+        <a:font script="Hang" typeface="맑은 고딕"/>
+        <a:font script="Hans" typeface="宋体"/>
+        <a:font script="Hant" typeface="新細明體"/>
+        <a:font script="Arab" typeface="Arial"/>
+        <a:font script="Hebr" typeface="Arial"/>
+        <a:font script="Thai" typeface="Cordia New"/>
+        <a:font script="Ethi" typeface="Nyala"/>
+        <a:font script="Beng" typeface="Vrinda"/>
+        <a:font script="Gujr" typeface="Shruti"/>
+        <a:font script="Khmr" typeface="DaunPenh"/>
+        <a:font script="Knda" typeface="Tunga"/>
+        <a:font script="Guru" typeface="Raavi"/>
+        <a:font script="Cans" typeface="Euphemia"/>
+        <a:font script="Cher" typeface="Plantagenet Cherokee"/>
+        <a:font script="Yiii" typeface="Microsoft Yi Baiti"/>
+        <a:font script="Tibt" typeface="Microsoft Himalaya"/>
+        <a:font script="Thaa" typeface="MV Boli"/>
+        <a:font script="Deva" typeface="Mangal"/>
+        <a:font script="Telu" typeface="Gautami"/>
+        <a:font script="Taml" typeface="Latha"/>
+        <a:font script="Syrc" typeface="Estrangelo Edessa"/>
+        <a:font script="Orya" typeface="Kalinga"/>
+        <a:font script="Mlym" typeface="Kartika"/>
+        <a:font script="Laoo" typeface="DokChampa"/>
+        <a:font script="Sinh" typeface="Iskoola Pota"/>
+        <a:font script="Mong" typeface="Mongolian Baiti"/>
+        <a:font script="Viet" typeface="Arial"/>
+        <a:font script="Uigh" typeface="Microsoft Uighur"/>
+        <a:font script="Geor" typeface="Sylfaen"/>
+      </a:minorFont>
+    </a:fontScheme>
+    <a:fmtScheme name="Office">
+      <a:fillStyleLst>
+        <a:solidFill>
+          <a:schemeClr val="phClr"/>
+        </a:solidFill>
+        <a:gradFill rotWithShape="1">
+          <a:gsLst>
+            <a:gs pos="0">
+              <a:schemeClr val="phClr">
+                <a:tint val="50000"/>
+                <a:satMod val="300000"/>
+              </a:schemeClr>
+            </a:gs>
+            <a:gs pos="35000">
+              <a:schemeClr val="phClr">
+                <a:tint val="37000"/>
+                <a:satMod val="300000"/>
+              </a:schemeClr>
+            </a:gs>
+            <a:gs pos="100000">
+              <a:schemeClr val="phClr">
+                <a:tint val="15000"/>
+                <a:satMod val="350000"/>
+              </a:schemeClr>
+            </a:gs>
+          </a:gsLst>
+          <a:lin ang="16200000" scaled="1"/>
+        </a:gradFill>
+        <a:gradFill rotWithShape="1">
+          <a:gsLst>
+            <a:gs pos="0">
+              <a:schemeClr val="phClr">
+                <a:tint val="100000"/>
+                <a:shade val="100000"/>
+                <a:satMod val="130000"/>
+              </a:schemeClr>
+            </a:gs>
+            <a:gs pos="100000">
+              <a:schemeClr val="phClr">
+                <a:tint val="50000"/>
+                <a:shade val="100000"/>
+                <a:satMod val="350000"/>
+              </a:schemeClr>
+            </a:gs>
+          </a:gsLst>
+          <a:lin ang="16200000" scaled="0"/>
+        </a:gradFill>
+      </a:fillStyleLst>
+      <a:lnStyleLst>
+        <a:ln w="9525" cap="flat" cmpd="sng" algn="ctr">
+          <a:solidFill>
+            <a:schemeClr val="phClr">
+              <a:shade val="95000"/>
+              <a:satMod val="105000"/>
+            </a:schemeClr>
+          </a:solidFill>
+          <a:prstDash val="solid"/>
+        </a:ln>
+        <a:ln w="25400" cap="flat" cmpd="sng" algn="ctr">
+          <a:solidFill>
+            <a:schemeClr val="phClr"/>
+          </a:solidFill>
+          <a:prstDash val="solid"/>
+        </a:ln>
+        <a:ln w="38100" cap="flat" cmpd="sng" algn="ctr">
+          <a:solidFill>
+            <a:schemeClr val="phClr"/>
+          </a:solidFill>
+          <a:prstDash val="solid"/>
+        </a:ln>
+      </a:lnStyleLst>
+      <a:effectStyleLst>
+        <a:effectStyle>
+          <a:effectLst>
+            <a:outerShdw blurRad="40000" dist="20000" dir="5400000" rotWithShape="0">
+              <a:srgbClr val="000000">
+                <a:alpha val="38000"/>
+              </a:srgbClr>
+            </a:outerShdw>
+          </a:effectLst>
+        </a:effectStyle>
+        <a:effectStyle>
+          <a:effectLst>
+            <a:outerShdw blurRad="40000" dist="23000" dir="5400000" rotWithShape="0">
+              <a:srgbClr val="000000">
+                <a:alpha val="35000"/>
+              </a:srgbClr>
+            </a:outerShdw>
+          </a:effectLst>
+        </a:effectStyle>
+        <a:effectStyle>
+          <a:effectLst>
+            <a:outerShdw blurRad="40000" dist="23000" dir="5400000" rotWithShape="0">
+              <a:srgbClr val="000000">
+                <a:alpha val="35000"/>
+              </a:srgbClr>
+            </a:outerShdw>
+          </a:effectLst>
+          <a:scene3d>
+            <a:camera prst="orthographicFront">
+              <a:rot lat="0" lon="0" rev="0"/>
+            </a:camera>
+            <a:lightRig rig="threePt" dir="t">
+              <a:rot lat="0" lon="0" rev="1200000"/>
+            </a:lightRig>
+          </a:scene3d>
+          <a:sp3d>
+            <a:bevelT w="63500" h="25400"/>
+          </a:sp3d>
+        </a:effectStyle>
+      </a:effectStyleLst>
+      <a:bgFillStyleLst>
+        <a:solidFill>
+          <a:schemeClr val="phClr"/>
+        </a:solidFill>
+        <a:gradFill rotWithShape="1">
+          <a:gsLst>
+            <a:gs pos="0">
+              <a:schemeClr val="phClr">
+                <a:tint val="40000"/>
+                <a:satMod val="350000"/>
+              </a:schemeClr>
+            </a:gs>
+            <a:gs pos="40000">
+              <a:schemeClr val="phClr">
+                <a:tint val="45000"/>
+                <a:shade val="99000"/>
+                <a:satMod val="350000"/>
+              </a:schemeClr>
+            </a:gs>
+            <a:gs pos="100000">
+              <a:schemeClr val="phClr">
+                <a:shade val="20000"/>
+                <a:satMod val="255000"/>
+              </a:schemeClr>
+            </a:gs>
+          </a:gsLst>
+          <a:path path="circle">
+            <a:fillToRect l="50000" t="-80000" r="50000" b="180000"/>
+          </a:path>
+        </a:gradFill>
+        <a:gradFill rotWithShape="1">
+          <a:gsLst>
+            <a:gs pos="0">
+              <a:schemeClr val="phClr">
+                <a:tint val="80000"/>
+                <a:satMod val="300000"/>
+              </a:schemeClr>
+            </a:gs>
+            <a:gs pos="100000">
+              <a:schemeClr val="phClr">
+                <a:shade val="30000"/>
+                <a:satMod val="200000"/>
+              </a:schemeClr>
+            </a:gs>
+          </a:gsLst>
+          <a:path path="circle">
+            <a:fillToRect l="50000" t="50000" r="50000" b="50000"/>
+          </a:path>
+        </a:gradFill>
+      </a:bgFillStyleLst>
+    </a:fmtScheme>
+  </a:themeElements>
+</a:theme>
+</file>
+
+<file path=ppt/theme/theme2.xml><?xml version="1.0" encoding="utf-8"?>
 <a:theme xmlns:a="http://schemas.openxmlformats.org/drawingml/2006/main" xmlns:r="http://schemas.openxmlformats.org/officeDocument/2006/relationships">
   <a:themeElements>
     <a:clrScheme name="Default">
@@ -52977,7 +50569,7 @@
 </a:theme>
 </file>
 
-<file path=ppt/theme/theme2.xml><?xml version="1.0" encoding="utf-8"?>
+<file path=ppt/theme/theme3.xml><?xml version="1.0" encoding="utf-8"?>
 <a:theme xmlns:a="http://schemas.openxmlformats.org/drawingml/2006/main" xmlns:r="http://schemas.openxmlformats.org/officeDocument/2006/relationships" name="Strategy Plan">
   <a:themeElements>
     <a:clrScheme name="Simple Light">
@@ -53254,283 +50846,4 @@
     </a:fmtScheme>
   </a:themeElements>
 </a:theme>
-</file>
-
-<file path=ppt/theme/theme3.xml><?xml version="1.0" encoding="utf-8"?>
-<a:theme xmlns:a="http://schemas.openxmlformats.org/drawingml/2006/main" xmlns:r="http://schemas.openxmlformats.org/officeDocument/2006/relationships" name="Simple Light">
-  <a:themeElements>
-    <a:clrScheme name="Simple Light">
-      <a:dk1>
-        <a:srgbClr val="000000"/>
-      </a:dk1>
-      <a:lt1>
-        <a:srgbClr val="FFFFFF"/>
-      </a:lt1>
-      <a:dk2>
-        <a:srgbClr val="595959"/>
-      </a:dk2>
-      <a:lt2>
-        <a:srgbClr val="EEEEEE"/>
-      </a:lt2>
-      <a:accent1>
-        <a:srgbClr val="4285F4"/>
-      </a:accent1>
-      <a:accent2>
-        <a:srgbClr val="212121"/>
-      </a:accent2>
-      <a:accent3>
-        <a:srgbClr val="78909C"/>
-      </a:accent3>
-      <a:accent4>
-        <a:srgbClr val="FFAB40"/>
-      </a:accent4>
-      <a:accent5>
-        <a:srgbClr val="0097A7"/>
-      </a:accent5>
-      <a:accent6>
-        <a:srgbClr val="EEFF41"/>
-      </a:accent6>
-      <a:hlink>
-        <a:srgbClr val="0097A7"/>
-      </a:hlink>
-      <a:folHlink>
-        <a:srgbClr val="0097A7"/>
-      </a:folHlink>
-    </a:clrScheme>
-    <a:fontScheme name="Office">
-      <a:majorFont>
-        <a:latin typeface="Arial"/>
-        <a:ea typeface=""/>
-        <a:cs typeface=""/>
-        <a:font script="Jpan" typeface="ＭＳ Ｐゴシック"/>
-        <a:font script="Hang" typeface="맑은 고딕"/>
-        <a:font script="Hans" typeface="宋体"/>
-        <a:font script="Hant" typeface="新細明體"/>
-        <a:font script="Arab" typeface="Times New Roman"/>
-        <a:font script="Hebr" typeface="Times New Roman"/>
-        <a:font script="Thai" typeface="Angsana New"/>
-        <a:font script="Ethi" typeface="Nyala"/>
-        <a:font script="Beng" typeface="Vrinda"/>
-        <a:font script="Gujr" typeface="Shruti"/>
-        <a:font script="Khmr" typeface="MoolBoran"/>
-        <a:font script="Knda" typeface="Tunga"/>
-        <a:font script="Guru" typeface="Raavi"/>
-        <a:font script="Cans" typeface="Euphemia"/>
-        <a:font script="Cher" typeface="Plantagenet Cherokee"/>
-        <a:font script="Yiii" typeface="Microsoft Yi Baiti"/>
-        <a:font script="Tibt" typeface="Microsoft Himalaya"/>
-        <a:font script="Thaa" typeface="MV Boli"/>
-        <a:font script="Deva" typeface="Mangal"/>
-        <a:font script="Telu" typeface="Gautami"/>
-        <a:font script="Taml" typeface="Latha"/>
-        <a:font script="Syrc" typeface="Estrangelo Edessa"/>
-        <a:font script="Orya" typeface="Kalinga"/>
-        <a:font script="Mlym" typeface="Kartika"/>
-        <a:font script="Laoo" typeface="DokChampa"/>
-        <a:font script="Sinh" typeface="Iskoola Pota"/>
-        <a:font script="Mong" typeface="Mongolian Baiti"/>
-        <a:font script="Viet" typeface="Times New Roman"/>
-        <a:font script="Uigh" typeface="Microsoft Uighur"/>
-        <a:font script="Geor" typeface="Sylfaen"/>
-      </a:majorFont>
-      <a:minorFont>
-        <a:latin typeface="Arial"/>
-        <a:ea typeface=""/>
-        <a:cs typeface=""/>
-        <a:font script="Jpan" typeface="ＭＳ Ｐゴシック"/>
-        <a:font script="Hang" typeface="맑은 고딕"/>
-        <a:font script="Hans" typeface="宋体"/>
-        <a:font script="Hant" typeface="新細明體"/>
-        <a:font script="Arab" typeface="Arial"/>
-        <a:font script="Hebr" typeface="Arial"/>
-        <a:font script="Thai" typeface="Cordia New"/>
-        <a:font script="Ethi" typeface="Nyala"/>
-        <a:font script="Beng" typeface="Vrinda"/>
-        <a:font script="Gujr" typeface="Shruti"/>
-        <a:font script="Khmr" typeface="DaunPenh"/>
-        <a:font script="Knda" typeface="Tunga"/>
-        <a:font script="Guru" typeface="Raavi"/>
-        <a:font script="Cans" typeface="Euphemia"/>
-        <a:font script="Cher" typeface="Plantagenet Cherokee"/>
-        <a:font script="Yiii" typeface="Microsoft Yi Baiti"/>
-        <a:font script="Tibt" typeface="Microsoft Himalaya"/>
-        <a:font script="Thaa" typeface="MV Boli"/>
-        <a:font script="Deva" typeface="Mangal"/>
-        <a:font script="Telu" typeface="Gautami"/>
-        <a:font script="Taml" typeface="Latha"/>
-        <a:font script="Syrc" typeface="Estrangelo Edessa"/>
-        <a:font script="Orya" typeface="Kalinga"/>
-        <a:font script="Mlym" typeface="Kartika"/>
-        <a:font script="Laoo" typeface="DokChampa"/>
-        <a:font script="Sinh" typeface="Iskoola Pota"/>
-        <a:font script="Mong" typeface="Mongolian Baiti"/>
-        <a:font script="Viet" typeface="Arial"/>
-        <a:font script="Uigh" typeface="Microsoft Uighur"/>
-        <a:font script="Geor" typeface="Sylfaen"/>
-      </a:minorFont>
-    </a:fontScheme>
-    <a:fmtScheme name="Office">
-      <a:fillStyleLst>
-        <a:solidFill>
-          <a:schemeClr val="phClr"/>
-        </a:solidFill>
-        <a:gradFill rotWithShape="1">
-          <a:gsLst>
-            <a:gs pos="0">
-              <a:schemeClr val="phClr">
-                <a:tint val="50000"/>
-                <a:satMod val="300000"/>
-              </a:schemeClr>
-            </a:gs>
-            <a:gs pos="35000">
-              <a:schemeClr val="phClr">
-                <a:tint val="37000"/>
-                <a:satMod val="300000"/>
-              </a:schemeClr>
-            </a:gs>
-            <a:gs pos="100000">
-              <a:schemeClr val="phClr">
-                <a:tint val="15000"/>
-                <a:satMod val="350000"/>
-              </a:schemeClr>
-            </a:gs>
-          </a:gsLst>
-          <a:lin ang="16200000" scaled="1"/>
-        </a:gradFill>
-        <a:gradFill rotWithShape="1">
-          <a:gsLst>
-            <a:gs pos="0">
-              <a:schemeClr val="phClr">
-                <a:tint val="100000"/>
-                <a:shade val="100000"/>
-                <a:satMod val="130000"/>
-              </a:schemeClr>
-            </a:gs>
-            <a:gs pos="100000">
-              <a:schemeClr val="phClr">
-                <a:tint val="50000"/>
-                <a:shade val="100000"/>
-                <a:satMod val="350000"/>
-              </a:schemeClr>
-            </a:gs>
-          </a:gsLst>
-          <a:lin ang="16200000" scaled="0"/>
-        </a:gradFill>
-      </a:fillStyleLst>
-      <a:lnStyleLst>
-        <a:ln w="9525" cap="flat" cmpd="sng" algn="ctr">
-          <a:solidFill>
-            <a:schemeClr val="phClr">
-              <a:shade val="95000"/>
-              <a:satMod val="105000"/>
-            </a:schemeClr>
-          </a:solidFill>
-          <a:prstDash val="solid"/>
-        </a:ln>
-        <a:ln w="25400" cap="flat" cmpd="sng" algn="ctr">
-          <a:solidFill>
-            <a:schemeClr val="phClr"/>
-          </a:solidFill>
-          <a:prstDash val="solid"/>
-        </a:ln>
-        <a:ln w="38100" cap="flat" cmpd="sng" algn="ctr">
-          <a:solidFill>
-            <a:schemeClr val="phClr"/>
-          </a:solidFill>
-          <a:prstDash val="solid"/>
-        </a:ln>
-      </a:lnStyleLst>
-      <a:effectStyleLst>
-        <a:effectStyle>
-          <a:effectLst>
-            <a:outerShdw blurRad="40000" dist="20000" dir="5400000" rotWithShape="0">
-              <a:srgbClr val="000000">
-                <a:alpha val="38000"/>
-              </a:srgbClr>
-            </a:outerShdw>
-          </a:effectLst>
-        </a:effectStyle>
-        <a:effectStyle>
-          <a:effectLst>
-            <a:outerShdw blurRad="40000" dist="23000" dir="5400000" rotWithShape="0">
-              <a:srgbClr val="000000">
-                <a:alpha val="35000"/>
-              </a:srgbClr>
-            </a:outerShdw>
-          </a:effectLst>
-        </a:effectStyle>
-        <a:effectStyle>
-          <a:effectLst>
-            <a:outerShdw blurRad="40000" dist="23000" dir="5400000" rotWithShape="0">
-              <a:srgbClr val="000000">
-                <a:alpha val="35000"/>
-              </a:srgbClr>
-            </a:outerShdw>
-          </a:effectLst>
-          <a:scene3d>
-            <a:camera prst="orthographicFront">
-              <a:rot lat="0" lon="0" rev="0"/>
-            </a:camera>
-            <a:lightRig rig="threePt" dir="t">
-              <a:rot lat="0" lon="0" rev="1200000"/>
-            </a:lightRig>
-          </a:scene3d>
-          <a:sp3d>
-            <a:bevelT w="63500" h="25400"/>
-          </a:sp3d>
-        </a:effectStyle>
-      </a:effectStyleLst>
-      <a:bgFillStyleLst>
-        <a:solidFill>
-          <a:schemeClr val="phClr"/>
-        </a:solidFill>
-        <a:gradFill rotWithShape="1">
-          <a:gsLst>
-            <a:gs pos="0">
-              <a:schemeClr val="phClr">
-                <a:tint val="40000"/>
-                <a:satMod val="350000"/>
-              </a:schemeClr>
-            </a:gs>
-            <a:gs pos="40000">
-              <a:schemeClr val="phClr">
-                <a:tint val="45000"/>
-                <a:shade val="99000"/>
-                <a:satMod val="350000"/>
-              </a:schemeClr>
-            </a:gs>
-            <a:gs pos="100000">
-              <a:schemeClr val="phClr">
-                <a:shade val="20000"/>
-                <a:satMod val="255000"/>
-              </a:schemeClr>
-            </a:gs>
-          </a:gsLst>
-          <a:path path="circle">
-            <a:fillToRect l="50000" t="-80000" r="50000" b="180000"/>
-          </a:path>
-        </a:gradFill>
-        <a:gradFill rotWithShape="1">
-          <a:gsLst>
-            <a:gs pos="0">
-              <a:schemeClr val="phClr">
-                <a:tint val="80000"/>
-                <a:satMod val="300000"/>
-              </a:schemeClr>
-            </a:gs>
-            <a:gs pos="100000">
-              <a:schemeClr val="phClr">
-                <a:shade val="30000"/>
-                <a:satMod val="200000"/>
-              </a:schemeClr>
-            </a:gs>
-          </a:gsLst>
-          <a:path path="circle">
-            <a:fillToRect l="50000" t="50000" r="50000" b="50000"/>
-          </a:path>
-        </a:gradFill>
-      </a:bgFillStyleLst>
-    </a:fmtScheme>
-  </a:themeElements>
-</a:theme>
 </file>